--- a/ea_in_a_devops_time.pptx
+++ b/ea_in_a_devops_time.pptx
@@ -5,7 +5,7 @@
     <p:sldMasterId id="2147483648" r:id="rId1"/>
   </p:sldMasterIdLst>
   <p:notesMasterIdLst>
-    <p:notesMasterId r:id="rId119"/>
+    <p:notesMasterId r:id="rId122"/>
   </p:notesMasterIdLst>
   <p:sldIdLst>
     <p:sldId id="256" r:id="rId2"/>
@@ -81,50 +81,53 @@
     <p:sldId id="326" r:id="rId72"/>
     <p:sldId id="327" r:id="rId73"/>
     <p:sldId id="328" r:id="rId74"/>
-    <p:sldId id="329" r:id="rId75"/>
-    <p:sldId id="330" r:id="rId76"/>
-    <p:sldId id="331" r:id="rId77"/>
-    <p:sldId id="332" r:id="rId78"/>
-    <p:sldId id="333" r:id="rId79"/>
-    <p:sldId id="334" r:id="rId80"/>
-    <p:sldId id="335" r:id="rId81"/>
-    <p:sldId id="336" r:id="rId82"/>
-    <p:sldId id="337" r:id="rId83"/>
-    <p:sldId id="338" r:id="rId84"/>
-    <p:sldId id="339" r:id="rId85"/>
-    <p:sldId id="340" r:id="rId86"/>
-    <p:sldId id="341" r:id="rId87"/>
-    <p:sldId id="342" r:id="rId88"/>
-    <p:sldId id="343" r:id="rId89"/>
-    <p:sldId id="344" r:id="rId90"/>
-    <p:sldId id="345" r:id="rId91"/>
-    <p:sldId id="346" r:id="rId92"/>
-    <p:sldId id="347" r:id="rId93"/>
-    <p:sldId id="348" r:id="rId94"/>
-    <p:sldId id="349" r:id="rId95"/>
-    <p:sldId id="350" r:id="rId96"/>
-    <p:sldId id="353" r:id="rId97"/>
-    <p:sldId id="354" r:id="rId98"/>
-    <p:sldId id="355" r:id="rId99"/>
-    <p:sldId id="356" r:id="rId100"/>
-    <p:sldId id="357" r:id="rId101"/>
-    <p:sldId id="358" r:id="rId102"/>
-    <p:sldId id="359" r:id="rId103"/>
-    <p:sldId id="360" r:id="rId104"/>
-    <p:sldId id="361" r:id="rId105"/>
-    <p:sldId id="362" r:id="rId106"/>
-    <p:sldId id="363" r:id="rId107"/>
-    <p:sldId id="364" r:id="rId108"/>
-    <p:sldId id="365" r:id="rId109"/>
-    <p:sldId id="366" r:id="rId110"/>
-    <p:sldId id="367" r:id="rId111"/>
-    <p:sldId id="368" r:id="rId112"/>
-    <p:sldId id="369" r:id="rId113"/>
-    <p:sldId id="370" r:id="rId114"/>
-    <p:sldId id="371" r:id="rId115"/>
-    <p:sldId id="372" r:id="rId116"/>
-    <p:sldId id="373" r:id="rId117"/>
-    <p:sldId id="374" r:id="rId118"/>
+    <p:sldId id="379" r:id="rId75"/>
+    <p:sldId id="380" r:id="rId76"/>
+    <p:sldId id="381" r:id="rId77"/>
+    <p:sldId id="329" r:id="rId78"/>
+    <p:sldId id="330" r:id="rId79"/>
+    <p:sldId id="331" r:id="rId80"/>
+    <p:sldId id="332" r:id="rId81"/>
+    <p:sldId id="333" r:id="rId82"/>
+    <p:sldId id="334" r:id="rId83"/>
+    <p:sldId id="335" r:id="rId84"/>
+    <p:sldId id="336" r:id="rId85"/>
+    <p:sldId id="337" r:id="rId86"/>
+    <p:sldId id="338" r:id="rId87"/>
+    <p:sldId id="339" r:id="rId88"/>
+    <p:sldId id="340" r:id="rId89"/>
+    <p:sldId id="341" r:id="rId90"/>
+    <p:sldId id="342" r:id="rId91"/>
+    <p:sldId id="343" r:id="rId92"/>
+    <p:sldId id="344" r:id="rId93"/>
+    <p:sldId id="345" r:id="rId94"/>
+    <p:sldId id="346" r:id="rId95"/>
+    <p:sldId id="347" r:id="rId96"/>
+    <p:sldId id="348" r:id="rId97"/>
+    <p:sldId id="349" r:id="rId98"/>
+    <p:sldId id="350" r:id="rId99"/>
+    <p:sldId id="353" r:id="rId100"/>
+    <p:sldId id="354" r:id="rId101"/>
+    <p:sldId id="355" r:id="rId102"/>
+    <p:sldId id="356" r:id="rId103"/>
+    <p:sldId id="357" r:id="rId104"/>
+    <p:sldId id="358" r:id="rId105"/>
+    <p:sldId id="359" r:id="rId106"/>
+    <p:sldId id="360" r:id="rId107"/>
+    <p:sldId id="361" r:id="rId108"/>
+    <p:sldId id="362" r:id="rId109"/>
+    <p:sldId id="363" r:id="rId110"/>
+    <p:sldId id="364" r:id="rId111"/>
+    <p:sldId id="365" r:id="rId112"/>
+    <p:sldId id="366" r:id="rId113"/>
+    <p:sldId id="367" r:id="rId114"/>
+    <p:sldId id="368" r:id="rId115"/>
+    <p:sldId id="369" r:id="rId116"/>
+    <p:sldId id="370" r:id="rId117"/>
+    <p:sldId id="371" r:id="rId118"/>
+    <p:sldId id="372" r:id="rId119"/>
+    <p:sldId id="373" r:id="rId120"/>
+    <p:sldId id="374" r:id="rId121"/>
   </p:sldIdLst>
   <p:sldSz cx="12192000" cy="6858000"/>
   <p:notesSz cx="6858000" cy="9144000"/>
@@ -983,7 +986,7 @@
           <a:p>
             <a:fld id="{6525C509-FCE7-1E4E-BABF-F948CC4246E2}" type="datetimeFigureOut">
               <a:rPr lang="en-US" smtClean="0"/>
-              <a:t>9/23/2019</a:t>
+              <a:t>10/11/2019</a:t>
             </a:fld>
             <a:endParaRPr lang="en-US"/>
           </a:p>
@@ -1524,9 +1527,18 @@
           <a:lstStyle/>
           <a:p>
             <a:pPr rtl="0"/>
-            <a:endParaRPr lang="en-US" b="0" dirty="0">
-              <a:effectLst/>
-            </a:endParaRPr>
+            <a:r>
+              <a:rPr lang="en-US" sz="1200" b="0" i="0" u="none" strike="noStrike" kern="1200" dirty="0">
+                <a:solidFill>
+                  <a:schemeClr val="tx1"/>
+                </a:solidFill>
+                <a:effectLst/>
+                <a:latin typeface="+mn-lt"/>
+                <a:ea typeface="+mn-ea"/>
+                <a:cs typeface="+mn-cs"/>
+              </a:rPr>
+              <a:t>And in most enterprises, the actual systems in place in each of these areas is a hodge-podge of "off the shelf" solutions and custom built software. Even if you have a big ERP implementation, it's likely been surrounded over the years with lots of barnacles; bolted on components that fill a specific niche need, or connect to another system. As I said earlier, Enterprises are messy things.</a:t>
+            </a:r>
           </a:p>
         </p:txBody>
       </p:sp>
@@ -1556,7 +1568,7 @@
     </p:spTree>
     <p:extLst>
       <p:ext uri="{BB962C8B-B14F-4D97-AF65-F5344CB8AC3E}">
-        <p14:creationId xmlns:p14="http://schemas.microsoft.com/office/powerpoint/2010/main" val="785252660"/>
+        <p14:creationId xmlns:p14="http://schemas.microsoft.com/office/powerpoint/2010/main" val="2192392890"/>
       </p:ext>
     </p:extLst>
   </p:cSld>
@@ -1626,8 +1638,11 @@
                 <a:ea typeface="+mn-ea"/>
                 <a:cs typeface="+mn-cs"/>
               </a:rPr>
-              <a:t>Synchronous interactions in today's enterprises *usually* take the form of direct calls from one system to another via an exposed API layer.</a:t>
-            </a:r>
+              <a:t>So, Enterprise Architects can often be most beneficial to the enterprise by focusing their efforts on the seams between systems, and the teams behind those systems, and how they interact with each other and the rest of the enterprise.</a:t>
+            </a:r>
+            <a:endParaRPr lang="en-US" b="0" dirty="0">
+              <a:effectLst/>
+            </a:endParaRPr>
           </a:p>
         </p:txBody>
       </p:sp>
@@ -1657,7 +1672,7 @@
     </p:spTree>
     <p:extLst>
       <p:ext uri="{BB962C8B-B14F-4D97-AF65-F5344CB8AC3E}">
-        <p14:creationId xmlns:p14="http://schemas.microsoft.com/office/powerpoint/2010/main" val="1732835949"/>
+        <p14:creationId xmlns:p14="http://schemas.microsoft.com/office/powerpoint/2010/main" val="2421964280"/>
       </p:ext>
     </p:extLst>
   </p:cSld>
@@ -1727,7 +1742,34 @@
                 <a:ea typeface="+mn-ea"/>
                 <a:cs typeface="+mn-cs"/>
               </a:rPr>
-              <a:t>The most modern approach is REST, but it's also common for older, legacy approaches to APIs to be active as well, things like SOAP, EJB, Direct Database Access, and who knows what else?</a:t>
+              <a:t>Even if you have a robust set of ADRs that describe the decisions that were made around different systems, there still needs to be a good understand of how data and information flows between these systems, and what techniques are in place to ensure that these seams are robust and well understood.</a:t>
+            </a:r>
+          </a:p>
+          <a:p>
+            <a:pPr rtl="0"/>
+            <a:endParaRPr lang="en-US" sz="1200" b="0" i="0" u="none" strike="noStrike" kern="1200" dirty="0">
+              <a:solidFill>
+                <a:schemeClr val="tx1"/>
+              </a:solidFill>
+              <a:effectLst/>
+              <a:latin typeface="+mn-lt"/>
+              <a:ea typeface="+mn-ea"/>
+              <a:cs typeface="+mn-cs"/>
+            </a:endParaRPr>
+          </a:p>
+          <a:p>
+            <a:pPr rtl="0"/>
+            <a:r>
+              <a:rPr lang="en-US" sz="1200" b="0" i="0" u="none" strike="noStrike" kern="1200" dirty="0">
+                <a:solidFill>
+                  <a:schemeClr val="tx1"/>
+                </a:solidFill>
+                <a:effectLst/>
+                <a:latin typeface="+mn-lt"/>
+                <a:ea typeface="+mn-ea"/>
+                <a:cs typeface="+mn-cs"/>
+              </a:rPr>
+              <a:t>Let's talk about the two main ways that systems interact:</a:t>
             </a:r>
             <a:endParaRPr lang="en-US" b="0" dirty="0">
               <a:effectLst/>
@@ -1761,7 +1803,7 @@
     </p:spTree>
     <p:extLst>
       <p:ext uri="{BB962C8B-B14F-4D97-AF65-F5344CB8AC3E}">
-        <p14:creationId xmlns:p14="http://schemas.microsoft.com/office/powerpoint/2010/main" val="1681868794"/>
+        <p14:creationId xmlns:p14="http://schemas.microsoft.com/office/powerpoint/2010/main" val="121608143"/>
       </p:ext>
     </p:extLst>
   </p:cSld>
@@ -1821,18 +1863,6 @@
           <a:lstStyle/>
           <a:p>
             <a:pPr rtl="0"/>
-            <a:r>
-              <a:rPr lang="en-US" sz="1200" b="0" i="0" u="none" strike="noStrike" kern="1200" dirty="0">
-                <a:solidFill>
-                  <a:schemeClr val="tx1"/>
-                </a:solidFill>
-                <a:effectLst/>
-                <a:latin typeface="+mn-lt"/>
-                <a:ea typeface="+mn-ea"/>
-                <a:cs typeface="+mn-cs"/>
-              </a:rPr>
-              <a:t>One of the most common problems that happens in complex enterprises with many teams is that changes to APIs have a ripple effect; especially if they are not done with care. This is a great place for Enterprise Architects -- work with teams to develop a robust API versioning approach, and work to socialize it across the enterprise (sounds like a good topic for a SIG, which an Enterprise Architect could lead). When developing an API versioning approach, there are a couple of key things to make sure *all teams* understand:</a:t>
-            </a:r>
             <a:endParaRPr lang="en-US" b="0" dirty="0">
               <a:effectLst/>
             </a:endParaRPr>
@@ -1865,7 +1895,7 @@
     </p:spTree>
     <p:extLst>
       <p:ext uri="{BB962C8B-B14F-4D97-AF65-F5344CB8AC3E}">
-        <p14:creationId xmlns:p14="http://schemas.microsoft.com/office/powerpoint/2010/main" val="3930638875"/>
+        <p14:creationId xmlns:p14="http://schemas.microsoft.com/office/powerpoint/2010/main" val="785252660"/>
       </p:ext>
     </p:extLst>
   </p:cSld>
@@ -1924,7 +1954,7 @@
           <a:bodyPr/>
           <a:lstStyle/>
           <a:p>
-            <a:pPr rtl="0" fontAlgn="base"/>
+            <a:pPr rtl="0"/>
             <a:r>
               <a:rPr lang="en-US" sz="1200" b="0" i="0" u="none" strike="noStrike" kern="1200" dirty="0">
                 <a:solidFill>
@@ -1935,55 +1965,7 @@
                 <a:ea typeface="+mn-ea"/>
                 <a:cs typeface="+mn-cs"/>
               </a:rPr>
-              <a:t>Think in terms of semantic versioning -- </a:t>
-            </a:r>
-            <a:r>
-              <a:rPr lang="en-US" sz="1200" b="0" i="0" u="none" strike="noStrike" kern="1200" dirty="0" err="1">
-                <a:solidFill>
-                  <a:schemeClr val="tx1"/>
-                </a:solidFill>
-                <a:effectLst/>
-                <a:latin typeface="+mn-lt"/>
-                <a:ea typeface="+mn-ea"/>
-                <a:cs typeface="+mn-cs"/>
-              </a:rPr>
-              <a:t>major.minor.patch</a:t>
-            </a:r>
-            <a:endParaRPr lang="en-US" sz="1200" b="0" i="0" u="none" strike="noStrike" kern="1200" dirty="0">
-              <a:solidFill>
-                <a:schemeClr val="tx1"/>
-              </a:solidFill>
-              <a:effectLst/>
-              <a:latin typeface="+mn-lt"/>
-              <a:ea typeface="+mn-ea"/>
-              <a:cs typeface="+mn-cs"/>
-            </a:endParaRPr>
-          </a:p>
-          <a:p>
-            <a:pPr rtl="0" fontAlgn="base"/>
-            <a:endParaRPr lang="en-US" sz="1200" b="0" i="0" u="none" strike="noStrike" kern="1200" dirty="0">
-              <a:solidFill>
-                <a:schemeClr val="tx1"/>
-              </a:solidFill>
-              <a:effectLst/>
-              <a:latin typeface="+mn-lt"/>
-              <a:ea typeface="+mn-ea"/>
-              <a:cs typeface="+mn-cs"/>
-            </a:endParaRPr>
-          </a:p>
-          <a:p>
-            <a:pPr rtl="0" fontAlgn="base"/>
-            <a:r>
-              <a:rPr lang="en-US" sz="1200" b="0" i="0" u="none" strike="noStrike" kern="1200" dirty="0">
-                <a:solidFill>
-                  <a:schemeClr val="tx1"/>
-                </a:solidFill>
-                <a:effectLst/>
-                <a:latin typeface="+mn-lt"/>
-                <a:ea typeface="+mn-ea"/>
-                <a:cs typeface="+mn-cs"/>
-              </a:rPr>
-              <a:t>patches &amp; minor releases are *guaranteed* to be backward compatible, major releases are not</a:t>
+              <a:t>Synchronous interactions in today's enterprises *usually* take the form of direct calls from one system to another via an exposed API layer.</a:t>
             </a:r>
           </a:p>
         </p:txBody>
@@ -2014,7 +1996,7 @@
     </p:spTree>
     <p:extLst>
       <p:ext uri="{BB962C8B-B14F-4D97-AF65-F5344CB8AC3E}">
-        <p14:creationId xmlns:p14="http://schemas.microsoft.com/office/powerpoint/2010/main" val="3114919468"/>
+        <p14:creationId xmlns:p14="http://schemas.microsoft.com/office/powerpoint/2010/main" val="1732835949"/>
       </p:ext>
     </p:extLst>
   </p:cSld>
@@ -2073,7 +2055,7 @@
           <a:bodyPr/>
           <a:lstStyle/>
           <a:p>
-            <a:pPr rtl="0" fontAlgn="base"/>
+            <a:pPr rtl="0"/>
             <a:r>
               <a:rPr lang="en-US" sz="1200" b="0" i="0" u="none" strike="noStrike" kern="1200" dirty="0">
                 <a:solidFill>
@@ -2084,8 +2066,11 @@
                 <a:ea typeface="+mn-ea"/>
                 <a:cs typeface="+mn-cs"/>
               </a:rPr>
-              <a:t>Ensure that there are methods in place to actually make this guarantee a reality. There are lots of tools and techniques out there for testing API contracts; figure out which ones make sense for you and your teams</a:t>
-            </a:r>
+              <a:t>The most modern approach is REST, but it's also common for older, legacy approaches to APIs to be active as well, things like SOAP, EJB, Direct Database Access, and who knows what else?</a:t>
+            </a:r>
+            <a:endParaRPr lang="en-US" b="0" dirty="0">
+              <a:effectLst/>
+            </a:endParaRPr>
           </a:p>
         </p:txBody>
       </p:sp>
@@ -2115,7 +2100,7 @@
     </p:spTree>
     <p:extLst>
       <p:ext uri="{BB962C8B-B14F-4D97-AF65-F5344CB8AC3E}">
-        <p14:creationId xmlns:p14="http://schemas.microsoft.com/office/powerpoint/2010/main" val="1135607531"/>
+        <p14:creationId xmlns:p14="http://schemas.microsoft.com/office/powerpoint/2010/main" val="1681868794"/>
       </p:ext>
     </p:extLst>
   </p:cSld>
@@ -2174,7 +2159,7 @@
           <a:bodyPr/>
           <a:lstStyle/>
           <a:p>
-            <a:pPr rtl="0" fontAlgn="base"/>
+            <a:pPr rtl="0"/>
             <a:r>
               <a:rPr lang="en-US" sz="1200" b="0" i="0" u="none" strike="noStrike" kern="1200" dirty="0">
                 <a:solidFill>
@@ -2185,8 +2170,11 @@
                 <a:ea typeface="+mn-ea"/>
                 <a:cs typeface="+mn-cs"/>
               </a:rPr>
-              <a:t>Accept that there will need to be multiple versions of APIs running concurrently, but have a plan to sunset old versions as quickly as possible. You might need to change your API in a way that breaks backward compatibility, but you also need to make sure you give other teams a chance to catch up. After all, their priorities may be very different than yours. Make sure that your DevOps tooling supports multiple concurrent versions, you'll need it!</a:t>
-            </a:r>
+              <a:t>One of the most common problems that happens in complex enterprises with many teams is that changes to APIs have a ripple effect; especially if they are not done with care. This is a great place for Enterprise Architects -- work with teams to develop a robust API versioning approach, and work to socialize it across the enterprise (sounds like a good topic for a SIG, which an Enterprise Architect could lead). When developing an API versioning approach, there are a couple of key things to make sure *all teams* understand:</a:t>
+            </a:r>
+            <a:endParaRPr lang="en-US" b="0" dirty="0">
+              <a:effectLst/>
+            </a:endParaRPr>
           </a:p>
         </p:txBody>
       </p:sp>
@@ -2216,7 +2204,7 @@
     </p:spTree>
     <p:extLst>
       <p:ext uri="{BB962C8B-B14F-4D97-AF65-F5344CB8AC3E}">
-        <p14:creationId xmlns:p14="http://schemas.microsoft.com/office/powerpoint/2010/main" val="2118885402"/>
+        <p14:creationId xmlns:p14="http://schemas.microsoft.com/office/powerpoint/2010/main" val="3930638875"/>
       </p:ext>
     </p:extLst>
   </p:cSld>
@@ -2275,7 +2263,7 @@
           <a:bodyPr/>
           <a:lstStyle/>
           <a:p>
-            <a:pPr rtl="0"/>
+            <a:pPr rtl="0" fontAlgn="base"/>
             <a:r>
               <a:rPr lang="en-US" sz="1200" b="0" i="0" u="none" strike="noStrike" kern="1200" dirty="0">
                 <a:solidFill>
@@ -2286,11 +2274,56 @@
                 <a:ea typeface="+mn-ea"/>
                 <a:cs typeface="+mn-cs"/>
               </a:rPr>
-              <a:t>Another problem with having lots of teams with lots of APIs is exposing them to other teams, with the appropriate documentation on how to consume them. Tools like Swagger, which expose your public APIs in a way that makes them easy to understand can really help in this area; do some investigation and spiking and bake things like this into reference implementations.</a:t>
-            </a:r>
-            <a:endParaRPr lang="en-US" b="0" dirty="0">
+              <a:t>Think in terms of semantic versioning -- </a:t>
+            </a:r>
+            <a:r>
+              <a:rPr lang="en-US" sz="1200" b="0" i="0" u="none" strike="noStrike" kern="1200" dirty="0" err="1">
+                <a:solidFill>
+                  <a:schemeClr val="tx1"/>
+                </a:solidFill>
+                <a:effectLst/>
+                <a:latin typeface="+mn-lt"/>
+                <a:ea typeface="+mn-ea"/>
+                <a:cs typeface="+mn-cs"/>
+              </a:rPr>
+              <a:t>major.minor.patch</a:t>
+            </a:r>
+            <a:endParaRPr lang="en-US" sz="1200" b="0" i="0" u="none" strike="noStrike" kern="1200" dirty="0">
+              <a:solidFill>
+                <a:schemeClr val="tx1"/>
+              </a:solidFill>
               <a:effectLst/>
+              <a:latin typeface="+mn-lt"/>
+              <a:ea typeface="+mn-ea"/>
+              <a:cs typeface="+mn-cs"/>
             </a:endParaRPr>
+          </a:p>
+          <a:p>
+            <a:pPr rtl="0" fontAlgn="base"/>
+            <a:endParaRPr lang="en-US" sz="1200" b="0" i="0" u="none" strike="noStrike" kern="1200" dirty="0">
+              <a:solidFill>
+                <a:schemeClr val="tx1"/>
+              </a:solidFill>
+              <a:effectLst/>
+              <a:latin typeface="+mn-lt"/>
+              <a:ea typeface="+mn-ea"/>
+              <a:cs typeface="+mn-cs"/>
+            </a:endParaRPr>
+          </a:p>
+          <a:p>
+            <a:pPr rtl="0" fontAlgn="base"/>
+            <a:r>
+              <a:rPr lang="en-US" sz="1200" b="0" i="0" u="none" strike="noStrike" kern="1200" dirty="0">
+                <a:solidFill>
+                  <a:schemeClr val="tx1"/>
+                </a:solidFill>
+                <a:effectLst/>
+                <a:latin typeface="+mn-lt"/>
+                <a:ea typeface="+mn-ea"/>
+                <a:cs typeface="+mn-cs"/>
+              </a:rPr>
+              <a:t>patches &amp; minor releases are *guaranteed* to be backward compatible, major releases are not</a:t>
+            </a:r>
           </a:p>
         </p:txBody>
       </p:sp>
@@ -2320,7 +2353,7 @@
     </p:spTree>
     <p:extLst>
       <p:ext uri="{BB962C8B-B14F-4D97-AF65-F5344CB8AC3E}">
-        <p14:creationId xmlns:p14="http://schemas.microsoft.com/office/powerpoint/2010/main" val="4218733175"/>
+        <p14:creationId xmlns:p14="http://schemas.microsoft.com/office/powerpoint/2010/main" val="3114919468"/>
       </p:ext>
     </p:extLst>
   </p:cSld>
@@ -2379,10 +2412,19 @@
           <a:bodyPr/>
           <a:lstStyle/>
           <a:p>
-            <a:pPr rtl="0"/>
-            <a:endParaRPr lang="en-US" b="0" dirty="0">
-              <a:effectLst/>
-            </a:endParaRPr>
+            <a:pPr rtl="0" fontAlgn="base"/>
+            <a:r>
+              <a:rPr lang="en-US" sz="1200" b="0" i="0" u="none" strike="noStrike" kern="1200" dirty="0">
+                <a:solidFill>
+                  <a:schemeClr val="tx1"/>
+                </a:solidFill>
+                <a:effectLst/>
+                <a:latin typeface="+mn-lt"/>
+                <a:ea typeface="+mn-ea"/>
+                <a:cs typeface="+mn-cs"/>
+              </a:rPr>
+              <a:t>Ensure that there are methods in place to actually make this guarantee a reality. There are lots of tools and techniques out there for testing API contracts; figure out which ones make sense for you and your teams</a:t>
+            </a:r>
           </a:p>
         </p:txBody>
       </p:sp>
@@ -2412,7 +2454,7 @@
     </p:spTree>
     <p:extLst>
       <p:ext uri="{BB962C8B-B14F-4D97-AF65-F5344CB8AC3E}">
-        <p14:creationId xmlns:p14="http://schemas.microsoft.com/office/powerpoint/2010/main" val="3001507862"/>
+        <p14:creationId xmlns:p14="http://schemas.microsoft.com/office/powerpoint/2010/main" val="1135607531"/>
       </p:ext>
     </p:extLst>
   </p:cSld>
@@ -2471,7 +2513,7 @@
           <a:bodyPr/>
           <a:lstStyle/>
           <a:p>
-            <a:pPr rtl="0"/>
+            <a:pPr rtl="0" fontAlgn="base"/>
             <a:r>
               <a:rPr lang="en-US" sz="1200" b="0" i="0" u="none" strike="noStrike" kern="1200" dirty="0">
                 <a:solidFill>
@@ -2482,11 +2524,8 @@
                 <a:ea typeface="+mn-ea"/>
                 <a:cs typeface="+mn-cs"/>
               </a:rPr>
-              <a:t>Asynchronous communication patterns have been around for a long time, and have been gaining in popularity as parts of IOT ingestion patterns, data warehousing ETL patterns, and general service-to-service communications. These asynchronous patterns go a long way towards decoupling systems, and building more robust solutions that don't rely on another service being up *right now*.</a:t>
-            </a:r>
-            <a:endParaRPr lang="en-US" b="0" dirty="0">
-              <a:effectLst/>
-            </a:endParaRPr>
+              <a:t>Accept that there will need to be multiple versions of APIs running concurrently, but have a plan to sunset old versions as quickly as possible. You might need to change your API in a way that breaks backward compatibility, but you also need to make sure you give other teams a chance to catch up. After all, their priorities may be very different than yours. Make sure that your DevOps tooling supports multiple concurrent versions, you'll need it!</a:t>
+            </a:r>
           </a:p>
         </p:txBody>
       </p:sp>
@@ -2516,7 +2555,7 @@
     </p:spTree>
     <p:extLst>
       <p:ext uri="{BB962C8B-B14F-4D97-AF65-F5344CB8AC3E}">
-        <p14:creationId xmlns:p14="http://schemas.microsoft.com/office/powerpoint/2010/main" val="2315236235"/>
+        <p14:creationId xmlns:p14="http://schemas.microsoft.com/office/powerpoint/2010/main" val="2118885402"/>
       </p:ext>
     </p:extLst>
   </p:cSld>
@@ -2715,47 +2754,8 @@
                 <a:ea typeface="+mn-ea"/>
                 <a:cs typeface="+mn-cs"/>
               </a:rPr>
-              <a:t>But, they are also very very easy to do poorly. One of the most common things I have seen is a great asynchronous queuing architecture with almost no thought given to error handling or robustness. I have seen places where thousands of messages are "discovered" sitting in some queue not being processed, and no one has notices.</a:t>
-            </a:r>
-          </a:p>
-          <a:p>
-            <a:pPr rtl="0"/>
-            <a:endParaRPr lang="en-US" sz="1200" b="0" i="0" u="none" strike="noStrike" kern="1200" dirty="0">
-              <a:solidFill>
-                <a:schemeClr val="tx1"/>
-              </a:solidFill>
-              <a:effectLst/>
-              <a:latin typeface="+mn-lt"/>
-              <a:ea typeface="+mn-ea"/>
-              <a:cs typeface="+mn-cs"/>
-            </a:endParaRPr>
-          </a:p>
-          <a:p>
-            <a:pPr rtl="0"/>
-            <a:r>
-              <a:rPr lang="en-US" sz="1200" b="0" i="0" u="none" strike="noStrike" kern="1200" dirty="0">
-                <a:solidFill>
-                  <a:schemeClr val="tx1"/>
-                </a:solidFill>
-                <a:effectLst/>
-                <a:latin typeface="+mn-lt"/>
-                <a:ea typeface="+mn-ea"/>
-                <a:cs typeface="+mn-cs"/>
-              </a:rPr>
-              <a:t>Additionally, most of these technologies, while easy to stand up, are complex to run.</a:t>
-            </a:r>
-            <a:endParaRPr lang="en-US" b="0" dirty="0">
-              <a:effectLst/>
-            </a:endParaRPr>
-          </a:p>
-          <a:p>
-            <a:r>
-              <a:rPr lang="en-US" dirty="0"/>
-              <a:t/>
-            </a:r>
-            <a:br>
-              <a:rPr lang="en-US" dirty="0"/>
-            </a:br>
+              <a:t>Another problem with having lots of teams with lots of APIs is exposing them to other teams, with the appropriate documentation on how to consume them. Tools like Swagger, which expose your public APIs in a way that makes them easy to understand can really help in this area; do some investigation and spiking and bake things like this into reference implementations.</a:t>
+            </a:r>
             <a:endParaRPr lang="en-US" b="0" dirty="0">
               <a:effectLst/>
             </a:endParaRPr>
@@ -2788,7 +2788,7 @@
     </p:spTree>
     <p:extLst>
       <p:ext uri="{BB962C8B-B14F-4D97-AF65-F5344CB8AC3E}">
-        <p14:creationId xmlns:p14="http://schemas.microsoft.com/office/powerpoint/2010/main" val="961756917"/>
+        <p14:creationId xmlns:p14="http://schemas.microsoft.com/office/powerpoint/2010/main" val="4218733175"/>
       </p:ext>
     </p:extLst>
   </p:cSld>
@@ -2848,81 +2848,6 @@
           <a:lstStyle/>
           <a:p>
             <a:pPr rtl="0"/>
-            <a:r>
-              <a:rPr lang="en-US" sz="1200" b="0" i="0" u="none" strike="noStrike" kern="1200" dirty="0">
-                <a:solidFill>
-                  <a:schemeClr val="tx1"/>
-                </a:solidFill>
-                <a:effectLst/>
-                <a:latin typeface="+mn-lt"/>
-                <a:ea typeface="+mn-ea"/>
-                <a:cs typeface="+mn-cs"/>
-              </a:rPr>
-              <a:t>Enterprise Architects are particularly well suited to play a large role in helping to architect these asynchronous seams between systems &amp; teams, working with the EA Guild and the appropriate SIGs.</a:t>
-            </a:r>
-          </a:p>
-          <a:p>
-            <a:pPr rtl="0"/>
-            <a:endParaRPr lang="en-US" sz="1200" b="0" i="0" u="none" strike="noStrike" kern="1200" dirty="0">
-              <a:solidFill>
-                <a:schemeClr val="tx1"/>
-              </a:solidFill>
-              <a:effectLst/>
-              <a:latin typeface="+mn-lt"/>
-              <a:ea typeface="+mn-ea"/>
-              <a:cs typeface="+mn-cs"/>
-            </a:endParaRPr>
-          </a:p>
-          <a:p>
-            <a:pPr rtl="0"/>
-            <a:r>
-              <a:rPr lang="en-US" sz="1200" b="0" i="0" u="none" strike="noStrike" kern="1200" dirty="0">
-                <a:solidFill>
-                  <a:schemeClr val="tx1"/>
-                </a:solidFill>
-                <a:effectLst/>
-                <a:latin typeface="+mn-lt"/>
-                <a:ea typeface="+mn-ea"/>
-                <a:cs typeface="+mn-cs"/>
-              </a:rPr>
-              <a:t>It’s probably worth creating a SIG around asynchronous messaging, with EA leading the charge, especially as these methods are established. Having wider participating in how these solutions are architecture, and the underlying technology that’s being used (Kafka, ActiveMQ, RabbitMQ, </a:t>
-            </a:r>
-            <a:r>
-              <a:rPr lang="en-US" sz="1200" b="0" i="0" u="none" strike="noStrike" kern="1200" dirty="0" err="1">
-                <a:solidFill>
-                  <a:schemeClr val="tx1"/>
-                </a:solidFill>
-                <a:effectLst/>
-                <a:latin typeface="+mn-lt"/>
-                <a:ea typeface="+mn-ea"/>
-                <a:cs typeface="+mn-cs"/>
-              </a:rPr>
-              <a:t>etc</a:t>
-            </a:r>
-            <a:r>
-              <a:rPr lang="en-US" sz="1200" b="0" i="0" u="none" strike="noStrike" kern="1200" dirty="0">
-                <a:solidFill>
-                  <a:schemeClr val="tx1"/>
-                </a:solidFill>
-                <a:effectLst/>
-                <a:latin typeface="+mn-lt"/>
-                <a:ea typeface="+mn-ea"/>
-                <a:cs typeface="+mn-cs"/>
-              </a:rPr>
-              <a:t>) will help make them more successful, as well as helping to socialize the best practices.</a:t>
-            </a:r>
-            <a:endParaRPr lang="en-US" b="0" dirty="0">
-              <a:effectLst/>
-            </a:endParaRPr>
-          </a:p>
-          <a:p>
-            <a:r>
-              <a:rPr lang="en-US" dirty="0"/>
-              <a:t/>
-            </a:r>
-            <a:br>
-              <a:rPr lang="en-US" dirty="0"/>
-            </a:br>
             <a:endParaRPr lang="en-US" b="0" dirty="0">
               <a:effectLst/>
             </a:endParaRPr>
@@ -2955,7 +2880,7 @@
     </p:spTree>
     <p:extLst>
       <p:ext uri="{BB962C8B-B14F-4D97-AF65-F5344CB8AC3E}">
-        <p14:creationId xmlns:p14="http://schemas.microsoft.com/office/powerpoint/2010/main" val="2659524505"/>
+        <p14:creationId xmlns:p14="http://schemas.microsoft.com/office/powerpoint/2010/main" val="3001507862"/>
       </p:ext>
     </p:extLst>
   </p:cSld>
@@ -3014,7 +2939,7 @@
           <a:bodyPr/>
           <a:lstStyle/>
           <a:p>
-            <a:pPr rtl="0" fontAlgn="base"/>
+            <a:pPr rtl="0"/>
             <a:r>
               <a:rPr lang="en-US" sz="1200" b="0" i="0" u="none" strike="noStrike" kern="1200" dirty="0">
                 <a:solidFill>
@@ -3025,8 +2950,11 @@
                 <a:ea typeface="+mn-ea"/>
                 <a:cs typeface="+mn-cs"/>
               </a:rPr>
-              <a:t>There needs to be a defined error handling approach (codified as a reference implementation) </a:t>
-            </a:r>
+              <a:t>Asynchronous communication patterns have been around for a long time, and have been gaining in popularity as parts of IOT ingestion patterns, data warehousing ETL patterns, and general service-to-service communications. These asynchronous patterns go a long way towards decoupling systems, and building more robust solutions that don't rely on another service being up *right now*.</a:t>
+            </a:r>
+            <a:endParaRPr lang="en-US" b="0" dirty="0">
+              <a:effectLst/>
+            </a:endParaRPr>
           </a:p>
         </p:txBody>
       </p:sp>
@@ -3056,7 +2984,7 @@
     </p:spTree>
     <p:extLst>
       <p:ext uri="{BB962C8B-B14F-4D97-AF65-F5344CB8AC3E}">
-        <p14:creationId xmlns:p14="http://schemas.microsoft.com/office/powerpoint/2010/main" val="289960491"/>
+        <p14:creationId xmlns:p14="http://schemas.microsoft.com/office/powerpoint/2010/main" val="2315236235"/>
       </p:ext>
     </p:extLst>
   </p:cSld>
@@ -3115,7 +3043,7 @@
           <a:bodyPr/>
           <a:lstStyle/>
           <a:p>
-            <a:pPr rtl="0" fontAlgn="base"/>
+            <a:pPr rtl="0"/>
             <a:r>
               <a:rPr lang="en-US" sz="1200" b="0" i="0" u="none" strike="noStrike" kern="1200" dirty="0">
                 <a:solidFill>
@@ -3126,11 +3054,11 @@
                 <a:ea typeface="+mn-ea"/>
                 <a:cs typeface="+mn-cs"/>
               </a:rPr>
-              <a:t>There needs to be standards on notification of error (which ensure that action actually takes place). </a:t>
-            </a:r>
-          </a:p>
-          <a:p>
-            <a:pPr rtl="0" fontAlgn="base"/>
+              <a:t>But, they are also very very easy to do poorly. One of the most common things I have seen is a great asynchronous queuing architecture with almost no thought given to error handling or robustness. I have seen places where thousands of messages are "discovered" sitting in some queue not being processed, and no one has notices.</a:t>
+            </a:r>
+          </a:p>
+          <a:p>
+            <a:pPr rtl="0"/>
             <a:endParaRPr lang="en-US" sz="1200" b="0" i="0" u="none" strike="noStrike" kern="1200" dirty="0">
               <a:solidFill>
                 <a:schemeClr val="tx1"/>
@@ -3142,7 +3070,7 @@
             </a:endParaRPr>
           </a:p>
           <a:p>
-            <a:pPr rtl="0" fontAlgn="base"/>
+            <a:pPr rtl="0"/>
             <a:r>
               <a:rPr lang="en-US" sz="1200" b="0" i="0" u="none" strike="noStrike" kern="1200" dirty="0">
                 <a:solidFill>
@@ -3153,32 +3081,23 @@
                 <a:ea typeface="+mn-ea"/>
                 <a:cs typeface="+mn-cs"/>
               </a:rPr>
-              <a:t>The best error handling routines are </a:t>
-            </a:r>
-            <a:r>
-              <a:rPr lang="en-US" sz="1200" b="0" i="0" u="none" strike="noStrike" kern="1200" dirty="0" err="1">
-                <a:solidFill>
-                  <a:schemeClr val="tx1"/>
-                </a:solidFill>
-                <a:effectLst/>
-                <a:latin typeface="+mn-lt"/>
-                <a:ea typeface="+mn-ea"/>
-                <a:cs typeface="+mn-cs"/>
-              </a:rPr>
-              <a:t>programatic</a:t>
-            </a:r>
-            <a:r>
-              <a:rPr lang="en-US" sz="1200" b="0" i="0" u="none" strike="noStrike" kern="1200" dirty="0">
-                <a:solidFill>
-                  <a:schemeClr val="tx1"/>
-                </a:solidFill>
-                <a:effectLst/>
-                <a:latin typeface="+mn-lt"/>
-                <a:ea typeface="+mn-ea"/>
-                <a:cs typeface="+mn-cs"/>
-              </a:rPr>
-              <a:t>, but often that's particularly hard to do, and many situations will still require human intervention to untangle.</a:t>
-            </a:r>
+              <a:t>Additionally, most of these technologies, while easy to stand up, are complex to run.</a:t>
+            </a:r>
+            <a:endParaRPr lang="en-US" b="0" dirty="0">
+              <a:effectLst/>
+            </a:endParaRPr>
+          </a:p>
+          <a:p>
+            <a:r>
+              <a:rPr lang="en-US" dirty="0"/>
+              <a:t/>
+            </a:r>
+            <a:br>
+              <a:rPr lang="en-US" dirty="0"/>
+            </a:br>
+            <a:endParaRPr lang="en-US" b="0" dirty="0">
+              <a:effectLst/>
+            </a:endParaRPr>
           </a:p>
         </p:txBody>
       </p:sp>
@@ -3208,7 +3127,7 @@
     </p:spTree>
     <p:extLst>
       <p:ext uri="{BB962C8B-B14F-4D97-AF65-F5344CB8AC3E}">
-        <p14:creationId xmlns:p14="http://schemas.microsoft.com/office/powerpoint/2010/main" val="2371515289"/>
+        <p14:creationId xmlns:p14="http://schemas.microsoft.com/office/powerpoint/2010/main" val="961756917"/>
       </p:ext>
     </p:extLst>
   </p:cSld>
@@ -3278,8 +3197,74 @@
                 <a:ea typeface="+mn-ea"/>
                 <a:cs typeface="+mn-cs"/>
               </a:rPr>
-              <a:t>Finally, as Enterprise Architects work with teams at the inception of projects, they can apply their understanding of the seams between systems to help the team build the right interactions. </a:t>
-            </a:r>
+              <a:t>Enterprise Architects are particularly well suited to play a large role in helping to architect these asynchronous seams between systems &amp; teams, working with the EA Guild and the appropriate SIGs.</a:t>
+            </a:r>
+          </a:p>
+          <a:p>
+            <a:pPr rtl="0"/>
+            <a:endParaRPr lang="en-US" sz="1200" b="0" i="0" u="none" strike="noStrike" kern="1200" dirty="0">
+              <a:solidFill>
+                <a:schemeClr val="tx1"/>
+              </a:solidFill>
+              <a:effectLst/>
+              <a:latin typeface="+mn-lt"/>
+              <a:ea typeface="+mn-ea"/>
+              <a:cs typeface="+mn-cs"/>
+            </a:endParaRPr>
+          </a:p>
+          <a:p>
+            <a:pPr rtl="0"/>
+            <a:r>
+              <a:rPr lang="en-US" sz="1200" b="0" i="0" u="none" strike="noStrike" kern="1200" dirty="0">
+                <a:solidFill>
+                  <a:schemeClr val="tx1"/>
+                </a:solidFill>
+                <a:effectLst/>
+                <a:latin typeface="+mn-lt"/>
+                <a:ea typeface="+mn-ea"/>
+                <a:cs typeface="+mn-cs"/>
+              </a:rPr>
+              <a:t>It’s probably worth creating a SIG around asynchronous messaging, with EA leading the charge, especially as these methods are established. Having wider participating in how these solutions are architecture, and the underlying technology that’s being used (Kafka, ActiveMQ, RabbitMQ, </a:t>
+            </a:r>
+            <a:r>
+              <a:rPr lang="en-US" sz="1200" b="0" i="0" u="none" strike="noStrike" kern="1200" dirty="0" err="1">
+                <a:solidFill>
+                  <a:schemeClr val="tx1"/>
+                </a:solidFill>
+                <a:effectLst/>
+                <a:latin typeface="+mn-lt"/>
+                <a:ea typeface="+mn-ea"/>
+                <a:cs typeface="+mn-cs"/>
+              </a:rPr>
+              <a:t>etc</a:t>
+            </a:r>
+            <a:r>
+              <a:rPr lang="en-US" sz="1200" b="0" i="0" u="none" strike="noStrike" kern="1200" dirty="0">
+                <a:solidFill>
+                  <a:schemeClr val="tx1"/>
+                </a:solidFill>
+                <a:effectLst/>
+                <a:latin typeface="+mn-lt"/>
+                <a:ea typeface="+mn-ea"/>
+                <a:cs typeface="+mn-cs"/>
+              </a:rPr>
+              <a:t>) will help make them more successful, as well as helping to socialize the best practices.</a:t>
+            </a:r>
+            <a:endParaRPr lang="en-US" b="0" dirty="0">
+              <a:effectLst/>
+            </a:endParaRPr>
+          </a:p>
+          <a:p>
+            <a:r>
+              <a:rPr lang="en-US" dirty="0"/>
+              <a:t/>
+            </a:r>
+            <a:br>
+              <a:rPr lang="en-US" dirty="0"/>
+            </a:br>
+            <a:endParaRPr lang="en-US" b="0" dirty="0">
+              <a:effectLst/>
+            </a:endParaRPr>
           </a:p>
         </p:txBody>
       </p:sp>
@@ -3309,7 +3294,7 @@
     </p:spTree>
     <p:extLst>
       <p:ext uri="{BB962C8B-B14F-4D97-AF65-F5344CB8AC3E}">
-        <p14:creationId xmlns:p14="http://schemas.microsoft.com/office/powerpoint/2010/main" val="3208537344"/>
+        <p14:creationId xmlns:p14="http://schemas.microsoft.com/office/powerpoint/2010/main" val="2659524505"/>
       </p:ext>
     </p:extLst>
   </p:cSld>
@@ -3368,7 +3353,7 @@
           <a:bodyPr/>
           <a:lstStyle/>
           <a:p>
-            <a:pPr rtl="0"/>
+            <a:pPr rtl="0" fontAlgn="base"/>
             <a:r>
               <a:rPr lang="en-US" sz="1200" b="0" i="0" u="none" strike="noStrike" kern="1200" dirty="0">
                 <a:solidFill>
@@ -3379,11 +3364,8 @@
                 <a:ea typeface="+mn-ea"/>
                 <a:cs typeface="+mn-cs"/>
               </a:rPr>
-              <a:t>A great technique for this is a "tracer bullet"; minimal functionality that exercises all of the seams between teams in a project. It doesn't have to be fully functional, but it does actually have to interact with each system that will be present in the final solution. Doing this early, as part of the project inception, gives the team a strong foundation to build on for the rest of the project, and it usually exposes things that weren't properly thought out (that can lead to ADRs for the project!).</a:t>
-            </a:r>
-            <a:endParaRPr lang="en-US" b="0" dirty="0">
-              <a:effectLst/>
-            </a:endParaRPr>
+              <a:t>There needs to be a defined error handling approach (codified as a reference implementation) </a:t>
+            </a:r>
           </a:p>
         </p:txBody>
       </p:sp>
@@ -3413,7 +3395,7 @@
     </p:spTree>
     <p:extLst>
       <p:ext uri="{BB962C8B-B14F-4D97-AF65-F5344CB8AC3E}">
-        <p14:creationId xmlns:p14="http://schemas.microsoft.com/office/powerpoint/2010/main" val="4254838272"/>
+        <p14:creationId xmlns:p14="http://schemas.microsoft.com/office/powerpoint/2010/main" val="289960491"/>
       </p:ext>
     </p:extLst>
   </p:cSld>
@@ -3472,7 +3454,7 @@
           <a:bodyPr/>
           <a:lstStyle/>
           <a:p>
-            <a:pPr rtl="0"/>
+            <a:pPr rtl="0" fontAlgn="base"/>
             <a:r>
               <a:rPr lang="en-US" sz="1200" b="0" i="0" u="none" strike="noStrike" kern="1200" dirty="0">
                 <a:solidFill>
@@ -3483,25 +3465,23 @@
                 <a:ea typeface="+mn-ea"/>
                 <a:cs typeface="+mn-cs"/>
               </a:rPr>
-              <a:t>As I said at the beginning, Enterprise Architecture is at a crossroads, especially in organizations which do a lot of custom software development. This may sounds like hyperbole, but I think the tensions between these new ways of doing things and the "traditional" approach to Enterprise Architecture are very real.</a:t>
-            </a:r>
-            <a:endParaRPr lang="en-US" b="0" dirty="0">
+              <a:t>There needs to be standards on notification of error (which ensure that action actually takes place). </a:t>
+            </a:r>
+          </a:p>
+          <a:p>
+            <a:pPr rtl="0" fontAlgn="base"/>
+            <a:endParaRPr lang="en-US" sz="1200" b="0" i="0" u="none" strike="noStrike" kern="1200" dirty="0">
+              <a:solidFill>
+                <a:schemeClr val="tx1"/>
+              </a:solidFill>
               <a:effectLst/>
+              <a:latin typeface="+mn-lt"/>
+              <a:ea typeface="+mn-ea"/>
+              <a:cs typeface="+mn-cs"/>
             </a:endParaRPr>
           </a:p>
           <a:p>
-            <a:pPr rtl="0"/>
-            <a:r>
-              <a:rPr lang="en-US" b="0" dirty="0">
-                <a:effectLst/>
-              </a:rPr>
-              <a:t/>
-            </a:r>
-            <a:br>
-              <a:rPr lang="en-US" b="0" dirty="0">
-                <a:effectLst/>
-              </a:rPr>
-            </a:br>
+            <a:pPr rtl="0" fontAlgn="base"/>
             <a:r>
               <a:rPr lang="en-US" sz="1200" b="0" i="0" u="none" strike="noStrike" kern="1200" dirty="0">
                 <a:solidFill>
@@ -3512,25 +3492,20 @@
                 <a:ea typeface="+mn-ea"/>
                 <a:cs typeface="+mn-cs"/>
               </a:rPr>
-              <a:t>I think that Enterprise Architecture professionals need to look at techniques like the ones I have presented here, and look to add them to their professional "toolbox". This doesn't mean abandoning "traditional" approaches. I'm suggesting an evolution, not a revolution. But change is going to be necessary, because the rest of technology is changing, whether we like it or not.</a:t>
-            </a:r>
-            <a:endParaRPr lang="en-US" b="0" dirty="0">
-              <a:effectLst/>
-            </a:endParaRPr>
-          </a:p>
-          <a:p>
-            <a:pPr rtl="0"/>
-            <a:r>
-              <a:rPr lang="en-US" b="0" dirty="0">
+              <a:t>The best error handling routines are </a:t>
+            </a:r>
+            <a:r>
+              <a:rPr lang="en-US" sz="1200" b="0" i="0" u="none" strike="noStrike" kern="1200" dirty="0" smtClean="0">
+                <a:solidFill>
+                  <a:schemeClr val="tx1"/>
+                </a:solidFill>
                 <a:effectLst/>
+                <a:latin typeface="+mn-lt"/>
+                <a:ea typeface="+mn-ea"/>
+                <a:cs typeface="+mn-cs"/>
               </a:rPr>
-              <a:t/>
-            </a:r>
-            <a:br>
-              <a:rPr lang="en-US" b="0" dirty="0">
-                <a:effectLst/>
-              </a:rPr>
-            </a:br>
+              <a:t>programmatic, </a:t>
+            </a:r>
             <a:r>
               <a:rPr lang="en-US" sz="1200" b="0" i="0" u="none" strike="noStrike" kern="1200" dirty="0">
                 <a:solidFill>
@@ -3541,11 +3516,8 @@
                 <a:ea typeface="+mn-ea"/>
                 <a:cs typeface="+mn-cs"/>
               </a:rPr>
-              <a:t>Hopefully I've given you some idea to think about and maybe adopt. Thank you for your time!</a:t>
-            </a:r>
-            <a:endParaRPr lang="en-US" b="0" dirty="0">
-              <a:effectLst/>
-            </a:endParaRPr>
+              <a:t>but often that's particularly hard to do, and many situations will still require human intervention to untangle.</a:t>
+            </a:r>
           </a:p>
         </p:txBody>
       </p:sp>
@@ -3575,7 +3547,7 @@
     </p:spTree>
     <p:extLst>
       <p:ext uri="{BB962C8B-B14F-4D97-AF65-F5344CB8AC3E}">
-        <p14:creationId xmlns:p14="http://schemas.microsoft.com/office/powerpoint/2010/main" val="2456180645"/>
+        <p14:creationId xmlns:p14="http://schemas.microsoft.com/office/powerpoint/2010/main" val="2371515289"/>
       </p:ext>
     </p:extLst>
   </p:cSld>
@@ -3612,24 +3584,41 @@
             <p:ph type="sldImg"/>
           </p:nvPr>
         </p:nvSpPr>
+        <p:spPr>
+          <a:xfrm>
+            <a:off x="685800" y="1143000"/>
+            <a:ext cx="5486400" cy="3086100"/>
+          </a:xfrm>
+        </p:spPr>
+      </p:sp>
+      <p:sp>
+        <p:nvSpPr>
+          <p:cNvPr id="3" name="Notes Placeholder 2"/>
+          <p:cNvSpPr>
+            <a:spLocks noGrp="1"/>
+          </p:cNvSpPr>
+          <p:nvPr>
+            <p:ph type="body" idx="1"/>
+          </p:nvPr>
+        </p:nvSpPr>
         <p:spPr/>
-      </p:sp>
-      <p:sp>
-        <p:nvSpPr>
-          <p:cNvPr id="3" name="Notes Placeholder 2"/>
-          <p:cNvSpPr>
-            <a:spLocks noGrp="1"/>
-          </p:cNvSpPr>
-          <p:nvPr>
-            <p:ph type="body" idx="1"/>
-          </p:nvPr>
-        </p:nvSpPr>
-        <p:spPr/>
         <p:txBody>
           <a:bodyPr/>
           <a:lstStyle/>
           <a:p>
-            <a:endParaRPr lang="en-US" dirty="0"/>
+            <a:pPr rtl="0"/>
+            <a:r>
+              <a:rPr lang="en-US" sz="1200" b="0" i="0" u="none" strike="noStrike" kern="1200" dirty="0">
+                <a:solidFill>
+                  <a:schemeClr val="tx1"/>
+                </a:solidFill>
+                <a:effectLst/>
+                <a:latin typeface="+mn-lt"/>
+                <a:ea typeface="+mn-ea"/>
+                <a:cs typeface="+mn-cs"/>
+              </a:rPr>
+              <a:t>Finally, as Enterprise Architects work with teams at the inception of projects, they can apply their understanding of the seams between systems to help the team build the right interactions. </a:t>
+            </a:r>
           </a:p>
         </p:txBody>
       </p:sp>
@@ -3659,7 +3648,273 @@
     </p:spTree>
     <p:extLst>
       <p:ext uri="{BB962C8B-B14F-4D97-AF65-F5344CB8AC3E}">
-        <p14:creationId xmlns:p14="http://schemas.microsoft.com/office/powerpoint/2010/main" val="3481577998"/>
+        <p14:creationId xmlns:p14="http://schemas.microsoft.com/office/powerpoint/2010/main" val="3208537344"/>
+      </p:ext>
+    </p:extLst>
+  </p:cSld>
+  <p:clrMapOvr>
+    <a:masterClrMapping/>
+  </p:clrMapOvr>
+</p:notes>
+</file>
+
+<file path=ppt/notesSlides/notesSlide118.xml><?xml version="1.0" encoding="utf-8"?>
+<p:notes xmlns:a="http://schemas.openxmlformats.org/drawingml/2006/main" xmlns:r="http://schemas.openxmlformats.org/officeDocument/2006/relationships" xmlns:p="http://schemas.openxmlformats.org/presentationml/2006/main">
+  <p:cSld>
+    <p:spTree>
+      <p:nvGrpSpPr>
+        <p:cNvPr id="1" name=""/>
+        <p:cNvGrpSpPr/>
+        <p:nvPr/>
+      </p:nvGrpSpPr>
+      <p:grpSpPr>
+        <a:xfrm>
+          <a:off x="0" y="0"/>
+          <a:ext cx="0" cy="0"/>
+          <a:chOff x="0" y="0"/>
+          <a:chExt cx="0" cy="0"/>
+        </a:xfrm>
+      </p:grpSpPr>
+      <p:sp>
+        <p:nvSpPr>
+          <p:cNvPr id="2" name="Slide Image Placeholder 1"/>
+          <p:cNvSpPr>
+            <a:spLocks noGrp="1" noRot="1" noChangeAspect="1"/>
+          </p:cNvSpPr>
+          <p:nvPr>
+            <p:ph type="sldImg"/>
+          </p:nvPr>
+        </p:nvSpPr>
+        <p:spPr>
+          <a:xfrm>
+            <a:off x="685800" y="1143000"/>
+            <a:ext cx="5486400" cy="3086100"/>
+          </a:xfrm>
+        </p:spPr>
+      </p:sp>
+      <p:sp>
+        <p:nvSpPr>
+          <p:cNvPr id="3" name="Notes Placeholder 2"/>
+          <p:cNvSpPr>
+            <a:spLocks noGrp="1"/>
+          </p:cNvSpPr>
+          <p:nvPr>
+            <p:ph type="body" idx="1"/>
+          </p:nvPr>
+        </p:nvSpPr>
+        <p:spPr/>
+        <p:txBody>
+          <a:bodyPr/>
+          <a:lstStyle/>
+          <a:p>
+            <a:pPr rtl="0"/>
+            <a:r>
+              <a:rPr lang="en-US" sz="1200" b="0" i="0" u="none" strike="noStrike" kern="1200" dirty="0">
+                <a:solidFill>
+                  <a:schemeClr val="tx1"/>
+                </a:solidFill>
+                <a:effectLst/>
+                <a:latin typeface="+mn-lt"/>
+                <a:ea typeface="+mn-ea"/>
+                <a:cs typeface="+mn-cs"/>
+              </a:rPr>
+              <a:t>A great technique for this is a "tracer bullet"; minimal functionality that exercises all of the seams between teams in a project. It doesn't have to be fully functional, but it does actually have to interact with each system that will be present in the final solution. Doing this early, as part of the project inception, gives the team a strong foundation to build on for the rest of the project, and it usually exposes things that weren't properly thought out (that can lead to ADRs for the project!).</a:t>
+            </a:r>
+            <a:endParaRPr lang="en-US" b="0" dirty="0">
+              <a:effectLst/>
+            </a:endParaRPr>
+          </a:p>
+        </p:txBody>
+      </p:sp>
+      <p:sp>
+        <p:nvSpPr>
+          <p:cNvPr id="4" name="Slide Number Placeholder 3"/>
+          <p:cNvSpPr>
+            <a:spLocks noGrp="1"/>
+          </p:cNvSpPr>
+          <p:nvPr>
+            <p:ph type="sldNum" sz="quarter" idx="10"/>
+          </p:nvPr>
+        </p:nvSpPr>
+        <p:spPr/>
+        <p:txBody>
+          <a:bodyPr/>
+          <a:lstStyle/>
+          <a:p>
+            <a:fld id="{096F4AFB-61BD-1340-90B6-0FECED04B0A2}" type="slidenum">
+              <a:rPr lang="en-US" smtClean="0"/>
+              <a:t>118</a:t>
+            </a:fld>
+            <a:endParaRPr lang="en-US"/>
+          </a:p>
+        </p:txBody>
+      </p:sp>
+    </p:spTree>
+    <p:extLst>
+      <p:ext uri="{BB962C8B-B14F-4D97-AF65-F5344CB8AC3E}">
+        <p14:creationId xmlns:p14="http://schemas.microsoft.com/office/powerpoint/2010/main" val="4254838272"/>
+      </p:ext>
+    </p:extLst>
+  </p:cSld>
+  <p:clrMapOvr>
+    <a:masterClrMapping/>
+  </p:clrMapOvr>
+</p:notes>
+</file>
+
+<file path=ppt/notesSlides/notesSlide119.xml><?xml version="1.0" encoding="utf-8"?>
+<p:notes xmlns:a="http://schemas.openxmlformats.org/drawingml/2006/main" xmlns:r="http://schemas.openxmlformats.org/officeDocument/2006/relationships" xmlns:p="http://schemas.openxmlformats.org/presentationml/2006/main">
+  <p:cSld>
+    <p:spTree>
+      <p:nvGrpSpPr>
+        <p:cNvPr id="1" name=""/>
+        <p:cNvGrpSpPr/>
+        <p:nvPr/>
+      </p:nvGrpSpPr>
+      <p:grpSpPr>
+        <a:xfrm>
+          <a:off x="0" y="0"/>
+          <a:ext cx="0" cy="0"/>
+          <a:chOff x="0" y="0"/>
+          <a:chExt cx="0" cy="0"/>
+        </a:xfrm>
+      </p:grpSpPr>
+      <p:sp>
+        <p:nvSpPr>
+          <p:cNvPr id="2" name="Slide Image Placeholder 1"/>
+          <p:cNvSpPr>
+            <a:spLocks noGrp="1" noRot="1" noChangeAspect="1"/>
+          </p:cNvSpPr>
+          <p:nvPr>
+            <p:ph type="sldImg"/>
+          </p:nvPr>
+        </p:nvSpPr>
+        <p:spPr>
+          <a:xfrm>
+            <a:off x="685800" y="1143000"/>
+            <a:ext cx="5486400" cy="3086100"/>
+          </a:xfrm>
+        </p:spPr>
+      </p:sp>
+      <p:sp>
+        <p:nvSpPr>
+          <p:cNvPr id="3" name="Notes Placeholder 2"/>
+          <p:cNvSpPr>
+            <a:spLocks noGrp="1"/>
+          </p:cNvSpPr>
+          <p:nvPr>
+            <p:ph type="body" idx="1"/>
+          </p:nvPr>
+        </p:nvSpPr>
+        <p:spPr/>
+        <p:txBody>
+          <a:bodyPr/>
+          <a:lstStyle/>
+          <a:p>
+            <a:pPr rtl="0"/>
+            <a:r>
+              <a:rPr lang="en-US" sz="1200" b="0" i="0" u="none" strike="noStrike" kern="1200" dirty="0">
+                <a:solidFill>
+                  <a:schemeClr val="tx1"/>
+                </a:solidFill>
+                <a:effectLst/>
+                <a:latin typeface="+mn-lt"/>
+                <a:ea typeface="+mn-ea"/>
+                <a:cs typeface="+mn-cs"/>
+              </a:rPr>
+              <a:t>As I said at the beginning, Enterprise Architecture is at a crossroads, especially in organizations which do a lot of custom software development. This may sounds like hyperbole, but I think the tensions between these new ways of doing things and the "traditional" approach to Enterprise Architecture are very real.</a:t>
+            </a:r>
+            <a:endParaRPr lang="en-US" b="0" dirty="0">
+              <a:effectLst/>
+            </a:endParaRPr>
+          </a:p>
+          <a:p>
+            <a:pPr rtl="0"/>
+            <a:r>
+              <a:rPr lang="en-US" b="0" dirty="0">
+                <a:effectLst/>
+              </a:rPr>
+              <a:t/>
+            </a:r>
+            <a:br>
+              <a:rPr lang="en-US" b="0" dirty="0">
+                <a:effectLst/>
+              </a:rPr>
+            </a:br>
+            <a:r>
+              <a:rPr lang="en-US" sz="1200" b="0" i="0" u="none" strike="noStrike" kern="1200" dirty="0">
+                <a:solidFill>
+                  <a:schemeClr val="tx1"/>
+                </a:solidFill>
+                <a:effectLst/>
+                <a:latin typeface="+mn-lt"/>
+                <a:ea typeface="+mn-ea"/>
+                <a:cs typeface="+mn-cs"/>
+              </a:rPr>
+              <a:t>I think that Enterprise Architecture professionals need to look at techniques like the ones I have presented here, and look to add them to their professional "toolbox". This doesn't mean abandoning "traditional" approaches. I'm suggesting an evolution, not a revolution. But change is going to be necessary, because the rest of technology is changing, whether we like it or not.</a:t>
+            </a:r>
+            <a:endParaRPr lang="en-US" b="0" dirty="0">
+              <a:effectLst/>
+            </a:endParaRPr>
+          </a:p>
+          <a:p>
+            <a:pPr rtl="0"/>
+            <a:r>
+              <a:rPr lang="en-US" b="0" dirty="0">
+                <a:effectLst/>
+              </a:rPr>
+              <a:t/>
+            </a:r>
+            <a:br>
+              <a:rPr lang="en-US" b="0" dirty="0">
+                <a:effectLst/>
+              </a:rPr>
+            </a:br>
+            <a:r>
+              <a:rPr lang="en-US" sz="1200" b="0" i="0" u="none" strike="noStrike" kern="1200" dirty="0">
+                <a:solidFill>
+                  <a:schemeClr val="tx1"/>
+                </a:solidFill>
+                <a:effectLst/>
+                <a:latin typeface="+mn-lt"/>
+                <a:ea typeface="+mn-ea"/>
+                <a:cs typeface="+mn-cs"/>
+              </a:rPr>
+              <a:t>Hopefully I've given you some idea to think about and maybe adopt. Thank you for your time!</a:t>
+            </a:r>
+            <a:endParaRPr lang="en-US" b="0" dirty="0">
+              <a:effectLst/>
+            </a:endParaRPr>
+          </a:p>
+        </p:txBody>
+      </p:sp>
+      <p:sp>
+        <p:nvSpPr>
+          <p:cNvPr id="4" name="Slide Number Placeholder 3"/>
+          <p:cNvSpPr>
+            <a:spLocks noGrp="1"/>
+          </p:cNvSpPr>
+          <p:nvPr>
+            <p:ph type="sldNum" sz="quarter" idx="10"/>
+          </p:nvPr>
+        </p:nvSpPr>
+        <p:spPr/>
+        <p:txBody>
+          <a:bodyPr/>
+          <a:lstStyle/>
+          <a:p>
+            <a:fld id="{096F4AFB-61BD-1340-90B6-0FECED04B0A2}" type="slidenum">
+              <a:rPr lang="en-US" smtClean="0"/>
+              <a:t>119</a:t>
+            </a:fld>
+            <a:endParaRPr lang="en-US"/>
+          </a:p>
+        </p:txBody>
+      </p:sp>
+    </p:spTree>
+    <p:extLst>
+      <p:ext uri="{BB962C8B-B14F-4D97-AF65-F5344CB8AC3E}">
+        <p14:creationId xmlns:p14="http://schemas.microsoft.com/office/powerpoint/2010/main" val="2456180645"/>
       </p:ext>
     </p:extLst>
   </p:cSld>
@@ -3755,6 +4010,90 @@
     <p:extLst>
       <p:ext uri="{BB962C8B-B14F-4D97-AF65-F5344CB8AC3E}">
         <p14:creationId xmlns:p14="http://schemas.microsoft.com/office/powerpoint/2010/main" val="3813671162"/>
+      </p:ext>
+    </p:extLst>
+  </p:cSld>
+  <p:clrMapOvr>
+    <a:masterClrMapping/>
+  </p:clrMapOvr>
+</p:notes>
+</file>
+
+<file path=ppt/notesSlides/notesSlide120.xml><?xml version="1.0" encoding="utf-8"?>
+<p:notes xmlns:a="http://schemas.openxmlformats.org/drawingml/2006/main" xmlns:r="http://schemas.openxmlformats.org/officeDocument/2006/relationships" xmlns:p="http://schemas.openxmlformats.org/presentationml/2006/main">
+  <p:cSld>
+    <p:spTree>
+      <p:nvGrpSpPr>
+        <p:cNvPr id="1" name=""/>
+        <p:cNvGrpSpPr/>
+        <p:nvPr/>
+      </p:nvGrpSpPr>
+      <p:grpSpPr>
+        <a:xfrm>
+          <a:off x="0" y="0"/>
+          <a:ext cx="0" cy="0"/>
+          <a:chOff x="0" y="0"/>
+          <a:chExt cx="0" cy="0"/>
+        </a:xfrm>
+      </p:grpSpPr>
+      <p:sp>
+        <p:nvSpPr>
+          <p:cNvPr id="2" name="Slide Image Placeholder 1"/>
+          <p:cNvSpPr>
+            <a:spLocks noGrp="1" noRot="1" noChangeAspect="1"/>
+          </p:cNvSpPr>
+          <p:nvPr>
+            <p:ph type="sldImg"/>
+          </p:nvPr>
+        </p:nvSpPr>
+        <p:spPr/>
+      </p:sp>
+      <p:sp>
+        <p:nvSpPr>
+          <p:cNvPr id="3" name="Notes Placeholder 2"/>
+          <p:cNvSpPr>
+            <a:spLocks noGrp="1"/>
+          </p:cNvSpPr>
+          <p:nvPr>
+            <p:ph type="body" idx="1"/>
+          </p:nvPr>
+        </p:nvSpPr>
+        <p:spPr/>
+        <p:txBody>
+          <a:bodyPr/>
+          <a:lstStyle/>
+          <a:p>
+            <a:endParaRPr lang="en-US" dirty="0"/>
+          </a:p>
+        </p:txBody>
+      </p:sp>
+      <p:sp>
+        <p:nvSpPr>
+          <p:cNvPr id="4" name="Slide Number Placeholder 3"/>
+          <p:cNvSpPr>
+            <a:spLocks noGrp="1"/>
+          </p:cNvSpPr>
+          <p:nvPr>
+            <p:ph type="sldNum" sz="quarter" idx="10"/>
+          </p:nvPr>
+        </p:nvSpPr>
+        <p:spPr/>
+        <p:txBody>
+          <a:bodyPr/>
+          <a:lstStyle/>
+          <a:p>
+            <a:fld id="{096F4AFB-61BD-1340-90B6-0FECED04B0A2}" type="slidenum">
+              <a:rPr lang="en-US" smtClean="0"/>
+              <a:t>120</a:t>
+            </a:fld>
+            <a:endParaRPr lang="en-US"/>
+          </a:p>
+        </p:txBody>
+      </p:sp>
+    </p:spTree>
+    <p:extLst>
+      <p:ext uri="{BB962C8B-B14F-4D97-AF65-F5344CB8AC3E}">
+        <p14:creationId xmlns:p14="http://schemas.microsoft.com/office/powerpoint/2010/main" val="3481577998"/>
       </p:ext>
     </p:extLst>
   </p:cSld>
@@ -11789,36 +12128,7 @@
                 <a:ea typeface="+mn-ea"/>
                 <a:cs typeface="+mn-cs"/>
               </a:rPr>
-              <a:t>As noted above, one of the jobs of the SIGs is to "create reference implementations". What does this mean?</a:t>
-            </a:r>
-            <a:endParaRPr lang="en-US" b="0" dirty="0">
-              <a:effectLst/>
-            </a:endParaRPr>
-          </a:p>
-          <a:p>
-            <a:pPr rtl="0"/>
-            <a:r>
-              <a:rPr lang="en-US" b="0" dirty="0">
-                <a:effectLst/>
-              </a:rPr>
-              <a:t/>
-            </a:r>
-            <a:br>
-              <a:rPr lang="en-US" b="0" dirty="0">
-                <a:effectLst/>
-              </a:rPr>
-            </a:br>
-            <a:r>
-              <a:rPr lang="en-US" sz="1200" b="0" i="0" u="none" strike="noStrike" kern="1200" dirty="0">
-                <a:solidFill>
-                  <a:schemeClr val="tx1"/>
-                </a:solidFill>
-                <a:effectLst/>
-                <a:latin typeface="+mn-lt"/>
-                <a:ea typeface="+mn-ea"/>
-                <a:cs typeface="+mn-cs"/>
-              </a:rPr>
-              <a:t>Here's an example, based on my experience.</a:t>
+              <a:t>Each guild meeting started with a set agenda</a:t>
             </a:r>
             <a:endParaRPr lang="en-US" b="0" dirty="0">
               <a:effectLst/>
@@ -11852,7 +12162,7 @@
     </p:spTree>
     <p:extLst>
       <p:ext uri="{BB962C8B-B14F-4D97-AF65-F5344CB8AC3E}">
-        <p14:creationId xmlns:p14="http://schemas.microsoft.com/office/powerpoint/2010/main" val="2031319328"/>
+        <p14:creationId xmlns:p14="http://schemas.microsoft.com/office/powerpoint/2010/main" val="3974192738"/>
       </p:ext>
     </p:extLst>
   </p:cSld>
@@ -11922,8 +12232,11 @@
                 <a:ea typeface="+mn-ea"/>
                 <a:cs typeface="+mn-cs"/>
               </a:rPr>
-              <a:t>A company I worked for had established Docker as our deployment platform (everything deployed is a container) with Vault for secret management, and Consul for service discovery and key/value store. There were a large number of Java developers, and their SIG had settled on Spring Boot as their preferred microservice platform. </a:t>
-            </a:r>
+              <a:t>Each guild meeting started with a set agenda</a:t>
+            </a:r>
+            <a:endParaRPr lang="en-US" b="0" dirty="0">
+              <a:effectLst/>
+            </a:endParaRPr>
           </a:p>
         </p:txBody>
       </p:sp>
@@ -11953,7 +12266,7 @@
     </p:spTree>
     <p:extLst>
       <p:ext uri="{BB962C8B-B14F-4D97-AF65-F5344CB8AC3E}">
-        <p14:creationId xmlns:p14="http://schemas.microsoft.com/office/powerpoint/2010/main" val="129386358"/>
+        <p14:creationId xmlns:p14="http://schemas.microsoft.com/office/powerpoint/2010/main" val="2958368852"/>
       </p:ext>
     </p:extLst>
   </p:cSld>
@@ -12023,19 +12336,10 @@
                 <a:ea typeface="+mn-ea"/>
                 <a:cs typeface="+mn-cs"/>
               </a:rPr>
-              <a:t>This is a complex environment, with many moving pieces, so that SIG worked together to create a "base" reference implementation that took care of wiring all of the proper pieces together. A greenfield project could "copy" the reference implementation, and get a bunch of stuff for "free", </a:t>
-            </a:r>
-          </a:p>
-          <a:p>
-            <a:pPr rtl="0"/>
-            <a:endParaRPr lang="en-US" sz="1200" b="0" i="0" u="none" strike="noStrike" kern="1200" dirty="0">
-              <a:solidFill>
-                <a:schemeClr val="tx1"/>
-              </a:solidFill>
+              <a:t>Each guild meeting started with a set agenda</a:t>
+            </a:r>
+            <a:endParaRPr lang="en-US" b="0" dirty="0">
               <a:effectLst/>
-              <a:latin typeface="+mn-lt"/>
-              <a:ea typeface="+mn-ea"/>
-              <a:cs typeface="+mn-cs"/>
             </a:endParaRPr>
           </a:p>
         </p:txBody>
@@ -12066,7 +12370,7 @@
     </p:spTree>
     <p:extLst>
       <p:ext uri="{BB962C8B-B14F-4D97-AF65-F5344CB8AC3E}">
-        <p14:creationId xmlns:p14="http://schemas.microsoft.com/office/powerpoint/2010/main" val="1048343580"/>
+        <p14:creationId xmlns:p14="http://schemas.microsoft.com/office/powerpoint/2010/main" val="3098388788"/>
       </p:ext>
     </p:extLst>
   </p:cSld>
@@ -12136,20 +12440,25 @@
                 <a:ea typeface="+mn-ea"/>
                 <a:cs typeface="+mn-cs"/>
               </a:rPr>
-              <a:t>with all of the right things set up to take advantage of Vault &amp; Consul, as well as anything else defined as part of our approach to application development (linting rules, static code analysis, security, </a:t>
-            </a:r>
-            <a:r>
-              <a:rPr lang="en-US" sz="1200" b="0" i="0" u="none" strike="noStrike" kern="1200" dirty="0" err="1">
-                <a:solidFill>
-                  <a:schemeClr val="tx1"/>
-                </a:solidFill>
+              <a:t>As noted above, one of the jobs of the SIGs is to "create reference implementations". What does this mean?</a:t>
+            </a:r>
+            <a:endParaRPr lang="en-US" b="0" dirty="0">
+              <a:effectLst/>
+            </a:endParaRPr>
+          </a:p>
+          <a:p>
+            <a:pPr rtl="0"/>
+            <a:r>
+              <a:rPr lang="en-US" b="0" dirty="0">
                 <a:effectLst/>
-                <a:latin typeface="+mn-lt"/>
-                <a:ea typeface="+mn-ea"/>
-                <a:cs typeface="+mn-cs"/>
               </a:rPr>
-              <a:t>etc</a:t>
-            </a:r>
+              <a:t/>
+            </a:r>
+            <a:br>
+              <a:rPr lang="en-US" b="0" dirty="0">
+                <a:effectLst/>
+              </a:rPr>
+            </a:br>
             <a:r>
               <a:rPr lang="en-US" sz="1200" b="0" i="0" u="none" strike="noStrike" kern="1200" dirty="0">
                 <a:solidFill>
@@ -12160,7 +12469,7 @@
                 <a:ea typeface="+mn-ea"/>
                 <a:cs typeface="+mn-cs"/>
               </a:rPr>
-              <a:t>).</a:t>
+              <a:t>Here's an example, based on my experience.</a:t>
             </a:r>
             <a:endParaRPr lang="en-US" b="0" dirty="0">
               <a:effectLst/>
@@ -12194,7 +12503,7 @@
     </p:spTree>
     <p:extLst>
       <p:ext uri="{BB962C8B-B14F-4D97-AF65-F5344CB8AC3E}">
-        <p14:creationId xmlns:p14="http://schemas.microsoft.com/office/powerpoint/2010/main" val="2004091050"/>
+        <p14:creationId xmlns:p14="http://schemas.microsoft.com/office/powerpoint/2010/main" val="2031319328"/>
       </p:ext>
     </p:extLst>
   </p:cSld>
@@ -12254,9 +12563,18 @@
           <a:lstStyle/>
           <a:p>
             <a:pPr rtl="0"/>
-            <a:endParaRPr lang="en-US" b="0" dirty="0">
-              <a:effectLst/>
-            </a:endParaRPr>
+            <a:r>
+              <a:rPr lang="en-US" sz="1200" b="0" i="0" u="none" strike="noStrike" kern="1200" dirty="0">
+                <a:solidFill>
+                  <a:schemeClr val="tx1"/>
+                </a:solidFill>
+                <a:effectLst/>
+                <a:latin typeface="+mn-lt"/>
+                <a:ea typeface="+mn-ea"/>
+                <a:cs typeface="+mn-cs"/>
+              </a:rPr>
+              <a:t>A company I worked for had established Docker as our deployment platform (everything deployed is a container) with Vault for secret management, and Consul for service discovery and key/value store. There were a large number of Java developers, and their SIG had settled on Spring Boot as their preferred microservice platform. </a:t>
+            </a:r>
           </a:p>
         </p:txBody>
       </p:sp>
@@ -12286,7 +12604,7 @@
     </p:spTree>
     <p:extLst>
       <p:ext uri="{BB962C8B-B14F-4D97-AF65-F5344CB8AC3E}">
-        <p14:creationId xmlns:p14="http://schemas.microsoft.com/office/powerpoint/2010/main" val="1902782798"/>
+        <p14:creationId xmlns:p14="http://schemas.microsoft.com/office/powerpoint/2010/main" val="129386358"/>
       </p:ext>
     </p:extLst>
   </p:cSld>
@@ -12346,8 +12664,29 @@
           <a:lstStyle/>
           <a:p>
             <a:pPr rtl="0"/>
-            <a:endParaRPr lang="en-US" b="0" dirty="0">
+            <a:r>
+              <a:rPr lang="en-US" sz="1200" b="0" i="0" u="none" strike="noStrike" kern="1200" dirty="0">
+                <a:solidFill>
+                  <a:schemeClr val="tx1"/>
+                </a:solidFill>
+                <a:effectLst/>
+                <a:latin typeface="+mn-lt"/>
+                <a:ea typeface="+mn-ea"/>
+                <a:cs typeface="+mn-cs"/>
+              </a:rPr>
+              <a:t>This is a complex environment, with many moving pieces, so that SIG worked together to create a "base" reference implementation that took care of wiring all of the proper pieces together. A greenfield project could "copy" the reference implementation, and get a bunch of stuff for "free", </a:t>
+            </a:r>
+          </a:p>
+          <a:p>
+            <a:pPr rtl="0"/>
+            <a:endParaRPr lang="en-US" sz="1200" b="0" i="0" u="none" strike="noStrike" kern="1200" dirty="0">
+              <a:solidFill>
+                <a:schemeClr val="tx1"/>
+              </a:solidFill>
               <a:effectLst/>
+              <a:latin typeface="+mn-lt"/>
+              <a:ea typeface="+mn-ea"/>
+              <a:cs typeface="+mn-cs"/>
             </a:endParaRPr>
           </a:p>
         </p:txBody>
@@ -12378,7 +12717,7 @@
     </p:spTree>
     <p:extLst>
       <p:ext uri="{BB962C8B-B14F-4D97-AF65-F5344CB8AC3E}">
-        <p14:creationId xmlns:p14="http://schemas.microsoft.com/office/powerpoint/2010/main" val="2503517"/>
+        <p14:creationId xmlns:p14="http://schemas.microsoft.com/office/powerpoint/2010/main" val="1048343580"/>
       </p:ext>
     </p:extLst>
   </p:cSld>
@@ -12718,7 +13057,7 @@
     </p:spTree>
     <p:extLst>
       <p:ext uri="{BB962C8B-B14F-4D97-AF65-F5344CB8AC3E}">
-        <p14:creationId xmlns:p14="http://schemas.microsoft.com/office/powerpoint/2010/main" val="3403602255"/>
+        <p14:creationId xmlns:p14="http://schemas.microsoft.com/office/powerpoint/2010/main" val="2004091050"/>
       </p:ext>
     </p:extLst>
   </p:cSld>
@@ -12810,7 +13149,7 @@
     </p:spTree>
     <p:extLst>
       <p:ext uri="{BB962C8B-B14F-4D97-AF65-F5344CB8AC3E}">
-        <p14:creationId xmlns:p14="http://schemas.microsoft.com/office/powerpoint/2010/main" val="2186857975"/>
+        <p14:creationId xmlns:p14="http://schemas.microsoft.com/office/powerpoint/2010/main" val="1902782798"/>
       </p:ext>
     </p:extLst>
   </p:cSld>
@@ -12870,18 +13209,6 @@
           <a:lstStyle/>
           <a:p>
             <a:pPr rtl="0"/>
-            <a:r>
-              <a:rPr lang="en-US" sz="1200" b="0" i="0" u="none" strike="noStrike" kern="1200" dirty="0">
-                <a:solidFill>
-                  <a:schemeClr val="tx1"/>
-                </a:solidFill>
-                <a:effectLst/>
-                <a:latin typeface="+mn-lt"/>
-                <a:ea typeface="+mn-ea"/>
-                <a:cs typeface="+mn-cs"/>
-              </a:rPr>
-              <a:t>In the real world, this reference implementation really did help accelerate our progress. Just like the best frameworks are opinionated, our reference implementation was opinionated -- it baked in the best opinions of the Enterprise Architecture Guild &amp; the Java SIG into a consumable unit, rather than those opinions only being expressed in ADRs or other documentation. Seeing the opinions expressed as a reference implementation is very powerful, and helps show how abstract ideas are made into concrete implementations.</a:t>
-            </a:r>
             <a:endParaRPr lang="en-US" b="0" dirty="0">
               <a:effectLst/>
             </a:endParaRPr>
@@ -12914,7 +13241,7 @@
     </p:spTree>
     <p:extLst>
       <p:ext uri="{BB962C8B-B14F-4D97-AF65-F5344CB8AC3E}">
-        <p14:creationId xmlns:p14="http://schemas.microsoft.com/office/powerpoint/2010/main" val="3471781983"/>
+        <p14:creationId xmlns:p14="http://schemas.microsoft.com/office/powerpoint/2010/main" val="2503517"/>
       </p:ext>
     </p:extLst>
   </p:cSld>
@@ -12984,7 +13311,31 @@
                 <a:ea typeface="+mn-ea"/>
                 <a:cs typeface="+mn-cs"/>
               </a:rPr>
-              <a:t>At that company, we were also developing Node.js applications and Ruby/Rails applications, and reference implementations were created for those as well that expressed the same Docker-based concepts, but specific to those other languages.</a:t>
+              <a:t>with all of the right things set up to take advantage of Vault &amp; Consul, as well as anything else defined as part of our approach to application development (linting rules, static code analysis, security, </a:t>
+            </a:r>
+            <a:r>
+              <a:rPr lang="en-US" sz="1200" b="0" i="0" u="none" strike="noStrike" kern="1200" dirty="0" err="1">
+                <a:solidFill>
+                  <a:schemeClr val="tx1"/>
+                </a:solidFill>
+                <a:effectLst/>
+                <a:latin typeface="+mn-lt"/>
+                <a:ea typeface="+mn-ea"/>
+                <a:cs typeface="+mn-cs"/>
+              </a:rPr>
+              <a:t>etc</a:t>
+            </a:r>
+            <a:r>
+              <a:rPr lang="en-US" sz="1200" b="0" i="0" u="none" strike="noStrike" kern="1200" dirty="0">
+                <a:solidFill>
+                  <a:schemeClr val="tx1"/>
+                </a:solidFill>
+                <a:effectLst/>
+                <a:latin typeface="+mn-lt"/>
+                <a:ea typeface="+mn-ea"/>
+                <a:cs typeface="+mn-cs"/>
+              </a:rPr>
+              <a:t>).</a:t>
             </a:r>
             <a:endParaRPr lang="en-US" b="0" dirty="0">
               <a:effectLst/>
@@ -13018,7 +13369,7 @@
     </p:spTree>
     <p:extLst>
       <p:ext uri="{BB962C8B-B14F-4D97-AF65-F5344CB8AC3E}">
-        <p14:creationId xmlns:p14="http://schemas.microsoft.com/office/powerpoint/2010/main" val="1328256726"/>
+        <p14:creationId xmlns:p14="http://schemas.microsoft.com/office/powerpoint/2010/main" val="3403602255"/>
       </p:ext>
     </p:extLst>
   </p:cSld>
@@ -13078,18 +13429,6 @@
           <a:lstStyle/>
           <a:p>
             <a:pPr rtl="0"/>
-            <a:r>
-              <a:rPr lang="en-US" sz="1200" b="0" i="0" u="none" strike="noStrike" kern="1200" dirty="0">
-                <a:solidFill>
-                  <a:schemeClr val="tx1"/>
-                </a:solidFill>
-                <a:effectLst/>
-                <a:latin typeface="+mn-lt"/>
-                <a:ea typeface="+mn-ea"/>
-                <a:cs typeface="+mn-cs"/>
-              </a:rPr>
-              <a:t>If you begin building reference applications, there is an implicit commitment to maintaining them. As new standards emerge -- and they will -- these reference implementations need to be kept up to date so the opinions they express stay in line with the standards that evolving for the Enterprise.</a:t>
-            </a:r>
             <a:endParaRPr lang="en-US" b="0" dirty="0">
               <a:effectLst/>
             </a:endParaRPr>
@@ -13122,7 +13461,7 @@
     </p:spTree>
     <p:extLst>
       <p:ext uri="{BB962C8B-B14F-4D97-AF65-F5344CB8AC3E}">
-        <p14:creationId xmlns:p14="http://schemas.microsoft.com/office/powerpoint/2010/main" val="103137459"/>
+        <p14:creationId xmlns:p14="http://schemas.microsoft.com/office/powerpoint/2010/main" val="2186857975"/>
       </p:ext>
     </p:extLst>
   </p:cSld>
@@ -13192,7 +13531,7 @@
                 <a:ea typeface="+mn-ea"/>
                 <a:cs typeface="+mn-cs"/>
               </a:rPr>
-              <a:t>But the benefits are well worth the cost of maintenance. Beyond serving as a kick start for new projects, and giving examples of standards in the form of actual code, these reference implementations serve as a way to guide people to follow the well-worn paths of those that have gone in front of them. In our environment, teams were allowed (pretty much) to choose to use the technology they wanted (with discussion &amp; agreement in the Guild first), but if someone wanted to build an application in Grails or Go, they would have to "invent" all of the solutions that were already baked into the reference applications to interact with the rest of the Enterprise. It wasn't an explicit deterrent, per-se, but it did tend to focus people's efforts in making the existing tech stacks more robust, rather than introducing new tech stacks. </a:t>
+              <a:t>In the real world, this reference implementation really did help accelerate our progress. Just like the best frameworks are opinionated, our reference implementation was opinionated -- it baked in the best opinions of the Enterprise Architecture Guild &amp; the Java SIG into a consumable unit, rather than those opinions only being expressed in ADRs or other documentation. Seeing the opinions expressed as a reference implementation is very powerful, and helps show how abstract ideas are made into concrete implementations.</a:t>
             </a:r>
             <a:endParaRPr lang="en-US" b="0" dirty="0">
               <a:effectLst/>
@@ -13226,7 +13565,7 @@
     </p:spTree>
     <p:extLst>
       <p:ext uri="{BB962C8B-B14F-4D97-AF65-F5344CB8AC3E}">
-        <p14:creationId xmlns:p14="http://schemas.microsoft.com/office/powerpoint/2010/main" val="731949884"/>
+        <p14:creationId xmlns:p14="http://schemas.microsoft.com/office/powerpoint/2010/main" val="3471781983"/>
       </p:ext>
     </p:extLst>
   </p:cSld>
@@ -13286,6 +13625,18 @@
           <a:lstStyle/>
           <a:p>
             <a:pPr rtl="0"/>
+            <a:r>
+              <a:rPr lang="en-US" sz="1200" b="0" i="0" u="none" strike="noStrike" kern="1200" dirty="0">
+                <a:solidFill>
+                  <a:schemeClr val="tx1"/>
+                </a:solidFill>
+                <a:effectLst/>
+                <a:latin typeface="+mn-lt"/>
+                <a:ea typeface="+mn-ea"/>
+                <a:cs typeface="+mn-cs"/>
+              </a:rPr>
+              <a:t>At that company, we were also developing Node.js applications and Ruby/Rails applications, and reference implementations were created for those as well that expressed the same Docker-based concepts, but specific to those other languages.</a:t>
+            </a:r>
             <a:endParaRPr lang="en-US" b="0" dirty="0">
               <a:effectLst/>
             </a:endParaRPr>
@@ -13318,7 +13669,7 @@
     </p:spTree>
     <p:extLst>
       <p:ext uri="{BB962C8B-B14F-4D97-AF65-F5344CB8AC3E}">
-        <p14:creationId xmlns:p14="http://schemas.microsoft.com/office/powerpoint/2010/main" val="1163101072"/>
+        <p14:creationId xmlns:p14="http://schemas.microsoft.com/office/powerpoint/2010/main" val="1328256726"/>
       </p:ext>
     </p:extLst>
   </p:cSld>
@@ -13388,7 +13739,7 @@
                 <a:ea typeface="+mn-ea"/>
                 <a:cs typeface="+mn-cs"/>
               </a:rPr>
-              <a:t>This may be the most controversial (to some) topic in the presentation.</a:t>
+              <a:t>If you begin building reference applications, there is an implicit commitment to maintaining them. As new standards emerge -- and they will -- these reference implementations need to be kept up to date so the opinions they express stay in line with the standards that evolving for the Enterprise.</a:t>
             </a:r>
             <a:endParaRPr lang="en-US" b="0" dirty="0">
               <a:effectLst/>
@@ -13422,7 +13773,7 @@
     </p:spTree>
     <p:extLst>
       <p:ext uri="{BB962C8B-B14F-4D97-AF65-F5344CB8AC3E}">
-        <p14:creationId xmlns:p14="http://schemas.microsoft.com/office/powerpoint/2010/main" val="1781859085"/>
+        <p14:creationId xmlns:p14="http://schemas.microsoft.com/office/powerpoint/2010/main" val="103137459"/>
       </p:ext>
     </p:extLst>
   </p:cSld>
@@ -13492,7 +13843,7 @@
                 <a:ea typeface="+mn-ea"/>
                 <a:cs typeface="+mn-cs"/>
               </a:rPr>
-              <a:t>Let's recall what Mark Schwartz has to say</a:t>
+              <a:t>But the benefits are well worth the cost of maintenance. Beyond serving as a kick start for new projects, and giving examples of standards in the form of actual code, these reference implementations serve as a way to guide people to follow the well-worn paths of those that have gone in front of them. In our environment, teams were allowed (pretty much) to choose to use the technology they wanted (with discussion &amp; agreement in the Guild first), but if someone wanted to build an application in Grails or Go, they would have to "invent" all of the solutions that were already baked into the reference applications to interact with the rest of the Enterprise. It wasn't an explicit deterrent, per-se, but it did tend to focus people's efforts in making the existing tech stacks more robust, rather than introducing new tech stacks. </a:t>
             </a:r>
             <a:endParaRPr lang="en-US" b="0" dirty="0">
               <a:effectLst/>
@@ -13526,7 +13877,7 @@
     </p:spTree>
     <p:extLst>
       <p:ext uri="{BB962C8B-B14F-4D97-AF65-F5344CB8AC3E}">
-        <p14:creationId xmlns:p14="http://schemas.microsoft.com/office/powerpoint/2010/main" val="487098680"/>
+        <p14:creationId xmlns:p14="http://schemas.microsoft.com/office/powerpoint/2010/main" val="731949884"/>
       </p:ext>
     </p:extLst>
   </p:cSld>
@@ -13586,18 +13937,6 @@
           <a:lstStyle/>
           <a:p>
             <a:pPr rtl="0"/>
-            <a:r>
-              <a:rPr lang="en-US" sz="1200" b="0" i="0" u="none" strike="noStrike" kern="1200" dirty="0">
-                <a:solidFill>
-                  <a:schemeClr val="tx1"/>
-                </a:solidFill>
-                <a:effectLst/>
-                <a:latin typeface="+mn-lt"/>
-                <a:ea typeface="+mn-ea"/>
-                <a:cs typeface="+mn-cs"/>
-              </a:rPr>
-              <a:t>Being hand-on doesn't mean working day in and day out coding (or building infrastructure, or configuring routers) -- necessarily. It does mean that on occasion, as appropriate, that EA folks should roll up their sleeves and bust out an IDE or command line.</a:t>
-            </a:r>
             <a:endParaRPr lang="en-US" b="0" dirty="0">
               <a:effectLst/>
             </a:endParaRPr>
@@ -13630,7 +13969,7 @@
     </p:spTree>
     <p:extLst>
       <p:ext uri="{BB962C8B-B14F-4D97-AF65-F5344CB8AC3E}">
-        <p14:creationId xmlns:p14="http://schemas.microsoft.com/office/powerpoint/2010/main" val="121315743"/>
+        <p14:creationId xmlns:p14="http://schemas.microsoft.com/office/powerpoint/2010/main" val="1163101072"/>
       </p:ext>
     </p:extLst>
   </p:cSld>
@@ -13828,7 +14167,7 @@
                 <a:ea typeface="+mn-ea"/>
                 <a:cs typeface="+mn-cs"/>
               </a:rPr>
-              <a:t>In my view there are three areas where jumping in the pool make a lot of sense:</a:t>
+              <a:t>This may be the most controversial (to some) topic in the presentation.</a:t>
             </a:r>
             <a:endParaRPr lang="en-US" b="0" dirty="0">
               <a:effectLst/>
@@ -13862,7 +14201,7 @@
     </p:spTree>
     <p:extLst>
       <p:ext uri="{BB962C8B-B14F-4D97-AF65-F5344CB8AC3E}">
-        <p14:creationId xmlns:p14="http://schemas.microsoft.com/office/powerpoint/2010/main" val="1250877342"/>
+        <p14:creationId xmlns:p14="http://schemas.microsoft.com/office/powerpoint/2010/main" val="1781859085"/>
       </p:ext>
     </p:extLst>
   </p:cSld>
@@ -13921,7 +14260,7 @@
           <a:bodyPr/>
           <a:lstStyle/>
           <a:p>
-            <a:pPr rtl="0" fontAlgn="base"/>
+            <a:pPr rtl="0"/>
             <a:r>
               <a:rPr lang="en-US" sz="1200" b="0" i="0" u="none" strike="noStrike" kern="1200" dirty="0">
                 <a:solidFill>
@@ -13932,8 +14271,11 @@
                 <a:ea typeface="+mn-ea"/>
                 <a:cs typeface="+mn-cs"/>
               </a:rPr>
-              <a:t>Development of reference architectures. As a member of a SIG around a language or technology, Enterprise Architects are well positioned to help in the production of reference implementations. Enterprise Architects have a good sense of the enterprise, the tooling, the teams &amp; steams (more on this later), and they can help guide the creation of these reference architectures, and also help make sure they evolve as the world evolves. And they can also help craft the ADRs that go along with these reference architectures, helping to frame the context behind the decisions that went into the crafting of the reference implementation.</a:t>
-            </a:r>
+              <a:t>Let's recall what Mark Schwartz has to say</a:t>
+            </a:r>
+            <a:endParaRPr lang="en-US" b="0" dirty="0">
+              <a:effectLst/>
+            </a:endParaRPr>
           </a:p>
         </p:txBody>
       </p:sp>
@@ -13963,7 +14305,7 @@
     </p:spTree>
     <p:extLst>
       <p:ext uri="{BB962C8B-B14F-4D97-AF65-F5344CB8AC3E}">
-        <p14:creationId xmlns:p14="http://schemas.microsoft.com/office/powerpoint/2010/main" val="2456729634"/>
+        <p14:creationId xmlns:p14="http://schemas.microsoft.com/office/powerpoint/2010/main" val="487098680"/>
       </p:ext>
     </p:extLst>
   </p:cSld>
@@ -14022,7 +14364,7 @@
           <a:bodyPr/>
           <a:lstStyle/>
           <a:p>
-            <a:pPr rtl="0" fontAlgn="base"/>
+            <a:pPr rtl="0"/>
             <a:r>
               <a:rPr lang="en-US" sz="1200" b="0" i="0" u="none" strike="noStrike" kern="1200" dirty="0">
                 <a:solidFill>
@@ -14033,35 +14375,11 @@
                 <a:ea typeface="+mn-ea"/>
                 <a:cs typeface="+mn-cs"/>
               </a:rPr>
-              <a:t>The second thing swimming around in the pool means:</a:t>
-            </a:r>
-          </a:p>
-          <a:p>
-            <a:pPr rtl="0" fontAlgn="base"/>
-            <a:endParaRPr lang="en-US" sz="1200" b="0" i="0" u="none" strike="noStrike" kern="1200" dirty="0">
-              <a:solidFill>
-                <a:schemeClr val="tx1"/>
-              </a:solidFill>
+              <a:t>Being hand-on doesn't mean working day in and day out coding (or building infrastructure, or configuring routers) -- necessarily. It does mean that on occasion, as appropriate, that EA folks should roll up their sleeves and bust out an IDE or command line.</a:t>
+            </a:r>
+            <a:endParaRPr lang="en-US" b="0" dirty="0">
               <a:effectLst/>
-              <a:latin typeface="+mn-lt"/>
-              <a:ea typeface="+mn-ea"/>
-              <a:cs typeface="+mn-cs"/>
             </a:endParaRPr>
-          </a:p>
-          <a:p>
-            <a:pPr rtl="0" fontAlgn="base"/>
-            <a:r>
-              <a:rPr lang="en-US" sz="1200" b="0" i="0" u="none" strike="noStrike" kern="1200" dirty="0">
-                <a:solidFill>
-                  <a:schemeClr val="tx1"/>
-                </a:solidFill>
-                <a:effectLst/>
-                <a:latin typeface="+mn-lt"/>
-                <a:ea typeface="+mn-ea"/>
-                <a:cs typeface="+mn-cs"/>
-              </a:rPr>
-              <a:t>Working with project teams at the inception of projects. The beginning of any project is an important time. For greenfield projects, it's an opportunity to make sure things are being set up to best follow the standards decided by the Guild &amp; SIGs, or even better, a way to establish new standards. For brownfield projects, the knowledge that Enterprise Architects have about "where the bodies are buried" can only help set up a team for success. Actually helping the teams develop the architecture for their project by working on them side-by-side in the code will give those teams a strong foundation at the beginning, when many teams need it most. And, it gives the Enterprise Architects a change to exercise muscles that may not have been used for a while, ensuring they don't atrophy. </a:t>
-            </a:r>
           </a:p>
         </p:txBody>
       </p:sp>
@@ -14091,7 +14409,7 @@
     </p:spTree>
     <p:extLst>
       <p:ext uri="{BB962C8B-B14F-4D97-AF65-F5344CB8AC3E}">
-        <p14:creationId xmlns:p14="http://schemas.microsoft.com/office/powerpoint/2010/main" val="40966750"/>
+        <p14:creationId xmlns:p14="http://schemas.microsoft.com/office/powerpoint/2010/main" val="121315743"/>
       </p:ext>
     </p:extLst>
   </p:cSld>
@@ -14150,7 +14468,7 @@
           <a:bodyPr/>
           <a:lstStyle/>
           <a:p>
-            <a:pPr rtl="0" fontAlgn="base"/>
+            <a:pPr rtl="0"/>
             <a:r>
               <a:rPr lang="en-US" sz="1200" b="0" i="0" u="none" strike="noStrike" kern="1200" dirty="0">
                 <a:solidFill>
@@ -14161,59 +14479,11 @@
                 <a:ea typeface="+mn-ea"/>
                 <a:cs typeface="+mn-cs"/>
               </a:rPr>
-              <a:t>Finally, the last thing swimming around in the pool means:</a:t>
-            </a:r>
-          </a:p>
-          <a:p>
-            <a:pPr rtl="0" fontAlgn="base"/>
-            <a:endParaRPr lang="en-US" sz="1200" b="0" i="0" u="none" strike="noStrike" kern="1200" dirty="0">
-              <a:solidFill>
-                <a:schemeClr val="tx1"/>
-              </a:solidFill>
+              <a:t>In my view there are three areas where jumping in the pool make a lot of sense:</a:t>
+            </a:r>
+            <a:endParaRPr lang="en-US" b="0" dirty="0">
               <a:effectLst/>
-              <a:latin typeface="+mn-lt"/>
-              <a:ea typeface="+mn-ea"/>
-              <a:cs typeface="+mn-cs"/>
             </a:endParaRPr>
-          </a:p>
-          <a:p>
-            <a:pPr rtl="0" fontAlgn="base"/>
-            <a:r>
-              <a:rPr lang="en-US" sz="1200" b="0" i="0" u="none" strike="noStrike" kern="1200" dirty="0">
-                <a:solidFill>
-                  <a:schemeClr val="tx1"/>
-                </a:solidFill>
-                <a:effectLst/>
-                <a:latin typeface="+mn-lt"/>
-                <a:ea typeface="+mn-ea"/>
-                <a:cs typeface="+mn-cs"/>
-              </a:rPr>
-              <a:t>Developing spikes/prototypes around new technologies. This could be new encryption appliance or piece of networking equipment on loan from a potential vendor. It could be new </a:t>
-            </a:r>
-            <a:r>
-              <a:rPr lang="en-US" sz="1200" b="0" i="0" u="none" strike="noStrike" kern="1200" dirty="0" err="1">
-                <a:solidFill>
-                  <a:schemeClr val="tx1"/>
-                </a:solidFill>
-                <a:effectLst/>
-                <a:latin typeface="+mn-lt"/>
-                <a:ea typeface="+mn-ea"/>
-                <a:cs typeface="+mn-cs"/>
-              </a:rPr>
-              <a:t>javascript</a:t>
-            </a:r>
-            <a:r>
-              <a:rPr lang="en-US" sz="1200" b="0" i="0" u="none" strike="noStrike" kern="1200" dirty="0">
-                <a:solidFill>
-                  <a:schemeClr val="tx1"/>
-                </a:solidFill>
-                <a:effectLst/>
-                <a:latin typeface="+mn-lt"/>
-                <a:ea typeface="+mn-ea"/>
-                <a:cs typeface="+mn-cs"/>
-              </a:rPr>
-              <a:t> front end framework that several people are interested but aren't sure how it would work in your company's infrastructure. The learnings from a spike can inform the creation of ADRs, helping to inform the decisions about new technology adoption.</a:t>
-            </a:r>
           </a:p>
         </p:txBody>
       </p:sp>
@@ -14243,7 +14513,7 @@
     </p:spTree>
     <p:extLst>
       <p:ext uri="{BB962C8B-B14F-4D97-AF65-F5344CB8AC3E}">
-        <p14:creationId xmlns:p14="http://schemas.microsoft.com/office/powerpoint/2010/main" val="3695559920"/>
+        <p14:creationId xmlns:p14="http://schemas.microsoft.com/office/powerpoint/2010/main" val="1250877342"/>
       </p:ext>
     </p:extLst>
   </p:cSld>
@@ -14313,7 +14583,7 @@
                 <a:ea typeface="+mn-ea"/>
                 <a:cs typeface="+mn-cs"/>
               </a:rPr>
-              <a:t>In all of these cases, the learning that an Enterprise Architect brings back from these sessions can help inform and enrich the organizations understand of its own ecosystem, through first hand observation and participating. After completing one of these "swims", it's a great time to look at existing documentation with a fresh view; maybe new connections between systems that weren't previously known or documented can now be updated. Inventories &amp; catalogs of enterprise systems can updated; score cards that show the health of various systems can be updated with a better understanding of the actual underlying health, instead of a superficial understanding gleaned through interviews and discussions. The idea is to use this "swims" not only to provide the three benefits we talked about, but to also harvest useful (and perhaps previously unknown or not well understood) areas of important enterprise systems.</a:t>
+              <a:t>Development of reference architectures. As a member of a SIG around a language or technology, Enterprise Architects are well positioned to help in the production of reference implementations. Enterprise Architects have a good sense of the enterprise, the tooling, the teams &amp; steams (more on this later), and they can help guide the creation of these reference architectures, and also help make sure they evolve as the world evolves. And they can also help craft the ADRs that go along with these reference architectures, helping to frame the context behind the decisions that went into the crafting of the reference implementation.</a:t>
             </a:r>
           </a:p>
         </p:txBody>
@@ -14344,7 +14614,7 @@
     </p:spTree>
     <p:extLst>
       <p:ext uri="{BB962C8B-B14F-4D97-AF65-F5344CB8AC3E}">
-        <p14:creationId xmlns:p14="http://schemas.microsoft.com/office/powerpoint/2010/main" val="878988136"/>
+        <p14:creationId xmlns:p14="http://schemas.microsoft.com/office/powerpoint/2010/main" val="2456729634"/>
       </p:ext>
     </p:extLst>
   </p:cSld>
@@ -14403,10 +14673,46 @@
           <a:bodyPr/>
           <a:lstStyle/>
           <a:p>
-            <a:pPr rtl="0"/>
-            <a:endParaRPr lang="en-US" b="0" dirty="0">
+            <a:pPr rtl="0" fontAlgn="base"/>
+            <a:r>
+              <a:rPr lang="en-US" sz="1200" b="0" i="0" u="none" strike="noStrike" kern="1200" dirty="0">
+                <a:solidFill>
+                  <a:schemeClr val="tx1"/>
+                </a:solidFill>
+                <a:effectLst/>
+                <a:latin typeface="+mn-lt"/>
+                <a:ea typeface="+mn-ea"/>
+                <a:cs typeface="+mn-cs"/>
+              </a:rPr>
+              <a:t>The second thing swimming around in the pool means:</a:t>
+            </a:r>
+          </a:p>
+          <a:p>
+            <a:pPr rtl="0" fontAlgn="base"/>
+            <a:endParaRPr lang="en-US" sz="1200" b="0" i="0" u="none" strike="noStrike" kern="1200" dirty="0">
+              <a:solidFill>
+                <a:schemeClr val="tx1"/>
+              </a:solidFill>
               <a:effectLst/>
+              <a:latin typeface="+mn-lt"/>
+              <a:ea typeface="+mn-ea"/>
+              <a:cs typeface="+mn-cs"/>
             </a:endParaRPr>
+          </a:p>
+          <a:p>
+            <a:pPr rtl="0" fontAlgn="base"/>
+            <a:r>
+              <a:rPr lang="en-US" sz="1200" b="0" i="0" u="none" strike="noStrike" kern="1200" dirty="0">
+                <a:solidFill>
+                  <a:schemeClr val="tx1"/>
+                </a:solidFill>
+                <a:effectLst/>
+                <a:latin typeface="+mn-lt"/>
+                <a:ea typeface="+mn-ea"/>
+                <a:cs typeface="+mn-cs"/>
+              </a:rPr>
+              <a:t>Working with project teams at the inception of projects. The beginning of any project is an important time. For greenfield projects, it's an opportunity to make sure things are being set up to best follow the standards decided by the Guild &amp; SIGs, or even better, a way to establish new standards. For brownfield projects, the knowledge that Enterprise Architects have about "where the bodies are buried" can only help set up a team for success. Actually helping the teams develop the architecture for their project by working on them side-by-side in the code will give those teams a strong foundation at the beginning, when many teams need it most. And, it gives the Enterprise Architects a change to exercise muscles that may not have been used for a while, ensuring they don't atrophy. </a:t>
+            </a:r>
           </a:p>
         </p:txBody>
       </p:sp>
@@ -14436,7 +14742,7 @@
     </p:spTree>
     <p:extLst>
       <p:ext uri="{BB962C8B-B14F-4D97-AF65-F5344CB8AC3E}">
-        <p14:creationId xmlns:p14="http://schemas.microsoft.com/office/powerpoint/2010/main" val="1231404656"/>
+        <p14:creationId xmlns:p14="http://schemas.microsoft.com/office/powerpoint/2010/main" val="40966750"/>
       </p:ext>
     </p:extLst>
   </p:cSld>
@@ -14495,7 +14801,7 @@
           <a:bodyPr/>
           <a:lstStyle/>
           <a:p>
-            <a:pPr rtl="0"/>
+            <a:pPr rtl="0" fontAlgn="base"/>
             <a:r>
               <a:rPr lang="en-US" sz="1200" b="0" i="0" u="none" strike="noStrike" kern="1200" dirty="0">
                 <a:solidFill>
@@ -14506,11 +14812,11 @@
                 <a:ea typeface="+mn-ea"/>
                 <a:cs typeface="+mn-cs"/>
               </a:rPr>
-              <a:t>Depending on where you are in an agile adoption/DevOps transformation, you might have more “traditional” project teams, or cross-functional, self-sufficient agile team.</a:t>
-            </a:r>
-          </a:p>
-          <a:p>
-            <a:pPr rtl="0"/>
+              <a:t>Finally, the last thing swimming around in the pool means:</a:t>
+            </a:r>
+          </a:p>
+          <a:p>
+            <a:pPr rtl="0" fontAlgn="base"/>
             <a:endParaRPr lang="en-US" sz="1200" b="0" i="0" u="none" strike="noStrike" kern="1200" dirty="0">
               <a:solidFill>
                 <a:schemeClr val="tx1"/>
@@ -14522,7 +14828,7 @@
             </a:endParaRPr>
           </a:p>
           <a:p>
-            <a:pPr rtl="0"/>
+            <a:pPr rtl="0" fontAlgn="base"/>
             <a:r>
               <a:rPr lang="en-US" sz="1200" b="0" i="0" u="none" strike="noStrike" kern="1200" dirty="0">
                 <a:solidFill>
@@ -14533,11 +14839,32 @@
                 <a:ea typeface="+mn-ea"/>
                 <a:cs typeface="+mn-cs"/>
               </a:rPr>
-              <a:t>No matter what, these teams will still need to interact. The ecommerce team needs to get orders to the fulfillment team. The fulfillment team needs to get information to accounting. Accounting needs to get data to Finance. </a:t>
-            </a:r>
-            <a:endParaRPr lang="en-US" b="0" dirty="0">
-              <a:effectLst/>
-            </a:endParaRPr>
+              <a:t>Developing spikes/prototypes around new technologies. This could be new encryption appliance or piece of networking equipment on loan from a potential vendor. It could be new </a:t>
+            </a:r>
+            <a:r>
+              <a:rPr lang="en-US" sz="1200" b="0" i="0" u="none" strike="noStrike" kern="1200" dirty="0" err="1">
+                <a:solidFill>
+                  <a:schemeClr val="tx1"/>
+                </a:solidFill>
+                <a:effectLst/>
+                <a:latin typeface="+mn-lt"/>
+                <a:ea typeface="+mn-ea"/>
+                <a:cs typeface="+mn-cs"/>
+              </a:rPr>
+              <a:t>javascript</a:t>
+            </a:r>
+            <a:r>
+              <a:rPr lang="en-US" sz="1200" b="0" i="0" u="none" strike="noStrike" kern="1200" dirty="0">
+                <a:solidFill>
+                  <a:schemeClr val="tx1"/>
+                </a:solidFill>
+                <a:effectLst/>
+                <a:latin typeface="+mn-lt"/>
+                <a:ea typeface="+mn-ea"/>
+                <a:cs typeface="+mn-cs"/>
+              </a:rPr>
+              <a:t> front end framework that several people are interested but aren't sure how it would work in your company's infrastructure. The learnings from a spike can inform the creation of ADRs, helping to inform the decisions about new technology adoption.</a:t>
+            </a:r>
           </a:p>
         </p:txBody>
       </p:sp>
@@ -14567,7 +14894,7 @@
     </p:spTree>
     <p:extLst>
       <p:ext uri="{BB962C8B-B14F-4D97-AF65-F5344CB8AC3E}">
-        <p14:creationId xmlns:p14="http://schemas.microsoft.com/office/powerpoint/2010/main" val="743535986"/>
+        <p14:creationId xmlns:p14="http://schemas.microsoft.com/office/powerpoint/2010/main" val="3695559920"/>
       </p:ext>
     </p:extLst>
   </p:cSld>
@@ -14626,7 +14953,7 @@
           <a:bodyPr/>
           <a:lstStyle/>
           <a:p>
-            <a:pPr rtl="0"/>
+            <a:pPr rtl="0" fontAlgn="base"/>
             <a:r>
               <a:rPr lang="en-US" sz="1200" b="0" i="0" u="none" strike="noStrike" kern="1200" dirty="0">
                 <a:solidFill>
@@ -14637,7 +14964,7 @@
                 <a:ea typeface="+mn-ea"/>
                 <a:cs typeface="+mn-cs"/>
               </a:rPr>
-              <a:t>And in most enterprises, the actual systems in place in each of these areas is a hodge-podge of "off the shelf" solutions and custom built software. Even if you have a big ERP implementation, it's likely been surrounded over the years with lots of barnacles; bolted on components that fill a specific niche need, or connect to another system. As I said earlier, Enterprises are messy things.</a:t>
+              <a:t>In all of these cases, the learning that an Enterprise Architect brings back from these sessions can help inform and enrich the organizations understand of its own ecosystem, through first hand observation and participating. After completing one of these "swims", it's a great time to look at existing documentation with a fresh view; maybe new connections between systems that weren't previously known or documented can now be updated. Inventories &amp; catalogs of enterprise systems can updated; score cards that show the health of various systems can be updated with a better understanding of the actual underlying health, instead of a superficial understanding gleaned through interviews and discussions. The idea is to use this "swims" not only to provide the three benefits we talked about, but to also harvest useful (and perhaps previously unknown or not well understood) areas of important enterprise systems.</a:t>
             </a:r>
           </a:p>
         </p:txBody>
@@ -14668,7 +14995,7 @@
     </p:spTree>
     <p:extLst>
       <p:ext uri="{BB962C8B-B14F-4D97-AF65-F5344CB8AC3E}">
-        <p14:creationId xmlns:p14="http://schemas.microsoft.com/office/powerpoint/2010/main" val="2192392890"/>
+        <p14:creationId xmlns:p14="http://schemas.microsoft.com/office/powerpoint/2010/main" val="878988136"/>
       </p:ext>
     </p:extLst>
   </p:cSld>
@@ -14728,18 +15055,6 @@
           <a:lstStyle/>
           <a:p>
             <a:pPr rtl="0"/>
-            <a:r>
-              <a:rPr lang="en-US" sz="1200" b="0" i="0" u="none" strike="noStrike" kern="1200" dirty="0">
-                <a:solidFill>
-                  <a:schemeClr val="tx1"/>
-                </a:solidFill>
-                <a:effectLst/>
-                <a:latin typeface="+mn-lt"/>
-                <a:ea typeface="+mn-ea"/>
-                <a:cs typeface="+mn-cs"/>
-              </a:rPr>
-              <a:t>So, Enterprise Architects can often be most beneficial to the enterprise by focusing their efforts on the seams between systems, and the teams behind those systems, and how they interact with each other and the rest of the enterprise.</a:t>
-            </a:r>
             <a:endParaRPr lang="en-US" b="0" dirty="0">
               <a:effectLst/>
             </a:endParaRPr>
@@ -14772,7 +15087,7 @@
     </p:spTree>
     <p:extLst>
       <p:ext uri="{BB962C8B-B14F-4D97-AF65-F5344CB8AC3E}">
-        <p14:creationId xmlns:p14="http://schemas.microsoft.com/office/powerpoint/2010/main" val="2421964280"/>
+        <p14:creationId xmlns:p14="http://schemas.microsoft.com/office/powerpoint/2010/main" val="1231404656"/>
       </p:ext>
     </p:extLst>
   </p:cSld>
@@ -14842,7 +15157,7 @@
                 <a:ea typeface="+mn-ea"/>
                 <a:cs typeface="+mn-cs"/>
               </a:rPr>
-              <a:t>Even if you have a robust set of ADRs that describe the decisions that were made around different systems, there still needs to be a good understand of how data and information flows between these systems, and what techniques are in place to ensure that these seams are robust and well understood.</a:t>
+              <a:t>Depending on where you are in an agile adoption/DevOps transformation, you might have more “traditional” project teams, or cross-functional, self-sufficient agile team.</a:t>
             </a:r>
           </a:p>
           <a:p>
@@ -14869,7 +15184,7 @@
                 <a:ea typeface="+mn-ea"/>
                 <a:cs typeface="+mn-cs"/>
               </a:rPr>
-              <a:t>Let's talk about the two main ways that systems interact:</a:t>
+              <a:t>No matter what, these teams will still need to interact. The ecommerce team needs to get orders to the fulfillment team. The fulfillment team needs to get information to accounting. Accounting needs to get data to Finance. </a:t>
             </a:r>
             <a:endParaRPr lang="en-US" b="0" dirty="0">
               <a:effectLst/>
@@ -14903,7 +15218,7 @@
     </p:spTree>
     <p:extLst>
       <p:ext uri="{BB962C8B-B14F-4D97-AF65-F5344CB8AC3E}">
-        <p14:creationId xmlns:p14="http://schemas.microsoft.com/office/powerpoint/2010/main" val="121608143"/>
+        <p14:creationId xmlns:p14="http://schemas.microsoft.com/office/powerpoint/2010/main" val="743535986"/>
       </p:ext>
     </p:extLst>
   </p:cSld>
@@ -15060,7 +15375,7 @@
           <a:p>
             <a:fld id="{F35D5A91-02EC-B04A-8A79-709009E61D04}" type="datetimeFigureOut">
               <a:rPr lang="en-US" smtClean="0"/>
-              <a:t>9/23/2019</a:t>
+              <a:t>10/11/2019</a:t>
             </a:fld>
             <a:endParaRPr lang="en-US"/>
           </a:p>
@@ -15258,7 +15573,7 @@
           <a:p>
             <a:fld id="{F35D5A91-02EC-B04A-8A79-709009E61D04}" type="datetimeFigureOut">
               <a:rPr lang="en-US" smtClean="0"/>
-              <a:t>9/23/2019</a:t>
+              <a:t>10/11/2019</a:t>
             </a:fld>
             <a:endParaRPr lang="en-US"/>
           </a:p>
@@ -15466,7 +15781,7 @@
           <a:p>
             <a:fld id="{F35D5A91-02EC-B04A-8A79-709009E61D04}" type="datetimeFigureOut">
               <a:rPr lang="en-US" smtClean="0"/>
-              <a:t>9/23/2019</a:t>
+              <a:t>10/11/2019</a:t>
             </a:fld>
             <a:endParaRPr lang="en-US"/>
           </a:p>
@@ -15664,7 +15979,7 @@
           <a:p>
             <a:fld id="{F35D5A91-02EC-B04A-8A79-709009E61D04}" type="datetimeFigureOut">
               <a:rPr lang="en-US" smtClean="0"/>
-              <a:t>9/23/2019</a:t>
+              <a:t>10/11/2019</a:t>
             </a:fld>
             <a:endParaRPr lang="en-US"/>
           </a:p>
@@ -15939,7 +16254,7 @@
           <a:p>
             <a:fld id="{F35D5A91-02EC-B04A-8A79-709009E61D04}" type="datetimeFigureOut">
               <a:rPr lang="en-US" smtClean="0"/>
-              <a:t>9/23/2019</a:t>
+              <a:t>10/11/2019</a:t>
             </a:fld>
             <a:endParaRPr lang="en-US"/>
           </a:p>
@@ -16204,7 +16519,7 @@
           <a:p>
             <a:fld id="{F35D5A91-02EC-B04A-8A79-709009E61D04}" type="datetimeFigureOut">
               <a:rPr lang="en-US" smtClean="0"/>
-              <a:t>9/23/2019</a:t>
+              <a:t>10/11/2019</a:t>
             </a:fld>
             <a:endParaRPr lang="en-US"/>
           </a:p>
@@ -16616,7 +16931,7 @@
           <a:p>
             <a:fld id="{F35D5A91-02EC-B04A-8A79-709009E61D04}" type="datetimeFigureOut">
               <a:rPr lang="en-US" smtClean="0"/>
-              <a:t>9/23/2019</a:t>
+              <a:t>10/11/2019</a:t>
             </a:fld>
             <a:endParaRPr lang="en-US"/>
           </a:p>
@@ -16757,7 +17072,7 @@
           <a:p>
             <a:fld id="{F35D5A91-02EC-B04A-8A79-709009E61D04}" type="datetimeFigureOut">
               <a:rPr lang="en-US" smtClean="0"/>
-              <a:t>9/23/2019</a:t>
+              <a:t>10/11/2019</a:t>
             </a:fld>
             <a:endParaRPr lang="en-US"/>
           </a:p>
@@ -16870,7 +17185,7 @@
           <a:p>
             <a:fld id="{F35D5A91-02EC-B04A-8A79-709009E61D04}" type="datetimeFigureOut">
               <a:rPr lang="en-US" smtClean="0"/>
-              <a:t>9/23/2019</a:t>
+              <a:t>10/11/2019</a:t>
             </a:fld>
             <a:endParaRPr lang="en-US"/>
           </a:p>
@@ -17181,7 +17496,7 @@
           <a:p>
             <a:fld id="{F35D5A91-02EC-B04A-8A79-709009E61D04}" type="datetimeFigureOut">
               <a:rPr lang="en-US" smtClean="0"/>
-              <a:t>9/23/2019</a:t>
+              <a:t>10/11/2019</a:t>
             </a:fld>
             <a:endParaRPr lang="en-US"/>
           </a:p>
@@ -17469,7 +17784,7 @@
           <a:p>
             <a:fld id="{F35D5A91-02EC-B04A-8A79-709009E61D04}" type="datetimeFigureOut">
               <a:rPr lang="en-US" smtClean="0"/>
-              <a:t>9/23/2019</a:t>
+              <a:t>10/11/2019</a:t>
             </a:fld>
             <a:endParaRPr lang="en-US"/>
           </a:p>
@@ -17710,7 +18025,7 @@
           <a:p>
             <a:fld id="{F35D5A91-02EC-B04A-8A79-709009E61D04}" type="datetimeFigureOut">
               <a:rPr lang="en-US" smtClean="0"/>
-              <a:t>9/23/2019</a:t>
+              <a:t>10/11/2019</a:t>
             </a:fld>
             <a:endParaRPr lang="en-US"/>
           </a:p>
@@ -18203,11 +18518,6 @@
               </a:rPr>
               <a:t>https://github.com/davidaayers/ea-talk</a:t>
             </a:r>
-            <a:endParaRPr lang="en-US" sz="2400" dirty="0">
-              <a:solidFill>
-                <a:schemeClr val="bg1"/>
-              </a:solidFill>
-            </a:endParaRPr>
           </a:p>
         </p:txBody>
       </p:sp>
@@ -18404,17 +18714,30 @@
           </a:lstStyle>
           <a:p>
             <a:r>
-              <a:rPr lang="en-US" sz="3200" smtClean="0">
+              <a:rPr lang="en-US" sz="3200" dirty="0" smtClean="0">
                 <a:solidFill>
                   <a:schemeClr val="bg1"/>
                 </a:solidFill>
               </a:rPr>
-              <a:t>David Ayers, Group VP of Technology, Leslie’s Poolmart</a:t>
-            </a:r>
-          </a:p>
-          <a:p>
-            <a:r>
-              <a:rPr lang="en-US" sz="3200" smtClean="0">
+              <a:t>David Ayers, Group VP of Technology, Leslie’s </a:t>
+            </a:r>
+            <a:r>
+              <a:rPr lang="en-US" sz="3200" dirty="0" err="1" smtClean="0">
+                <a:solidFill>
+                  <a:schemeClr val="bg1"/>
+                </a:solidFill>
+              </a:rPr>
+              <a:t>Poolmart</a:t>
+            </a:r>
+            <a:endParaRPr lang="en-US" sz="3200" dirty="0" smtClean="0">
+              <a:solidFill>
+                <a:schemeClr val="bg1"/>
+              </a:solidFill>
+            </a:endParaRPr>
+          </a:p>
+          <a:p>
+            <a:r>
+              <a:rPr lang="en-US" sz="3200" dirty="0" smtClean="0">
                 <a:solidFill>
                   <a:schemeClr val="bg1"/>
                 </a:solidFill>
@@ -18424,12 +18747,20 @@
           </a:p>
           <a:p>
             <a:r>
-              <a:rPr lang="en-US" sz="3200" smtClean="0">
+              <a:rPr lang="en-US" sz="3200" dirty="0" smtClean="0">
                 <a:solidFill>
                   <a:schemeClr val="bg1"/>
                 </a:solidFill>
               </a:rPr>
-              <a:t>@iamagiantnerd</a:t>
+              <a:t>@</a:t>
+            </a:r>
+            <a:r>
+              <a:rPr lang="en-US" sz="3200" dirty="0" err="1" smtClean="0">
+                <a:solidFill>
+                  <a:schemeClr val="bg1"/>
+                </a:solidFill>
+              </a:rPr>
+              <a:t>iamagiantnerd</a:t>
             </a:r>
             <a:endParaRPr lang="en-US" sz="3200" dirty="0">
               <a:solidFill>
@@ -18613,7 +18944,14 @@
             <a:pPr algn="ctr"/>
             <a:r>
               <a:rPr lang="en-US" sz="6600" dirty="0"/>
-              <a:t>Synchronously &amp; Asynchronously</a:t>
+              <a:t>Enterprises are</a:t>
+            </a:r>
+            <a:br>
+              <a:rPr lang="en-US" sz="6600" dirty="0"/>
+            </a:br>
+            <a:r>
+              <a:rPr lang="en-US" sz="6600" dirty="0"/>
+              <a:t>messy things</a:t>
             </a:r>
           </a:p>
         </p:txBody>
@@ -18621,7 +18959,7 @@
     </p:spTree>
     <p:extLst>
       <p:ext uri="{BB962C8B-B14F-4D97-AF65-F5344CB8AC3E}">
-        <p14:creationId xmlns:p14="http://schemas.microsoft.com/office/powerpoint/2010/main" val="2159116517"/>
+        <p14:creationId xmlns:p14="http://schemas.microsoft.com/office/powerpoint/2010/main" val="4034749832"/>
       </p:ext>
     </p:extLst>
   </p:cSld>
@@ -18687,7 +19025,7 @@
             <a:pPr algn="ctr"/>
             <a:r>
               <a:rPr lang="en-US" sz="6600" dirty="0"/>
-              <a:t>Synchronous</a:t>
+              <a:t>Teams &amp; Seams</a:t>
             </a:r>
           </a:p>
         </p:txBody>
@@ -18695,7 +19033,7 @@
     </p:spTree>
     <p:extLst>
       <p:ext uri="{BB962C8B-B14F-4D97-AF65-F5344CB8AC3E}">
-        <p14:creationId xmlns:p14="http://schemas.microsoft.com/office/powerpoint/2010/main" val="1015657902"/>
+        <p14:creationId xmlns:p14="http://schemas.microsoft.com/office/powerpoint/2010/main" val="1500112307"/>
       </p:ext>
     </p:extLst>
   </p:cSld>
@@ -18732,6 +19070,458 @@
       </p:grpSpPr>
       <p:sp>
         <p:nvSpPr>
+          <p:cNvPr id="2" name="Title 1">
+            <a:extLst>
+              <a:ext uri="{FF2B5EF4-FFF2-40B4-BE49-F238E27FC236}">
+                <a16:creationId xmlns:a16="http://schemas.microsoft.com/office/drawing/2014/main" id="{C409FD33-6233-7C49-9918-532E7EC05AB5}"/>
+              </a:ext>
+            </a:extLst>
+          </p:cNvPr>
+          <p:cNvSpPr>
+            <a:spLocks noGrp="1"/>
+          </p:cNvSpPr>
+          <p:nvPr>
+            <p:ph type="title"/>
+          </p:nvPr>
+        </p:nvSpPr>
+        <p:spPr>
+          <a:xfrm>
+            <a:off x="838200" y="511811"/>
+            <a:ext cx="10515600" cy="2127352"/>
+          </a:xfrm>
+        </p:spPr>
+        <p:txBody>
+          <a:bodyPr>
+            <a:noAutofit/>
+          </a:bodyPr>
+          <a:lstStyle/>
+          <a:p>
+            <a:pPr algn="ctr"/>
+            <a:r>
+              <a:rPr lang="en-US" sz="6600" dirty="0"/>
+              <a:t>Wait, weren’t ADRs supposed to fix this?</a:t>
+            </a:r>
+          </a:p>
+        </p:txBody>
+      </p:sp>
+      <p:pic>
+        <p:nvPicPr>
+          <p:cNvPr id="3" name="Picture 2"/>
+          <p:cNvPicPr>
+            <a:picLocks noChangeAspect="1"/>
+          </p:cNvPicPr>
+          <p:nvPr/>
+        </p:nvPicPr>
+        <p:blipFill>
+          <a:blip r:embed="rId3">
+            <a:extLst>
+              <a:ext uri="{28A0092B-C50C-407E-A947-70E740481C1C}">
+                <a14:useLocalDpi xmlns:a14="http://schemas.microsoft.com/office/drawing/2010/main" val="0"/>
+              </a:ext>
+            </a:extLst>
+          </a:blip>
+          <a:stretch>
+            <a:fillRect/>
+          </a:stretch>
+        </p:blipFill>
+        <p:spPr>
+          <a:xfrm>
+            <a:off x="4977859" y="3103897"/>
+            <a:ext cx="2236281" cy="2236281"/>
+          </a:xfrm>
+          <a:prstGeom prst="rect">
+            <a:avLst/>
+          </a:prstGeom>
+        </p:spPr>
+      </p:pic>
+    </p:spTree>
+    <p:extLst>
+      <p:ext uri="{BB962C8B-B14F-4D97-AF65-F5344CB8AC3E}">
+        <p14:creationId xmlns:p14="http://schemas.microsoft.com/office/powerpoint/2010/main" val="996226047"/>
+      </p:ext>
+    </p:extLst>
+  </p:cSld>
+  <p:clrMapOvr>
+    <a:masterClrMapping/>
+  </p:clrMapOvr>
+</p:sld>
+</file>
+
+<file path=ppt/slides/slide103.xml><?xml version="1.0" encoding="utf-8"?>
+<p:sld xmlns:a="http://schemas.openxmlformats.org/drawingml/2006/main" xmlns:r="http://schemas.openxmlformats.org/officeDocument/2006/relationships" xmlns:p="http://schemas.openxmlformats.org/presentationml/2006/main">
+  <p:cSld>
+    <p:bg>
+      <p:bgPr>
+        <a:solidFill>
+          <a:schemeClr val="accent5"/>
+        </a:solidFill>
+        <a:effectLst/>
+      </p:bgPr>
+    </p:bg>
+    <p:spTree>
+      <p:nvGrpSpPr>
+        <p:cNvPr id="1" name=""/>
+        <p:cNvGrpSpPr/>
+        <p:nvPr/>
+      </p:nvGrpSpPr>
+      <p:grpSpPr>
+        <a:xfrm>
+          <a:off x="0" y="0"/>
+          <a:ext cx="0" cy="0"/>
+          <a:chOff x="0" y="0"/>
+          <a:chExt cx="0" cy="0"/>
+        </a:xfrm>
+      </p:grpSpPr>
+      <p:sp>
+        <p:nvSpPr>
+          <p:cNvPr id="2" name="Title 1">
+            <a:extLst>
+              <a:ext uri="{FF2B5EF4-FFF2-40B4-BE49-F238E27FC236}">
+                <a16:creationId xmlns:a16="http://schemas.microsoft.com/office/drawing/2014/main" id="{C409FD33-6233-7C49-9918-532E7EC05AB5}"/>
+              </a:ext>
+            </a:extLst>
+          </p:cNvPr>
+          <p:cNvSpPr>
+            <a:spLocks noGrp="1"/>
+          </p:cNvSpPr>
+          <p:nvPr>
+            <p:ph type="title"/>
+          </p:nvPr>
+        </p:nvSpPr>
+        <p:spPr>
+          <a:xfrm>
+            <a:off x="838200" y="2365324"/>
+            <a:ext cx="10515600" cy="2127352"/>
+          </a:xfrm>
+        </p:spPr>
+        <p:txBody>
+          <a:bodyPr>
+            <a:noAutofit/>
+          </a:bodyPr>
+          <a:lstStyle/>
+          <a:p>
+            <a:pPr algn="ctr"/>
+            <a:r>
+              <a:rPr lang="en-US" sz="6600" dirty="0"/>
+              <a:t>Synchronously &amp; Asynchronously</a:t>
+            </a:r>
+          </a:p>
+        </p:txBody>
+      </p:sp>
+    </p:spTree>
+    <p:extLst>
+      <p:ext uri="{BB962C8B-B14F-4D97-AF65-F5344CB8AC3E}">
+        <p14:creationId xmlns:p14="http://schemas.microsoft.com/office/powerpoint/2010/main" val="2159116517"/>
+      </p:ext>
+    </p:extLst>
+  </p:cSld>
+  <p:clrMapOvr>
+    <a:masterClrMapping/>
+  </p:clrMapOvr>
+</p:sld>
+</file>
+
+<file path=ppt/slides/slide104.xml><?xml version="1.0" encoding="utf-8"?>
+<p:sld xmlns:a="http://schemas.openxmlformats.org/drawingml/2006/main" xmlns:r="http://schemas.openxmlformats.org/officeDocument/2006/relationships" xmlns:p="http://schemas.openxmlformats.org/presentationml/2006/main">
+  <p:cSld>
+    <p:bg>
+      <p:bgPr>
+        <a:solidFill>
+          <a:schemeClr val="accent5"/>
+        </a:solidFill>
+        <a:effectLst/>
+      </p:bgPr>
+    </p:bg>
+    <p:spTree>
+      <p:nvGrpSpPr>
+        <p:cNvPr id="1" name=""/>
+        <p:cNvGrpSpPr/>
+        <p:nvPr/>
+      </p:nvGrpSpPr>
+      <p:grpSpPr>
+        <a:xfrm>
+          <a:off x="0" y="0"/>
+          <a:ext cx="0" cy="0"/>
+          <a:chOff x="0" y="0"/>
+          <a:chExt cx="0" cy="0"/>
+        </a:xfrm>
+      </p:grpSpPr>
+      <p:sp>
+        <p:nvSpPr>
+          <p:cNvPr id="2" name="Title 1">
+            <a:extLst>
+              <a:ext uri="{FF2B5EF4-FFF2-40B4-BE49-F238E27FC236}">
+                <a16:creationId xmlns:a16="http://schemas.microsoft.com/office/drawing/2014/main" id="{C409FD33-6233-7C49-9918-532E7EC05AB5}"/>
+              </a:ext>
+            </a:extLst>
+          </p:cNvPr>
+          <p:cNvSpPr>
+            <a:spLocks noGrp="1"/>
+          </p:cNvSpPr>
+          <p:nvPr>
+            <p:ph type="title"/>
+          </p:nvPr>
+        </p:nvSpPr>
+        <p:spPr>
+          <a:xfrm>
+            <a:off x="838200" y="128751"/>
+            <a:ext cx="10515600" cy="2127352"/>
+          </a:xfrm>
+        </p:spPr>
+        <p:txBody>
+          <a:bodyPr>
+            <a:noAutofit/>
+          </a:bodyPr>
+          <a:lstStyle/>
+          <a:p>
+            <a:pPr algn="ctr"/>
+            <a:r>
+              <a:rPr lang="en-US" sz="6600" dirty="0"/>
+              <a:t>Synchronous</a:t>
+            </a:r>
+          </a:p>
+        </p:txBody>
+      </p:sp>
+      <p:pic>
+        <p:nvPicPr>
+          <p:cNvPr id="3" name="Picture 2"/>
+          <p:cNvPicPr>
+            <a:picLocks noChangeAspect="1"/>
+          </p:cNvPicPr>
+          <p:nvPr/>
+        </p:nvPicPr>
+        <p:blipFill>
+          <a:blip r:embed="rId3">
+            <a:extLst>
+              <a:ext uri="{28A0092B-C50C-407E-A947-70E740481C1C}">
+                <a14:useLocalDpi xmlns:a14="http://schemas.microsoft.com/office/drawing/2010/main" val="0"/>
+              </a:ext>
+            </a:extLst>
+          </a:blip>
+          <a:stretch>
+            <a:fillRect/>
+          </a:stretch>
+        </p:blipFill>
+        <p:spPr>
+          <a:xfrm>
+            <a:off x="8192822" y="2811159"/>
+            <a:ext cx="2582271" cy="2582271"/>
+          </a:xfrm>
+          <a:prstGeom prst="rect">
+            <a:avLst/>
+          </a:prstGeom>
+        </p:spPr>
+      </p:pic>
+      <p:pic>
+        <p:nvPicPr>
+          <p:cNvPr id="4" name="Picture 3"/>
+          <p:cNvPicPr>
+            <a:picLocks noChangeAspect="1"/>
+          </p:cNvPicPr>
+          <p:nvPr/>
+        </p:nvPicPr>
+        <p:blipFill>
+          <a:blip r:embed="rId3">
+            <a:extLst>
+              <a:ext uri="{28A0092B-C50C-407E-A947-70E740481C1C}">
+                <a14:useLocalDpi xmlns:a14="http://schemas.microsoft.com/office/drawing/2010/main" val="0"/>
+              </a:ext>
+            </a:extLst>
+          </a:blip>
+          <a:stretch>
+            <a:fillRect/>
+          </a:stretch>
+        </p:blipFill>
+        <p:spPr>
+          <a:xfrm>
+            <a:off x="1746714" y="2811158"/>
+            <a:ext cx="2582271" cy="2582271"/>
+          </a:xfrm>
+          <a:prstGeom prst="rect">
+            <a:avLst/>
+          </a:prstGeom>
+        </p:spPr>
+      </p:pic>
+      <p:sp>
+        <p:nvSpPr>
+          <p:cNvPr id="5" name="Right Arrow 4"/>
+          <p:cNvSpPr/>
+          <p:nvPr/>
+        </p:nvSpPr>
+        <p:spPr>
+          <a:xfrm>
+            <a:off x="5622325" y="3253651"/>
+            <a:ext cx="2211860" cy="271849"/>
+          </a:xfrm>
+          <a:prstGeom prst="rightArrow">
+            <a:avLst/>
+          </a:prstGeom>
+        </p:spPr>
+        <p:style>
+          <a:lnRef idx="2">
+            <a:schemeClr val="accent1">
+              <a:shade val="50000"/>
+            </a:schemeClr>
+          </a:lnRef>
+          <a:fillRef idx="1">
+            <a:schemeClr val="accent1"/>
+          </a:fillRef>
+          <a:effectRef idx="0">
+            <a:schemeClr val="accent1"/>
+          </a:effectRef>
+          <a:fontRef idx="minor">
+            <a:schemeClr val="lt1"/>
+          </a:fontRef>
+        </p:style>
+        <p:txBody>
+          <a:bodyPr rtlCol="0" anchor="ctr"/>
+          <a:lstStyle/>
+          <a:p>
+            <a:pPr algn="ctr"/>
+            <a:endParaRPr lang="en-US"/>
+          </a:p>
+        </p:txBody>
+      </p:sp>
+      <p:sp>
+        <p:nvSpPr>
+          <p:cNvPr id="6" name="Right Arrow 5"/>
+          <p:cNvSpPr/>
+          <p:nvPr/>
+        </p:nvSpPr>
+        <p:spPr>
+          <a:xfrm rot="10800000">
+            <a:off x="4687622" y="3830444"/>
+            <a:ext cx="2211860" cy="271849"/>
+          </a:xfrm>
+          <a:prstGeom prst="rightArrow">
+            <a:avLst/>
+          </a:prstGeom>
+        </p:spPr>
+        <p:style>
+          <a:lnRef idx="2">
+            <a:schemeClr val="accent1">
+              <a:shade val="50000"/>
+            </a:schemeClr>
+          </a:lnRef>
+          <a:fillRef idx="1">
+            <a:schemeClr val="accent1"/>
+          </a:fillRef>
+          <a:effectRef idx="0">
+            <a:schemeClr val="accent1"/>
+          </a:effectRef>
+          <a:fontRef idx="minor">
+            <a:schemeClr val="lt1"/>
+          </a:fontRef>
+        </p:style>
+        <p:txBody>
+          <a:bodyPr rtlCol="0" anchor="ctr"/>
+          <a:lstStyle/>
+          <a:p>
+            <a:pPr algn="ctr"/>
+            <a:endParaRPr lang="en-US"/>
+          </a:p>
+        </p:txBody>
+      </p:sp>
+      <p:pic>
+        <p:nvPicPr>
+          <p:cNvPr id="7" name="Picture 6"/>
+          <p:cNvPicPr>
+            <a:picLocks noChangeAspect="1"/>
+          </p:cNvPicPr>
+          <p:nvPr/>
+        </p:nvPicPr>
+        <p:blipFill>
+          <a:blip r:embed="rId4">
+            <a:extLst>
+              <a:ext uri="{28A0092B-C50C-407E-A947-70E740481C1C}">
+                <a14:useLocalDpi xmlns:a14="http://schemas.microsoft.com/office/drawing/2010/main" val="0"/>
+              </a:ext>
+            </a:extLst>
+          </a:blip>
+          <a:stretch>
+            <a:fillRect/>
+          </a:stretch>
+        </p:blipFill>
+        <p:spPr>
+          <a:xfrm>
+            <a:off x="4650552" y="3064472"/>
+            <a:ext cx="650205" cy="650205"/>
+          </a:xfrm>
+          <a:prstGeom prst="rect">
+            <a:avLst/>
+          </a:prstGeom>
+        </p:spPr>
+      </p:pic>
+      <p:pic>
+        <p:nvPicPr>
+          <p:cNvPr id="8" name="Picture 7"/>
+          <p:cNvPicPr>
+            <a:picLocks noChangeAspect="1"/>
+          </p:cNvPicPr>
+          <p:nvPr/>
+        </p:nvPicPr>
+        <p:blipFill>
+          <a:blip r:embed="rId4">
+            <a:extLst>
+              <a:ext uri="{28A0092B-C50C-407E-A947-70E740481C1C}">
+                <a14:useLocalDpi xmlns:a14="http://schemas.microsoft.com/office/drawing/2010/main" val="0"/>
+              </a:ext>
+            </a:extLst>
+          </a:blip>
+          <a:stretch>
+            <a:fillRect/>
+          </a:stretch>
+        </p:blipFill>
+        <p:spPr>
+          <a:xfrm>
+            <a:off x="7272682" y="3641266"/>
+            <a:ext cx="650205" cy="650205"/>
+          </a:xfrm>
+          <a:prstGeom prst="rect">
+            <a:avLst/>
+          </a:prstGeom>
+        </p:spPr>
+      </p:pic>
+    </p:spTree>
+    <p:extLst>
+      <p:ext uri="{BB962C8B-B14F-4D97-AF65-F5344CB8AC3E}">
+        <p14:creationId xmlns:p14="http://schemas.microsoft.com/office/powerpoint/2010/main" val="1015657902"/>
+      </p:ext>
+    </p:extLst>
+  </p:cSld>
+  <p:clrMapOvr>
+    <a:masterClrMapping/>
+  </p:clrMapOvr>
+</p:sld>
+</file>
+
+<file path=ppt/slides/slide105.xml><?xml version="1.0" encoding="utf-8"?>
+<p:sld xmlns:a="http://schemas.openxmlformats.org/drawingml/2006/main" xmlns:r="http://schemas.openxmlformats.org/officeDocument/2006/relationships" xmlns:p="http://schemas.openxmlformats.org/presentationml/2006/main">
+  <p:cSld>
+    <p:bg>
+      <p:bgPr>
+        <a:solidFill>
+          <a:schemeClr val="accent5"/>
+        </a:solidFill>
+        <a:effectLst/>
+      </p:bgPr>
+    </p:bg>
+    <p:spTree>
+      <p:nvGrpSpPr>
+        <p:cNvPr id="1" name=""/>
+        <p:cNvGrpSpPr/>
+        <p:nvPr/>
+      </p:nvGrpSpPr>
+      <p:grpSpPr>
+        <a:xfrm>
+          <a:off x="0" y="0"/>
+          <a:ext cx="0" cy="0"/>
+          <a:chOff x="0" y="0"/>
+          <a:chExt cx="0" cy="0"/>
+        </a:xfrm>
+      </p:grpSpPr>
+      <p:sp>
+        <p:nvSpPr>
           <p:cNvPr id="5" name="TextBox 4">
             <a:extLst>
               <a:ext uri="{FF2B5EF4-FFF2-40B4-BE49-F238E27FC236}">
@@ -18760,30 +19550,36 @@
           <a:p>
             <a:pPr algn="ctr" fontAlgn="base"/>
             <a:r>
+              <a:rPr lang="en-US" sz="6000" dirty="0" smtClean="0"/>
+              <a:t>REST</a:t>
+            </a:r>
+            <a:endParaRPr lang="en-US" sz="6000" dirty="0"/>
+          </a:p>
+          <a:p>
+            <a:pPr algn="ctr" fontAlgn="base"/>
+            <a:r>
               <a:rPr lang="en-US" sz="6000" dirty="0"/>
-              <a:t>REST 👍</a:t>
+              <a:t>SOAP </a:t>
             </a:r>
           </a:p>
           <a:p>
             <a:pPr algn="ctr" fontAlgn="base"/>
             <a:r>
               <a:rPr lang="en-US" sz="6000" dirty="0"/>
-              <a:t>SOAP 😟</a:t>
+              <a:t>EJB </a:t>
             </a:r>
           </a:p>
           <a:p>
             <a:pPr algn="ctr" fontAlgn="base"/>
             <a:r>
               <a:rPr lang="en-US" sz="6000" dirty="0"/>
-              <a:t>EJB 😢</a:t>
-            </a:r>
-          </a:p>
-          <a:p>
-            <a:pPr algn="ctr" fontAlgn="base"/>
-            <a:r>
-              <a:rPr lang="en-US" sz="6000" dirty="0"/>
-              <a:t>Shared DB 😭 </a:t>
-            </a:r>
+              <a:t>Shared DB </a:t>
+            </a:r>
+            <a:r>
+              <a:rPr lang="en-US" sz="6000" dirty="0" smtClean="0"/>
+              <a:t> </a:t>
+            </a:r>
+            <a:endParaRPr lang="en-US" sz="6000" dirty="0"/>
           </a:p>
           <a:p>
             <a:pPr algn="ctr" fontAlgn="base"/>
@@ -18798,6 +19594,126 @@
           </a:p>
         </p:txBody>
       </p:sp>
+      <p:pic>
+        <p:nvPicPr>
+          <p:cNvPr id="4" name="Picture 3"/>
+          <p:cNvPicPr>
+            <a:picLocks noChangeAspect="1"/>
+          </p:cNvPicPr>
+          <p:nvPr/>
+        </p:nvPicPr>
+        <p:blipFill>
+          <a:blip r:embed="rId3">
+            <a:extLst>
+              <a:ext uri="{28A0092B-C50C-407E-A947-70E740481C1C}">
+                <a14:useLocalDpi xmlns:a14="http://schemas.microsoft.com/office/drawing/2010/main" val="0"/>
+              </a:ext>
+            </a:extLst>
+          </a:blip>
+          <a:stretch>
+            <a:fillRect/>
+          </a:stretch>
+        </p:blipFill>
+        <p:spPr>
+          <a:xfrm>
+            <a:off x="7068357" y="966179"/>
+            <a:ext cx="650205" cy="650205"/>
+          </a:xfrm>
+          <a:prstGeom prst="rect">
+            <a:avLst/>
+          </a:prstGeom>
+        </p:spPr>
+      </p:pic>
+      <p:pic>
+        <p:nvPicPr>
+          <p:cNvPr id="6" name="Picture 5"/>
+          <p:cNvPicPr>
+            <a:picLocks noChangeAspect="1"/>
+          </p:cNvPicPr>
+          <p:nvPr/>
+        </p:nvPicPr>
+        <p:blipFill>
+          <a:blip r:embed="rId4">
+            <a:extLst>
+              <a:ext uri="{28A0092B-C50C-407E-A947-70E740481C1C}">
+                <a14:useLocalDpi xmlns:a14="http://schemas.microsoft.com/office/drawing/2010/main" val="0"/>
+              </a:ext>
+            </a:extLst>
+          </a:blip>
+          <a:stretch>
+            <a:fillRect/>
+          </a:stretch>
+        </p:blipFill>
+        <p:spPr>
+          <a:xfrm>
+            <a:off x="6743254" y="2778794"/>
+            <a:ext cx="650205" cy="650205"/>
+          </a:xfrm>
+          <a:prstGeom prst="rect">
+            <a:avLst/>
+          </a:prstGeom>
+        </p:spPr>
+      </p:pic>
+      <p:pic>
+        <p:nvPicPr>
+          <p:cNvPr id="7" name="Picture 6"/>
+          <p:cNvPicPr>
+            <a:picLocks noChangeAspect="1"/>
+          </p:cNvPicPr>
+          <p:nvPr/>
+        </p:nvPicPr>
+        <p:blipFill>
+          <a:blip r:embed="rId5">
+            <a:extLst>
+              <a:ext uri="{28A0092B-C50C-407E-A947-70E740481C1C}">
+                <a14:useLocalDpi xmlns:a14="http://schemas.microsoft.com/office/drawing/2010/main" val="0"/>
+              </a:ext>
+            </a:extLst>
+          </a:blip>
+          <a:stretch>
+            <a:fillRect/>
+          </a:stretch>
+        </p:blipFill>
+        <p:spPr>
+          <a:xfrm>
+            <a:off x="7908616" y="3704674"/>
+            <a:ext cx="650205" cy="650205"/>
+          </a:xfrm>
+          <a:prstGeom prst="rect">
+            <a:avLst/>
+          </a:prstGeom>
+        </p:spPr>
+      </p:pic>
+      <p:pic>
+        <p:nvPicPr>
+          <p:cNvPr id="8" name="Picture 7"/>
+          <p:cNvPicPr>
+            <a:picLocks noChangeAspect="1"/>
+          </p:cNvPicPr>
+          <p:nvPr/>
+        </p:nvPicPr>
+        <p:blipFill>
+          <a:blip r:embed="rId6">
+            <a:extLst>
+              <a:ext uri="{28A0092B-C50C-407E-A947-70E740481C1C}">
+                <a14:useLocalDpi xmlns:a14="http://schemas.microsoft.com/office/drawing/2010/main" val="0"/>
+              </a:ext>
+            </a:extLst>
+          </a:blip>
+          <a:stretch>
+            <a:fillRect/>
+          </a:stretch>
+        </p:blipFill>
+        <p:spPr>
+          <a:xfrm>
+            <a:off x="7068357" y="1872486"/>
+            <a:ext cx="650205" cy="650205"/>
+          </a:xfrm>
+          <a:prstGeom prst="rect">
+            <a:avLst/>
+          </a:prstGeom>
+        </p:spPr>
+      </p:pic>
     </p:spTree>
     <p:extLst>
       <p:ext uri="{BB962C8B-B14F-4D97-AF65-F5344CB8AC3E}">
@@ -19089,236 +20005,6 @@
 </p:sld>
 </file>
 
-<file path=ppt/slides/slide103.xml><?xml version="1.0" encoding="utf-8"?>
-<p:sld xmlns:a="http://schemas.openxmlformats.org/drawingml/2006/main" xmlns:r="http://schemas.openxmlformats.org/officeDocument/2006/relationships" xmlns:p="http://schemas.openxmlformats.org/presentationml/2006/main">
-  <p:cSld>
-    <p:bg>
-      <p:bgPr>
-        <a:solidFill>
-          <a:schemeClr val="accent5"/>
-        </a:solidFill>
-        <a:effectLst/>
-      </p:bgPr>
-    </p:bg>
-    <p:spTree>
-      <p:nvGrpSpPr>
-        <p:cNvPr id="1" name=""/>
-        <p:cNvGrpSpPr/>
-        <p:nvPr/>
-      </p:nvGrpSpPr>
-      <p:grpSpPr>
-        <a:xfrm>
-          <a:off x="0" y="0"/>
-          <a:ext cx="0" cy="0"/>
-          <a:chOff x="0" y="0"/>
-          <a:chExt cx="0" cy="0"/>
-        </a:xfrm>
-      </p:grpSpPr>
-      <p:sp>
-        <p:nvSpPr>
-          <p:cNvPr id="2" name="Title 1">
-            <a:extLst>
-              <a:ext uri="{FF2B5EF4-FFF2-40B4-BE49-F238E27FC236}">
-                <a16:creationId xmlns:a16="http://schemas.microsoft.com/office/drawing/2014/main" id="{C409FD33-6233-7C49-9918-532E7EC05AB5}"/>
-              </a:ext>
-            </a:extLst>
-          </p:cNvPr>
-          <p:cNvSpPr>
-            <a:spLocks noGrp="1"/>
-          </p:cNvSpPr>
-          <p:nvPr>
-            <p:ph type="title"/>
-          </p:nvPr>
-        </p:nvSpPr>
-        <p:spPr>
-          <a:xfrm>
-            <a:off x="838200" y="2365324"/>
-            <a:ext cx="10515600" cy="2127352"/>
-          </a:xfrm>
-        </p:spPr>
-        <p:txBody>
-          <a:bodyPr>
-            <a:noAutofit/>
-          </a:bodyPr>
-          <a:lstStyle/>
-          <a:p>
-            <a:pPr algn="ctr"/>
-            <a:r>
-              <a:rPr lang="en-US" sz="6600" dirty="0"/>
-              <a:t>Changing APIs is Hard</a:t>
-            </a:r>
-          </a:p>
-        </p:txBody>
-      </p:sp>
-    </p:spTree>
-    <p:extLst>
-      <p:ext uri="{BB962C8B-B14F-4D97-AF65-F5344CB8AC3E}">
-        <p14:creationId xmlns:p14="http://schemas.microsoft.com/office/powerpoint/2010/main" val="1916425580"/>
-      </p:ext>
-    </p:extLst>
-  </p:cSld>
-  <p:clrMapOvr>
-    <a:masterClrMapping/>
-  </p:clrMapOvr>
-</p:sld>
-</file>
-
-<file path=ppt/slides/slide104.xml><?xml version="1.0" encoding="utf-8"?>
-<p:sld xmlns:a="http://schemas.openxmlformats.org/drawingml/2006/main" xmlns:r="http://schemas.openxmlformats.org/officeDocument/2006/relationships" xmlns:p="http://schemas.openxmlformats.org/presentationml/2006/main">
-  <p:cSld>
-    <p:bg>
-      <p:bgPr>
-        <a:solidFill>
-          <a:schemeClr val="accent5"/>
-        </a:solidFill>
-        <a:effectLst/>
-      </p:bgPr>
-    </p:bg>
-    <p:spTree>
-      <p:nvGrpSpPr>
-        <p:cNvPr id="1" name=""/>
-        <p:cNvGrpSpPr/>
-        <p:nvPr/>
-      </p:nvGrpSpPr>
-      <p:grpSpPr>
-        <a:xfrm>
-          <a:off x="0" y="0"/>
-          <a:ext cx="0" cy="0"/>
-          <a:chOff x="0" y="0"/>
-          <a:chExt cx="0" cy="0"/>
-        </a:xfrm>
-      </p:grpSpPr>
-      <p:sp>
-        <p:nvSpPr>
-          <p:cNvPr id="2" name="Title 1">
-            <a:extLst>
-              <a:ext uri="{FF2B5EF4-FFF2-40B4-BE49-F238E27FC236}">
-                <a16:creationId xmlns:a16="http://schemas.microsoft.com/office/drawing/2014/main" id="{C409FD33-6233-7C49-9918-532E7EC05AB5}"/>
-              </a:ext>
-            </a:extLst>
-          </p:cNvPr>
-          <p:cNvSpPr>
-            <a:spLocks noGrp="1"/>
-          </p:cNvSpPr>
-          <p:nvPr>
-            <p:ph type="title"/>
-          </p:nvPr>
-        </p:nvSpPr>
-        <p:spPr>
-          <a:xfrm>
-            <a:off x="838200" y="2365324"/>
-            <a:ext cx="10515600" cy="2127352"/>
-          </a:xfrm>
-        </p:spPr>
-        <p:txBody>
-          <a:bodyPr>
-            <a:noAutofit/>
-          </a:bodyPr>
-          <a:lstStyle/>
-          <a:p>
-            <a:pPr algn="ctr"/>
-            <a:r>
-              <a:rPr lang="en-US" sz="6600" dirty="0"/>
-              <a:t>#1 Semantic Versioning</a:t>
-            </a:r>
-            <a:br>
-              <a:rPr lang="en-US" sz="6600" dirty="0"/>
-            </a:br>
-            <a:r>
-              <a:rPr lang="en-US" sz="6600" dirty="0" err="1"/>
-              <a:t>major.minor.patch</a:t>
-            </a:r>
-            <a:endParaRPr lang="en-US" sz="6600" dirty="0"/>
-          </a:p>
-        </p:txBody>
-      </p:sp>
-    </p:spTree>
-    <p:extLst>
-      <p:ext uri="{BB962C8B-B14F-4D97-AF65-F5344CB8AC3E}">
-        <p14:creationId xmlns:p14="http://schemas.microsoft.com/office/powerpoint/2010/main" val="3118312701"/>
-      </p:ext>
-    </p:extLst>
-  </p:cSld>
-  <p:clrMapOvr>
-    <a:masterClrMapping/>
-  </p:clrMapOvr>
-</p:sld>
-</file>
-
-<file path=ppt/slides/slide105.xml><?xml version="1.0" encoding="utf-8"?>
-<p:sld xmlns:a="http://schemas.openxmlformats.org/drawingml/2006/main" xmlns:r="http://schemas.openxmlformats.org/officeDocument/2006/relationships" xmlns:p="http://schemas.openxmlformats.org/presentationml/2006/main">
-  <p:cSld>
-    <p:bg>
-      <p:bgPr>
-        <a:solidFill>
-          <a:schemeClr val="accent5"/>
-        </a:solidFill>
-        <a:effectLst/>
-      </p:bgPr>
-    </p:bg>
-    <p:spTree>
-      <p:nvGrpSpPr>
-        <p:cNvPr id="1" name=""/>
-        <p:cNvGrpSpPr/>
-        <p:nvPr/>
-      </p:nvGrpSpPr>
-      <p:grpSpPr>
-        <a:xfrm>
-          <a:off x="0" y="0"/>
-          <a:ext cx="0" cy="0"/>
-          <a:chOff x="0" y="0"/>
-          <a:chExt cx="0" cy="0"/>
-        </a:xfrm>
-      </p:grpSpPr>
-      <p:sp>
-        <p:nvSpPr>
-          <p:cNvPr id="2" name="Title 1">
-            <a:extLst>
-              <a:ext uri="{FF2B5EF4-FFF2-40B4-BE49-F238E27FC236}">
-                <a16:creationId xmlns:a16="http://schemas.microsoft.com/office/drawing/2014/main" id="{C409FD33-6233-7C49-9918-532E7EC05AB5}"/>
-              </a:ext>
-            </a:extLst>
-          </p:cNvPr>
-          <p:cNvSpPr>
-            <a:spLocks noGrp="1"/>
-          </p:cNvSpPr>
-          <p:nvPr>
-            <p:ph type="title"/>
-          </p:nvPr>
-        </p:nvSpPr>
-        <p:spPr>
-          <a:xfrm>
-            <a:off x="838200" y="2365324"/>
-            <a:ext cx="10515600" cy="2127352"/>
-          </a:xfrm>
-        </p:spPr>
-        <p:txBody>
-          <a:bodyPr>
-            <a:noAutofit/>
-          </a:bodyPr>
-          <a:lstStyle/>
-          <a:p>
-            <a:pPr algn="ctr"/>
-            <a:r>
-              <a:rPr lang="en-US" sz="6600" dirty="0"/>
-              <a:t>#2 API Contract Tests</a:t>
-            </a:r>
-          </a:p>
-        </p:txBody>
-      </p:sp>
-    </p:spTree>
-    <p:extLst>
-      <p:ext uri="{BB962C8B-B14F-4D97-AF65-F5344CB8AC3E}">
-        <p14:creationId xmlns:p14="http://schemas.microsoft.com/office/powerpoint/2010/main" val="4095346019"/>
-      </p:ext>
-    </p:extLst>
-  </p:cSld>
-  <p:clrMapOvr>
-    <a:masterClrMapping/>
-  </p:clrMapOvr>
-</p:sld>
-</file>
-
 <file path=ppt/slides/slide106.xml><?xml version="1.0" encoding="utf-8"?>
 <p:sld xmlns:a="http://schemas.openxmlformats.org/drawingml/2006/main" xmlns:r="http://schemas.openxmlformats.org/officeDocument/2006/relationships" xmlns:p="http://schemas.openxmlformats.org/presentationml/2006/main">
   <p:cSld>
@@ -19375,7 +20061,7 @@
             <a:pPr algn="ctr"/>
             <a:r>
               <a:rPr lang="en-US" sz="6600" dirty="0"/>
-              <a:t>#3 Multiple Concurrent Versions Running Simultaneously</a:t>
+              <a:t>Changing APIs is Hard</a:t>
             </a:r>
           </a:p>
         </p:txBody>
@@ -19383,7 +20069,7 @@
     </p:spTree>
     <p:extLst>
       <p:ext uri="{BB962C8B-B14F-4D97-AF65-F5344CB8AC3E}">
-        <p14:creationId xmlns:p14="http://schemas.microsoft.com/office/powerpoint/2010/main" val="1168808399"/>
+        <p14:creationId xmlns:p14="http://schemas.microsoft.com/office/powerpoint/2010/main" val="1916425580"/>
       </p:ext>
     </p:extLst>
   </p:cSld>
@@ -19449,15 +20135,23 @@
             <a:pPr algn="ctr"/>
             <a:r>
               <a:rPr lang="en-US" sz="6600" dirty="0"/>
-              <a:t>Expose &amp; Socialize API Contracts</a:t>
-            </a:r>
+              <a:t>#1 Semantic Versioning</a:t>
+            </a:r>
+            <a:br>
+              <a:rPr lang="en-US" sz="6600" dirty="0"/>
+            </a:br>
+            <a:r>
+              <a:rPr lang="en-US" sz="6600" dirty="0" err="1"/>
+              <a:t>major.minor.patch</a:t>
+            </a:r>
+            <a:endParaRPr lang="en-US" sz="6600" dirty="0"/>
           </a:p>
         </p:txBody>
       </p:sp>
     </p:spTree>
     <p:extLst>
       <p:ext uri="{BB962C8B-B14F-4D97-AF65-F5344CB8AC3E}">
-        <p14:creationId xmlns:p14="http://schemas.microsoft.com/office/powerpoint/2010/main" val="2902538767"/>
+        <p14:creationId xmlns:p14="http://schemas.microsoft.com/office/powerpoint/2010/main" val="3118312701"/>
       </p:ext>
     </p:extLst>
   </p:cSld>
@@ -19523,7 +20217,7 @@
             <a:pPr algn="ctr"/>
             <a:r>
               <a:rPr lang="en-US" sz="6600" dirty="0"/>
-              <a:t>Asynchronous</a:t>
+              <a:t>#2 API Contract Tests</a:t>
             </a:r>
           </a:p>
         </p:txBody>
@@ -19531,7 +20225,7 @@
     </p:spTree>
     <p:extLst>
       <p:ext uri="{BB962C8B-B14F-4D97-AF65-F5344CB8AC3E}">
-        <p14:creationId xmlns:p14="http://schemas.microsoft.com/office/powerpoint/2010/main" val="2833657099"/>
+        <p14:creationId xmlns:p14="http://schemas.microsoft.com/office/powerpoint/2010/main" val="4095346019"/>
       </p:ext>
     </p:extLst>
   </p:cSld>
@@ -19597,7 +20291,7 @@
             <a:pPr algn="ctr"/>
             <a:r>
               <a:rPr lang="en-US" sz="6600" dirty="0"/>
-              <a:t>Easy to do!</a:t>
+              <a:t>#3 Multiple Concurrent Versions Running Simultaneously</a:t>
             </a:r>
           </a:p>
         </p:txBody>
@@ -19605,7 +20299,7 @@
     </p:spTree>
     <p:extLst>
       <p:ext uri="{BB962C8B-B14F-4D97-AF65-F5344CB8AC3E}">
-        <p14:creationId xmlns:p14="http://schemas.microsoft.com/office/powerpoint/2010/main" val="3286721840"/>
+        <p14:creationId xmlns:p14="http://schemas.microsoft.com/office/powerpoint/2010/main" val="1168808399"/>
       </p:ext>
     </p:extLst>
   </p:cSld>
@@ -19732,7 +20426,7 @@
         </p:nvSpPr>
         <p:spPr>
           <a:xfrm>
-            <a:off x="838200" y="2365324"/>
+            <a:off x="838200" y="1092578"/>
             <a:ext cx="10515600" cy="2127352"/>
           </a:xfrm>
         </p:spPr>
@@ -19745,15 +20439,45 @@
             <a:pPr algn="ctr"/>
             <a:r>
               <a:rPr lang="en-US" sz="6600" dirty="0"/>
-              <a:t>Easy to do WRONG!</a:t>
-            </a:r>
-          </a:p>
-        </p:txBody>
-      </p:sp>
+              <a:t>Expose &amp; Socialize API Contracts</a:t>
+            </a:r>
+          </a:p>
+        </p:txBody>
+      </p:sp>
+      <p:pic>
+        <p:nvPicPr>
+          <p:cNvPr id="3" name="Picture 2"/>
+          <p:cNvPicPr>
+            <a:picLocks noChangeAspect="1"/>
+          </p:cNvPicPr>
+          <p:nvPr/>
+        </p:nvPicPr>
+        <p:blipFill>
+          <a:blip r:embed="rId3">
+            <a:extLst>
+              <a:ext uri="{28A0092B-C50C-407E-A947-70E740481C1C}">
+                <a14:useLocalDpi xmlns:a14="http://schemas.microsoft.com/office/drawing/2010/main" val="0"/>
+              </a:ext>
+            </a:extLst>
+          </a:blip>
+          <a:stretch>
+            <a:fillRect/>
+          </a:stretch>
+        </p:blipFill>
+        <p:spPr>
+          <a:xfrm>
+            <a:off x="4701892" y="3103897"/>
+            <a:ext cx="2788216" cy="2788216"/>
+          </a:xfrm>
+          <a:prstGeom prst="rect">
+            <a:avLst/>
+          </a:prstGeom>
+        </p:spPr>
+      </p:pic>
     </p:spTree>
     <p:extLst>
       <p:ext uri="{BB962C8B-B14F-4D97-AF65-F5344CB8AC3E}">
-        <p14:creationId xmlns:p14="http://schemas.microsoft.com/office/powerpoint/2010/main" val="186781275"/>
+        <p14:creationId xmlns:p14="http://schemas.microsoft.com/office/powerpoint/2010/main" val="2902538767"/>
       </p:ext>
     </p:extLst>
   </p:cSld>
@@ -19806,7 +20530,7 @@
         </p:nvSpPr>
         <p:spPr>
           <a:xfrm>
-            <a:off x="838200" y="2365324"/>
+            <a:off x="838200" y="230799"/>
             <a:ext cx="10515600" cy="2127352"/>
           </a:xfrm>
         </p:spPr>
@@ -19818,23 +20542,256 @@
           <a:p>
             <a:pPr algn="ctr"/>
             <a:r>
-              <a:rPr lang="en-US" sz="8000" dirty="0"/>
-              <a:t>EA to the Rescue!</a:t>
-            </a:r>
-            <a:br>
-              <a:rPr lang="en-US" sz="8000" dirty="0"/>
-            </a:br>
-            <a:r>
-              <a:rPr lang="en-US" sz="8000" dirty="0"/>
-              <a:t>🚒</a:t>
-            </a:r>
-          </a:p>
-        </p:txBody>
-      </p:sp>
+              <a:rPr lang="en-US" sz="6600" dirty="0"/>
+              <a:t>Asynchronous</a:t>
+            </a:r>
+          </a:p>
+        </p:txBody>
+      </p:sp>
+      <p:pic>
+        <p:nvPicPr>
+          <p:cNvPr id="3" name="Picture 2"/>
+          <p:cNvPicPr>
+            <a:picLocks noChangeAspect="1"/>
+          </p:cNvPicPr>
+          <p:nvPr/>
+        </p:nvPicPr>
+        <p:blipFill>
+          <a:blip r:embed="rId3">
+            <a:extLst>
+              <a:ext uri="{28A0092B-C50C-407E-A947-70E740481C1C}">
+                <a14:useLocalDpi xmlns:a14="http://schemas.microsoft.com/office/drawing/2010/main" val="0"/>
+              </a:ext>
+            </a:extLst>
+          </a:blip>
+          <a:stretch>
+            <a:fillRect/>
+          </a:stretch>
+        </p:blipFill>
+        <p:spPr>
+          <a:xfrm>
+            <a:off x="8831858" y="2811158"/>
+            <a:ext cx="2582271" cy="2582271"/>
+          </a:xfrm>
+          <a:prstGeom prst="rect">
+            <a:avLst/>
+          </a:prstGeom>
+        </p:spPr>
+      </p:pic>
+      <p:pic>
+        <p:nvPicPr>
+          <p:cNvPr id="4" name="Picture 3"/>
+          <p:cNvPicPr>
+            <a:picLocks noChangeAspect="1"/>
+          </p:cNvPicPr>
+          <p:nvPr/>
+        </p:nvPicPr>
+        <p:blipFill>
+          <a:blip r:embed="rId3">
+            <a:extLst>
+              <a:ext uri="{28A0092B-C50C-407E-A947-70E740481C1C}">
+                <a14:useLocalDpi xmlns:a14="http://schemas.microsoft.com/office/drawing/2010/main" val="0"/>
+              </a:ext>
+            </a:extLst>
+          </a:blip>
+          <a:stretch>
+            <a:fillRect/>
+          </a:stretch>
+        </p:blipFill>
+        <p:spPr>
+          <a:xfrm>
+            <a:off x="1136740" y="2811157"/>
+            <a:ext cx="2582271" cy="2582271"/>
+          </a:xfrm>
+          <a:prstGeom prst="rect">
+            <a:avLst/>
+          </a:prstGeom>
+        </p:spPr>
+      </p:pic>
+      <p:sp>
+        <p:nvSpPr>
+          <p:cNvPr id="5" name="Right Arrow 4"/>
+          <p:cNvSpPr/>
+          <p:nvPr/>
+        </p:nvSpPr>
+        <p:spPr>
+          <a:xfrm>
+            <a:off x="4656956" y="3714677"/>
+            <a:ext cx="890936" cy="271849"/>
+          </a:xfrm>
+          <a:prstGeom prst="rightArrow">
+            <a:avLst/>
+          </a:prstGeom>
+        </p:spPr>
+        <p:style>
+          <a:lnRef idx="2">
+            <a:schemeClr val="accent1">
+              <a:shade val="50000"/>
+            </a:schemeClr>
+          </a:lnRef>
+          <a:fillRef idx="1">
+            <a:schemeClr val="accent1"/>
+          </a:fillRef>
+          <a:effectRef idx="0">
+            <a:schemeClr val="accent1"/>
+          </a:effectRef>
+          <a:fontRef idx="minor">
+            <a:schemeClr val="lt1"/>
+          </a:fontRef>
+        </p:style>
+        <p:txBody>
+          <a:bodyPr rtlCol="0" anchor="ctr"/>
+          <a:lstStyle/>
+          <a:p>
+            <a:pPr algn="ctr"/>
+            <a:endParaRPr lang="en-US"/>
+          </a:p>
+        </p:txBody>
+      </p:sp>
+      <p:pic>
+        <p:nvPicPr>
+          <p:cNvPr id="7" name="Picture 6"/>
+          <p:cNvPicPr>
+            <a:picLocks noChangeAspect="1"/>
+          </p:cNvPicPr>
+          <p:nvPr/>
+        </p:nvPicPr>
+        <p:blipFill>
+          <a:blip r:embed="rId4">
+            <a:extLst>
+              <a:ext uri="{28A0092B-C50C-407E-A947-70E740481C1C}">
+                <a14:useLocalDpi xmlns:a14="http://schemas.microsoft.com/office/drawing/2010/main" val="0"/>
+              </a:ext>
+            </a:extLst>
+          </a:blip>
+          <a:stretch>
+            <a:fillRect/>
+          </a:stretch>
+        </p:blipFill>
+        <p:spPr>
+          <a:xfrm>
+            <a:off x="3862881" y="3525500"/>
+            <a:ext cx="650205" cy="650205"/>
+          </a:xfrm>
+          <a:prstGeom prst="rect">
+            <a:avLst/>
+          </a:prstGeom>
+        </p:spPr>
+      </p:pic>
+      <p:sp>
+        <p:nvSpPr>
+          <p:cNvPr id="9" name="Can 8"/>
+          <p:cNvSpPr/>
+          <p:nvPr/>
+        </p:nvSpPr>
+        <p:spPr>
+          <a:xfrm rot="5400000">
+            <a:off x="6034480" y="3277663"/>
+            <a:ext cx="481914" cy="1167349"/>
+          </a:xfrm>
+          <a:prstGeom prst="can">
+            <a:avLst/>
+          </a:prstGeom>
+        </p:spPr>
+        <p:style>
+          <a:lnRef idx="2">
+            <a:schemeClr val="accent1">
+              <a:shade val="50000"/>
+            </a:schemeClr>
+          </a:lnRef>
+          <a:fillRef idx="1">
+            <a:schemeClr val="accent1"/>
+          </a:fillRef>
+          <a:effectRef idx="0">
+            <a:schemeClr val="accent1"/>
+          </a:effectRef>
+          <a:fontRef idx="minor">
+            <a:schemeClr val="lt1"/>
+          </a:fontRef>
+        </p:style>
+        <p:txBody>
+          <a:bodyPr rtlCol="0" anchor="ctr"/>
+          <a:lstStyle/>
+          <a:p>
+            <a:pPr algn="ctr"/>
+            <a:endParaRPr lang="en-US"/>
+          </a:p>
+        </p:txBody>
+      </p:sp>
+      <p:sp>
+        <p:nvSpPr>
+          <p:cNvPr id="10" name="Right Arrow 9"/>
+          <p:cNvSpPr/>
+          <p:nvPr/>
+        </p:nvSpPr>
+        <p:spPr>
+          <a:xfrm>
+            <a:off x="7002981" y="3731152"/>
+            <a:ext cx="890936" cy="271849"/>
+          </a:xfrm>
+          <a:prstGeom prst="rightArrow">
+            <a:avLst/>
+          </a:prstGeom>
+        </p:spPr>
+        <p:style>
+          <a:lnRef idx="2">
+            <a:schemeClr val="accent1">
+              <a:shade val="50000"/>
+            </a:schemeClr>
+          </a:lnRef>
+          <a:fillRef idx="1">
+            <a:schemeClr val="accent1"/>
+          </a:fillRef>
+          <a:effectRef idx="0">
+            <a:schemeClr val="accent1"/>
+          </a:effectRef>
+          <a:fontRef idx="minor">
+            <a:schemeClr val="lt1"/>
+          </a:fontRef>
+        </p:style>
+        <p:txBody>
+          <a:bodyPr rtlCol="0" anchor="ctr"/>
+          <a:lstStyle/>
+          <a:p>
+            <a:pPr algn="ctr"/>
+            <a:endParaRPr lang="en-US"/>
+          </a:p>
+        </p:txBody>
+      </p:sp>
+      <p:pic>
+        <p:nvPicPr>
+          <p:cNvPr id="11" name="Picture 10"/>
+          <p:cNvPicPr>
+            <a:picLocks noChangeAspect="1"/>
+          </p:cNvPicPr>
+          <p:nvPr/>
+        </p:nvPicPr>
+        <p:blipFill>
+          <a:blip r:embed="rId4">
+            <a:extLst>
+              <a:ext uri="{28A0092B-C50C-407E-A947-70E740481C1C}">
+                <a14:useLocalDpi xmlns:a14="http://schemas.microsoft.com/office/drawing/2010/main" val="0"/>
+              </a:ext>
+            </a:extLst>
+          </a:blip>
+          <a:stretch>
+            <a:fillRect/>
+          </a:stretch>
+        </p:blipFill>
+        <p:spPr>
+          <a:xfrm>
+            <a:off x="8037785" y="3525500"/>
+            <a:ext cx="650205" cy="650205"/>
+          </a:xfrm>
+          <a:prstGeom prst="rect">
+            <a:avLst/>
+          </a:prstGeom>
+        </p:spPr>
+      </p:pic>
     </p:spTree>
     <p:extLst>
       <p:ext uri="{BB962C8B-B14F-4D97-AF65-F5344CB8AC3E}">
-        <p14:creationId xmlns:p14="http://schemas.microsoft.com/office/powerpoint/2010/main" val="3430387518"/>
+        <p14:creationId xmlns:p14="http://schemas.microsoft.com/office/powerpoint/2010/main" val="2833657099"/>
       </p:ext>
     </p:extLst>
   </p:cSld>
@@ -19887,7 +20844,7 @@
         </p:nvSpPr>
         <p:spPr>
           <a:xfrm>
-            <a:off x="838200" y="2365324"/>
+            <a:off x="838200" y="931940"/>
             <a:ext cx="10515600" cy="2127352"/>
           </a:xfrm>
         </p:spPr>
@@ -19900,15 +20857,45 @@
             <a:pPr algn="ctr"/>
             <a:r>
               <a:rPr lang="en-US" sz="6600" dirty="0"/>
-              <a:t>Error Handling Approach</a:t>
-            </a:r>
-          </a:p>
-        </p:txBody>
-      </p:sp>
+              <a:t>Easy to do!</a:t>
+            </a:r>
+          </a:p>
+        </p:txBody>
+      </p:sp>
+      <p:pic>
+        <p:nvPicPr>
+          <p:cNvPr id="3" name="Picture 2"/>
+          <p:cNvPicPr>
+            <a:picLocks noChangeAspect="1"/>
+          </p:cNvPicPr>
+          <p:nvPr/>
+        </p:nvPicPr>
+        <p:blipFill>
+          <a:blip r:embed="rId3">
+            <a:extLst>
+              <a:ext uri="{28A0092B-C50C-407E-A947-70E740481C1C}">
+                <a14:useLocalDpi xmlns:a14="http://schemas.microsoft.com/office/drawing/2010/main" val="0"/>
+              </a:ext>
+            </a:extLst>
+          </a:blip>
+          <a:stretch>
+            <a:fillRect/>
+          </a:stretch>
+        </p:blipFill>
+        <p:spPr>
+          <a:xfrm>
+            <a:off x="4903719" y="3400460"/>
+            <a:ext cx="2384562" cy="2384562"/>
+          </a:xfrm>
+          <a:prstGeom prst="rect">
+            <a:avLst/>
+          </a:prstGeom>
+        </p:spPr>
+      </p:pic>
     </p:spTree>
     <p:extLst>
       <p:ext uri="{BB962C8B-B14F-4D97-AF65-F5344CB8AC3E}">
-        <p14:creationId xmlns:p14="http://schemas.microsoft.com/office/powerpoint/2010/main" val="1881243953"/>
+        <p14:creationId xmlns:p14="http://schemas.microsoft.com/office/powerpoint/2010/main" val="3286721840"/>
       </p:ext>
     </p:extLst>
   </p:cSld>
@@ -19961,7 +20948,7 @@
         </p:nvSpPr>
         <p:spPr>
           <a:xfrm>
-            <a:off x="838200" y="2365324"/>
+            <a:off x="924697" y="292582"/>
             <a:ext cx="10515600" cy="2127352"/>
           </a:xfrm>
         </p:spPr>
@@ -19974,15 +20961,45 @@
             <a:pPr algn="ctr"/>
             <a:r>
               <a:rPr lang="en-US" sz="6600" dirty="0"/>
-              <a:t>Error Notification Approach</a:t>
-            </a:r>
-          </a:p>
-        </p:txBody>
-      </p:sp>
+              <a:t>Easy to do WRONG!</a:t>
+            </a:r>
+          </a:p>
+        </p:txBody>
+      </p:sp>
+      <p:pic>
+        <p:nvPicPr>
+          <p:cNvPr id="3" name="Picture 2"/>
+          <p:cNvPicPr>
+            <a:picLocks noChangeAspect="1"/>
+          </p:cNvPicPr>
+          <p:nvPr/>
+        </p:nvPicPr>
+        <p:blipFill>
+          <a:blip r:embed="rId3">
+            <a:extLst>
+              <a:ext uri="{28A0092B-C50C-407E-A947-70E740481C1C}">
+                <a14:useLocalDpi xmlns:a14="http://schemas.microsoft.com/office/drawing/2010/main" val="0"/>
+              </a:ext>
+            </a:extLst>
+          </a:blip>
+          <a:stretch>
+            <a:fillRect/>
+          </a:stretch>
+        </p:blipFill>
+        <p:spPr>
+          <a:xfrm>
+            <a:off x="4978888" y="2646697"/>
+            <a:ext cx="2407217" cy="2407217"/>
+          </a:xfrm>
+          <a:prstGeom prst="rect">
+            <a:avLst/>
+          </a:prstGeom>
+        </p:spPr>
+      </p:pic>
     </p:spTree>
     <p:extLst>
       <p:ext uri="{BB962C8B-B14F-4D97-AF65-F5344CB8AC3E}">
-        <p14:creationId xmlns:p14="http://schemas.microsoft.com/office/powerpoint/2010/main" val="1586100090"/>
+        <p14:creationId xmlns:p14="http://schemas.microsoft.com/office/powerpoint/2010/main" val="186781275"/>
       </p:ext>
     </p:extLst>
   </p:cSld>
@@ -20035,7 +21052,7 @@
         </p:nvSpPr>
         <p:spPr>
           <a:xfrm>
-            <a:off x="838200" y="2365324"/>
+            <a:off x="924698" y="709518"/>
             <a:ext cx="10515600" cy="2127352"/>
           </a:xfrm>
         </p:spPr>
@@ -20047,16 +21064,51 @@
           <a:p>
             <a:pPr algn="ctr"/>
             <a:r>
-              <a:rPr lang="en-US" sz="6600" dirty="0"/>
-              <a:t>Project Inception</a:t>
-            </a:r>
-          </a:p>
-        </p:txBody>
-      </p:sp>
+              <a:rPr lang="en-US" sz="8000" dirty="0"/>
+              <a:t>EA to the Rescue</a:t>
+            </a:r>
+            <a:r>
+              <a:rPr lang="en-US" sz="8000" dirty="0" smtClean="0"/>
+              <a:t>!</a:t>
+            </a:r>
+            <a:endParaRPr lang="en-US" sz="8000" dirty="0"/>
+          </a:p>
+        </p:txBody>
+      </p:sp>
+      <p:pic>
+        <p:nvPicPr>
+          <p:cNvPr id="3" name="Picture 2"/>
+          <p:cNvPicPr>
+            <a:picLocks noChangeAspect="1"/>
+          </p:cNvPicPr>
+          <p:nvPr/>
+        </p:nvPicPr>
+        <p:blipFill>
+          <a:blip r:embed="rId3">
+            <a:extLst>
+              <a:ext uri="{28A0092B-C50C-407E-A947-70E740481C1C}">
+                <a14:useLocalDpi xmlns:a14="http://schemas.microsoft.com/office/drawing/2010/main" val="0"/>
+              </a:ext>
+            </a:extLst>
+          </a:blip>
+          <a:stretch>
+            <a:fillRect/>
+          </a:stretch>
+        </p:blipFill>
+        <p:spPr>
+          <a:xfrm>
+            <a:off x="4533017" y="2127713"/>
+            <a:ext cx="3298962" cy="3298962"/>
+          </a:xfrm>
+          <a:prstGeom prst="rect">
+            <a:avLst/>
+          </a:prstGeom>
+        </p:spPr>
+      </p:pic>
     </p:spTree>
     <p:extLst>
       <p:ext uri="{BB962C8B-B14F-4D97-AF65-F5344CB8AC3E}">
-        <p14:creationId xmlns:p14="http://schemas.microsoft.com/office/powerpoint/2010/main" val="438801365"/>
+        <p14:creationId xmlns:p14="http://schemas.microsoft.com/office/powerpoint/2010/main" val="3430387518"/>
       </p:ext>
     </p:extLst>
   </p:cSld>
@@ -20122,6 +21174,258 @@
             <a:pPr algn="ctr"/>
             <a:r>
               <a:rPr lang="en-US" sz="6600" dirty="0"/>
+              <a:t>Error Handling Approach</a:t>
+            </a:r>
+          </a:p>
+        </p:txBody>
+      </p:sp>
+    </p:spTree>
+    <p:extLst>
+      <p:ext uri="{BB962C8B-B14F-4D97-AF65-F5344CB8AC3E}">
+        <p14:creationId xmlns:p14="http://schemas.microsoft.com/office/powerpoint/2010/main" val="1881243953"/>
+      </p:ext>
+    </p:extLst>
+  </p:cSld>
+  <p:clrMapOvr>
+    <a:masterClrMapping/>
+  </p:clrMapOvr>
+</p:sld>
+</file>
+
+<file path=ppt/slides/slide116.xml><?xml version="1.0" encoding="utf-8"?>
+<p:sld xmlns:a="http://schemas.openxmlformats.org/drawingml/2006/main" xmlns:r="http://schemas.openxmlformats.org/officeDocument/2006/relationships" xmlns:p="http://schemas.openxmlformats.org/presentationml/2006/main">
+  <p:cSld>
+    <p:bg>
+      <p:bgPr>
+        <a:solidFill>
+          <a:schemeClr val="accent5"/>
+        </a:solidFill>
+        <a:effectLst/>
+      </p:bgPr>
+    </p:bg>
+    <p:spTree>
+      <p:nvGrpSpPr>
+        <p:cNvPr id="1" name=""/>
+        <p:cNvGrpSpPr/>
+        <p:nvPr/>
+      </p:nvGrpSpPr>
+      <p:grpSpPr>
+        <a:xfrm>
+          <a:off x="0" y="0"/>
+          <a:ext cx="0" cy="0"/>
+          <a:chOff x="0" y="0"/>
+          <a:chExt cx="0" cy="0"/>
+        </a:xfrm>
+      </p:grpSpPr>
+      <p:sp>
+        <p:nvSpPr>
+          <p:cNvPr id="2" name="Title 1">
+            <a:extLst>
+              <a:ext uri="{FF2B5EF4-FFF2-40B4-BE49-F238E27FC236}">
+                <a16:creationId xmlns:a16="http://schemas.microsoft.com/office/drawing/2014/main" id="{C409FD33-6233-7C49-9918-532E7EC05AB5}"/>
+              </a:ext>
+            </a:extLst>
+          </p:cNvPr>
+          <p:cNvSpPr>
+            <a:spLocks noGrp="1"/>
+          </p:cNvSpPr>
+          <p:nvPr>
+            <p:ph type="title"/>
+          </p:nvPr>
+        </p:nvSpPr>
+        <p:spPr>
+          <a:xfrm>
+            <a:off x="838200" y="2365324"/>
+            <a:ext cx="10515600" cy="2127352"/>
+          </a:xfrm>
+        </p:spPr>
+        <p:txBody>
+          <a:bodyPr>
+            <a:noAutofit/>
+          </a:bodyPr>
+          <a:lstStyle/>
+          <a:p>
+            <a:pPr algn="ctr"/>
+            <a:r>
+              <a:rPr lang="en-US" sz="6600" dirty="0"/>
+              <a:t>Error Notification Approach</a:t>
+            </a:r>
+          </a:p>
+        </p:txBody>
+      </p:sp>
+    </p:spTree>
+    <p:extLst>
+      <p:ext uri="{BB962C8B-B14F-4D97-AF65-F5344CB8AC3E}">
+        <p14:creationId xmlns:p14="http://schemas.microsoft.com/office/powerpoint/2010/main" val="1586100090"/>
+      </p:ext>
+    </p:extLst>
+  </p:cSld>
+  <p:clrMapOvr>
+    <a:masterClrMapping/>
+  </p:clrMapOvr>
+</p:sld>
+</file>
+
+<file path=ppt/slides/slide117.xml><?xml version="1.0" encoding="utf-8"?>
+<p:sld xmlns:a="http://schemas.openxmlformats.org/drawingml/2006/main" xmlns:r="http://schemas.openxmlformats.org/officeDocument/2006/relationships" xmlns:p="http://schemas.openxmlformats.org/presentationml/2006/main">
+  <p:cSld>
+    <p:bg>
+      <p:bgPr>
+        <a:solidFill>
+          <a:schemeClr val="accent5"/>
+        </a:solidFill>
+        <a:effectLst/>
+      </p:bgPr>
+    </p:bg>
+    <p:spTree>
+      <p:nvGrpSpPr>
+        <p:cNvPr id="1" name=""/>
+        <p:cNvGrpSpPr/>
+        <p:nvPr/>
+      </p:nvGrpSpPr>
+      <p:grpSpPr>
+        <a:xfrm>
+          <a:off x="0" y="0"/>
+          <a:ext cx="0" cy="0"/>
+          <a:chOff x="0" y="0"/>
+          <a:chExt cx="0" cy="0"/>
+        </a:xfrm>
+      </p:grpSpPr>
+      <p:sp>
+        <p:nvSpPr>
+          <p:cNvPr id="2" name="Title 1">
+            <a:extLst>
+              <a:ext uri="{FF2B5EF4-FFF2-40B4-BE49-F238E27FC236}">
+                <a16:creationId xmlns:a16="http://schemas.microsoft.com/office/drawing/2014/main" id="{C409FD33-6233-7C49-9918-532E7EC05AB5}"/>
+              </a:ext>
+            </a:extLst>
+          </p:cNvPr>
+          <p:cNvSpPr>
+            <a:spLocks noGrp="1"/>
+          </p:cNvSpPr>
+          <p:nvPr>
+            <p:ph type="title"/>
+          </p:nvPr>
+        </p:nvSpPr>
+        <p:spPr>
+          <a:xfrm>
+            <a:off x="838200" y="808373"/>
+            <a:ext cx="10515600" cy="2127352"/>
+          </a:xfrm>
+        </p:spPr>
+        <p:txBody>
+          <a:bodyPr>
+            <a:noAutofit/>
+          </a:bodyPr>
+          <a:lstStyle/>
+          <a:p>
+            <a:pPr algn="ctr"/>
+            <a:r>
+              <a:rPr lang="en-US" sz="6600" dirty="0"/>
+              <a:t>Project Inception</a:t>
+            </a:r>
+          </a:p>
+        </p:txBody>
+      </p:sp>
+      <p:pic>
+        <p:nvPicPr>
+          <p:cNvPr id="3" name="Picture 2"/>
+          <p:cNvPicPr>
+            <a:picLocks noChangeAspect="1"/>
+          </p:cNvPicPr>
+          <p:nvPr/>
+        </p:nvPicPr>
+        <p:blipFill>
+          <a:blip r:embed="rId3">
+            <a:extLst>
+              <a:ext uri="{28A0092B-C50C-407E-A947-70E740481C1C}">
+                <a14:useLocalDpi xmlns:a14="http://schemas.microsoft.com/office/drawing/2010/main" val="0"/>
+              </a:ext>
+            </a:extLst>
+          </a:blip>
+          <a:stretch>
+            <a:fillRect/>
+          </a:stretch>
+        </p:blipFill>
+        <p:spPr>
+          <a:xfrm>
+            <a:off x="4874887" y="2935725"/>
+            <a:ext cx="2442226" cy="2442226"/>
+          </a:xfrm>
+          <a:prstGeom prst="rect">
+            <a:avLst/>
+          </a:prstGeom>
+        </p:spPr>
+      </p:pic>
+    </p:spTree>
+    <p:extLst>
+      <p:ext uri="{BB962C8B-B14F-4D97-AF65-F5344CB8AC3E}">
+        <p14:creationId xmlns:p14="http://schemas.microsoft.com/office/powerpoint/2010/main" val="438801365"/>
+      </p:ext>
+    </p:extLst>
+  </p:cSld>
+  <p:clrMapOvr>
+    <a:masterClrMapping/>
+  </p:clrMapOvr>
+</p:sld>
+</file>
+
+<file path=ppt/slides/slide118.xml><?xml version="1.0" encoding="utf-8"?>
+<p:sld xmlns:a="http://schemas.openxmlformats.org/drawingml/2006/main" xmlns:r="http://schemas.openxmlformats.org/officeDocument/2006/relationships" xmlns:p="http://schemas.openxmlformats.org/presentationml/2006/main">
+  <p:cSld>
+    <p:bg>
+      <p:bgPr>
+        <a:solidFill>
+          <a:schemeClr val="accent5"/>
+        </a:solidFill>
+        <a:effectLst/>
+      </p:bgPr>
+    </p:bg>
+    <p:spTree>
+      <p:nvGrpSpPr>
+        <p:cNvPr id="1" name=""/>
+        <p:cNvGrpSpPr/>
+        <p:nvPr/>
+      </p:nvGrpSpPr>
+      <p:grpSpPr>
+        <a:xfrm>
+          <a:off x="0" y="0"/>
+          <a:ext cx="0" cy="0"/>
+          <a:chOff x="0" y="0"/>
+          <a:chExt cx="0" cy="0"/>
+        </a:xfrm>
+      </p:grpSpPr>
+      <p:sp>
+        <p:nvSpPr>
+          <p:cNvPr id="2" name="Title 1">
+            <a:extLst>
+              <a:ext uri="{FF2B5EF4-FFF2-40B4-BE49-F238E27FC236}">
+                <a16:creationId xmlns:a16="http://schemas.microsoft.com/office/drawing/2014/main" id="{C409FD33-6233-7C49-9918-532E7EC05AB5}"/>
+              </a:ext>
+            </a:extLst>
+          </p:cNvPr>
+          <p:cNvSpPr>
+            <a:spLocks noGrp="1"/>
+          </p:cNvSpPr>
+          <p:nvPr>
+            <p:ph type="title"/>
+          </p:nvPr>
+        </p:nvSpPr>
+        <p:spPr>
+          <a:xfrm>
+            <a:off x="838200" y="2365324"/>
+            <a:ext cx="10515600" cy="2127352"/>
+          </a:xfrm>
+        </p:spPr>
+        <p:txBody>
+          <a:bodyPr>
+            <a:noAutofit/>
+          </a:bodyPr>
+          <a:lstStyle/>
+          <a:p>
+            <a:pPr algn="ctr"/>
+            <a:r>
+              <a:rPr lang="en-US" sz="6600" dirty="0"/>
               <a:t>Bonus Team &amp; </a:t>
             </a:r>
             <a:r>
@@ -20148,7 +21452,7 @@
 </p:sld>
 </file>
 
-<file path=ppt/slides/slide116.xml><?xml version="1.0" encoding="utf-8"?>
+<file path=ppt/slides/slide119.xml><?xml version="1.0" encoding="utf-8"?>
 <p:sld xmlns:a="http://schemas.openxmlformats.org/drawingml/2006/main" xmlns:r="http://schemas.openxmlformats.org/officeDocument/2006/relationships" xmlns:p="http://schemas.openxmlformats.org/presentationml/2006/main">
   <p:cSld>
     <p:bg>
@@ -20217,161 +21521,6 @@
     <p:extLst>
       <p:ext uri="{BB962C8B-B14F-4D97-AF65-F5344CB8AC3E}">
         <p14:creationId xmlns:p14="http://schemas.microsoft.com/office/powerpoint/2010/main" val="4023227224"/>
-      </p:ext>
-    </p:extLst>
-  </p:cSld>
-  <p:clrMapOvr>
-    <a:masterClrMapping/>
-  </p:clrMapOvr>
-</p:sld>
-</file>
-
-<file path=ppt/slides/slide117.xml><?xml version="1.0" encoding="utf-8"?>
-<p:sld xmlns:a="http://schemas.openxmlformats.org/drawingml/2006/main" xmlns:r="http://schemas.openxmlformats.org/officeDocument/2006/relationships" xmlns:p="http://schemas.openxmlformats.org/presentationml/2006/main">
-  <p:cSld>
-    <p:bg>
-      <p:bgPr>
-        <a:solidFill>
-          <a:schemeClr val="accent1"/>
-        </a:solidFill>
-        <a:effectLst/>
-      </p:bgPr>
-    </p:bg>
-    <p:spTree>
-      <p:nvGrpSpPr>
-        <p:cNvPr id="1" name=""/>
-        <p:cNvGrpSpPr/>
-        <p:nvPr/>
-      </p:nvGrpSpPr>
-      <p:grpSpPr>
-        <a:xfrm>
-          <a:off x="0" y="0"/>
-          <a:ext cx="0" cy="0"/>
-          <a:chOff x="0" y="0"/>
-          <a:chExt cx="0" cy="0"/>
-        </a:xfrm>
-      </p:grpSpPr>
-      <p:sp>
-        <p:nvSpPr>
-          <p:cNvPr id="2" name="Title 1">
-            <a:extLst>
-              <a:ext uri="{FF2B5EF4-FFF2-40B4-BE49-F238E27FC236}">
-                <a16:creationId xmlns:a16="http://schemas.microsoft.com/office/drawing/2014/main" id="{B7EDD339-25E7-4C48-B5BA-12942D464698}"/>
-              </a:ext>
-            </a:extLst>
-          </p:cNvPr>
-          <p:cNvSpPr>
-            <a:spLocks noGrp="1"/>
-          </p:cNvSpPr>
-          <p:nvPr>
-            <p:ph type="ctrTitle"/>
-          </p:nvPr>
-        </p:nvSpPr>
-        <p:spPr/>
-        <p:txBody>
-          <a:bodyPr/>
-          <a:lstStyle/>
-          <a:p>
-            <a:r>
-              <a:rPr lang="en-US" dirty="0">
-                <a:solidFill>
-                  <a:schemeClr val="bg1"/>
-                </a:solidFill>
-              </a:rPr>
-              <a:t>Enterprise Architecture in a DevOps Time</a:t>
-            </a:r>
-          </a:p>
-        </p:txBody>
-      </p:sp>
-      <p:sp>
-        <p:nvSpPr>
-          <p:cNvPr id="3" name="Subtitle 2">
-            <a:extLst>
-              <a:ext uri="{FF2B5EF4-FFF2-40B4-BE49-F238E27FC236}">
-                <a16:creationId xmlns:a16="http://schemas.microsoft.com/office/drawing/2014/main" id="{78D3CA26-A5D7-8943-ACB1-09ADA25CBC0E}"/>
-              </a:ext>
-            </a:extLst>
-          </p:cNvPr>
-          <p:cNvSpPr>
-            <a:spLocks noGrp="1"/>
-          </p:cNvSpPr>
-          <p:nvPr>
-            <p:ph type="subTitle" idx="1"/>
-          </p:nvPr>
-        </p:nvSpPr>
-        <p:spPr>
-          <a:xfrm>
-            <a:off x="1524000" y="4937679"/>
-            <a:ext cx="9144000" cy="1655763"/>
-          </a:xfrm>
-        </p:spPr>
-        <p:txBody>
-          <a:bodyPr>
-            <a:normAutofit lnSpcReduction="10000"/>
-          </a:bodyPr>
-          <a:lstStyle/>
-          <a:p>
-            <a:r>
-              <a:rPr lang="en-US" sz="3200" dirty="0">
-                <a:solidFill>
-                  <a:schemeClr val="bg1"/>
-                </a:solidFill>
-              </a:rPr>
-              <a:t>David Ayers, Principal Architect, </a:t>
-            </a:r>
-            <a:r>
-              <a:rPr lang="en-US" sz="3200" dirty="0" err="1">
-                <a:solidFill>
-                  <a:schemeClr val="bg1"/>
-                </a:solidFill>
-              </a:rPr>
-              <a:t>Credera</a:t>
-            </a:r>
-            <a:endParaRPr lang="en-US" sz="3200" dirty="0">
-              <a:solidFill>
-                <a:schemeClr val="bg1"/>
-              </a:solidFill>
-            </a:endParaRPr>
-          </a:p>
-          <a:p>
-            <a:r>
-              <a:rPr lang="en-US" sz="3200" dirty="0">
-                <a:solidFill>
-                  <a:schemeClr val="bg1"/>
-                </a:solidFill>
-              </a:rPr>
-              <a:t>david.ayers@credera.com</a:t>
-            </a:r>
-          </a:p>
-          <a:p>
-            <a:r>
-              <a:rPr lang="en-US" sz="3200" dirty="0">
-                <a:solidFill>
-                  <a:schemeClr val="bg1"/>
-                </a:solidFill>
-              </a:rPr>
-              <a:t>@</a:t>
-            </a:r>
-            <a:r>
-              <a:rPr lang="en-US" sz="3200" dirty="0" err="1">
-                <a:solidFill>
-                  <a:schemeClr val="bg1"/>
-                </a:solidFill>
-              </a:rPr>
-              <a:t>iamagiantnerd</a:t>
-            </a:r>
-            <a:endParaRPr lang="en-US" sz="3200" dirty="0">
-              <a:solidFill>
-                <a:schemeClr val="bg1"/>
-              </a:solidFill>
-            </a:endParaRPr>
-          </a:p>
-        </p:txBody>
-      </p:sp>
-    </p:spTree>
-    <p:extLst>
-      <p:ext uri="{BB962C8B-B14F-4D97-AF65-F5344CB8AC3E}">
-        <p14:creationId xmlns:p14="http://schemas.microsoft.com/office/powerpoint/2010/main" val="391427916"/>
       </p:ext>
     </p:extLst>
   </p:cSld>
@@ -20532,6 +21681,364 @@
     <p:extLst>
       <p:ext uri="{BB962C8B-B14F-4D97-AF65-F5344CB8AC3E}">
         <p14:creationId xmlns:p14="http://schemas.microsoft.com/office/powerpoint/2010/main" val="1424227644"/>
+      </p:ext>
+    </p:extLst>
+  </p:cSld>
+  <p:clrMapOvr>
+    <a:masterClrMapping/>
+  </p:clrMapOvr>
+</p:sld>
+</file>
+
+<file path=ppt/slides/slide120.xml><?xml version="1.0" encoding="utf-8"?>
+<p:sld xmlns:a="http://schemas.openxmlformats.org/drawingml/2006/main" xmlns:r="http://schemas.openxmlformats.org/officeDocument/2006/relationships" xmlns:p="http://schemas.openxmlformats.org/presentationml/2006/main">
+  <p:cSld>
+    <p:bg>
+      <p:bgPr>
+        <a:solidFill>
+          <a:schemeClr val="accent1"/>
+        </a:solidFill>
+        <a:effectLst/>
+      </p:bgPr>
+    </p:bg>
+    <p:spTree>
+      <p:nvGrpSpPr>
+        <p:cNvPr id="1" name=""/>
+        <p:cNvGrpSpPr/>
+        <p:nvPr/>
+      </p:nvGrpSpPr>
+      <p:grpSpPr>
+        <a:xfrm>
+          <a:off x="0" y="0"/>
+          <a:ext cx="0" cy="0"/>
+          <a:chOff x="0" y="0"/>
+          <a:chExt cx="0" cy="0"/>
+        </a:xfrm>
+      </p:grpSpPr>
+      <p:sp>
+        <p:nvSpPr>
+          <p:cNvPr id="2" name="Title 1">
+            <a:extLst>
+              <a:ext uri="{FF2B5EF4-FFF2-40B4-BE49-F238E27FC236}">
+                <a16:creationId xmlns:a16="http://schemas.microsoft.com/office/drawing/2014/main" id="{B7EDD339-25E7-4C48-B5BA-12942D464698}"/>
+              </a:ext>
+            </a:extLst>
+          </p:cNvPr>
+          <p:cNvSpPr>
+            <a:spLocks noGrp="1"/>
+          </p:cNvSpPr>
+          <p:nvPr>
+            <p:ph type="ctrTitle"/>
+          </p:nvPr>
+        </p:nvSpPr>
+        <p:spPr>
+          <a:xfrm>
+            <a:off x="1524000" y="1122363"/>
+            <a:ext cx="9144000" cy="1806188"/>
+          </a:xfrm>
+        </p:spPr>
+        <p:txBody>
+          <a:bodyPr/>
+          <a:lstStyle/>
+          <a:p>
+            <a:r>
+              <a:rPr lang="en-US" dirty="0">
+                <a:solidFill>
+                  <a:schemeClr val="bg1"/>
+                </a:solidFill>
+              </a:rPr>
+              <a:t>Enterprise Architecture in a DevOps Time</a:t>
+            </a:r>
+          </a:p>
+        </p:txBody>
+      </p:sp>
+      <p:sp>
+        <p:nvSpPr>
+          <p:cNvPr id="5" name="Subtitle 2">
+            <a:extLst>
+              <a:ext uri="{FF2B5EF4-FFF2-40B4-BE49-F238E27FC236}">
+                <a16:creationId xmlns:a16="http://schemas.microsoft.com/office/drawing/2014/main" id="{78D3CA26-A5D7-8943-ACB1-09ADA25CBC0E}"/>
+              </a:ext>
+            </a:extLst>
+          </p:cNvPr>
+          <p:cNvSpPr txBox="1">
+            <a:spLocks/>
+          </p:cNvSpPr>
+          <p:nvPr/>
+        </p:nvSpPr>
+        <p:spPr>
+          <a:xfrm>
+            <a:off x="1524000" y="4937679"/>
+            <a:ext cx="9144000" cy="1655763"/>
+          </a:xfrm>
+          <a:prstGeom prst="rect">
+            <a:avLst/>
+          </a:prstGeom>
+        </p:spPr>
+        <p:txBody>
+          <a:bodyPr vert="horz" lIns="91440" tIns="45720" rIns="91440" bIns="45720" rtlCol="0">
+            <a:normAutofit fontScale="92500"/>
+          </a:bodyPr>
+          <a:lstStyle>
+            <a:lvl1pPr marL="0" indent="0" algn="ctr" defTabSz="914377" rtl="0" eaLnBrk="1" latinLnBrk="0" hangingPunct="1">
+              <a:lnSpc>
+                <a:spcPct val="90000"/>
+              </a:lnSpc>
+              <a:spcBef>
+                <a:spcPts val="1000"/>
+              </a:spcBef>
+              <a:buFont typeface="Arial" panose="020B0604020202020204" pitchFamily="34" charset="0"/>
+              <a:buNone/>
+              <a:defRPr sz="2400" kern="1200">
+                <a:solidFill>
+                  <a:schemeClr val="tx1"/>
+                </a:solidFill>
+                <a:latin typeface="+mn-lt"/>
+                <a:ea typeface="+mn-ea"/>
+                <a:cs typeface="+mn-cs"/>
+              </a:defRPr>
+            </a:lvl1pPr>
+            <a:lvl2pPr marL="457189" indent="0" algn="ctr" defTabSz="914377" rtl="0" eaLnBrk="1" latinLnBrk="0" hangingPunct="1">
+              <a:lnSpc>
+                <a:spcPct val="90000"/>
+              </a:lnSpc>
+              <a:spcBef>
+                <a:spcPts val="500"/>
+              </a:spcBef>
+              <a:buFont typeface="Arial" panose="020B0604020202020204" pitchFamily="34" charset="0"/>
+              <a:buNone/>
+              <a:defRPr sz="2000" kern="1200">
+                <a:solidFill>
+                  <a:schemeClr val="tx1"/>
+                </a:solidFill>
+                <a:latin typeface="+mn-lt"/>
+                <a:ea typeface="+mn-ea"/>
+                <a:cs typeface="+mn-cs"/>
+              </a:defRPr>
+            </a:lvl2pPr>
+            <a:lvl3pPr marL="914377" indent="0" algn="ctr" defTabSz="914377" rtl="0" eaLnBrk="1" latinLnBrk="0" hangingPunct="1">
+              <a:lnSpc>
+                <a:spcPct val="90000"/>
+              </a:lnSpc>
+              <a:spcBef>
+                <a:spcPts val="500"/>
+              </a:spcBef>
+              <a:buFont typeface="Arial" panose="020B0604020202020204" pitchFamily="34" charset="0"/>
+              <a:buNone/>
+              <a:defRPr sz="1800" kern="1200">
+                <a:solidFill>
+                  <a:schemeClr val="tx1"/>
+                </a:solidFill>
+                <a:latin typeface="+mn-lt"/>
+                <a:ea typeface="+mn-ea"/>
+                <a:cs typeface="+mn-cs"/>
+              </a:defRPr>
+            </a:lvl3pPr>
+            <a:lvl4pPr marL="1371566" indent="0" algn="ctr" defTabSz="914377" rtl="0" eaLnBrk="1" latinLnBrk="0" hangingPunct="1">
+              <a:lnSpc>
+                <a:spcPct val="90000"/>
+              </a:lnSpc>
+              <a:spcBef>
+                <a:spcPts val="500"/>
+              </a:spcBef>
+              <a:buFont typeface="Arial" panose="020B0604020202020204" pitchFamily="34" charset="0"/>
+              <a:buNone/>
+              <a:defRPr sz="1600" kern="1200">
+                <a:solidFill>
+                  <a:schemeClr val="tx1"/>
+                </a:solidFill>
+                <a:latin typeface="+mn-lt"/>
+                <a:ea typeface="+mn-ea"/>
+                <a:cs typeface="+mn-cs"/>
+              </a:defRPr>
+            </a:lvl4pPr>
+            <a:lvl5pPr marL="1828754" indent="0" algn="ctr" defTabSz="914377" rtl="0" eaLnBrk="1" latinLnBrk="0" hangingPunct="1">
+              <a:lnSpc>
+                <a:spcPct val="90000"/>
+              </a:lnSpc>
+              <a:spcBef>
+                <a:spcPts val="500"/>
+              </a:spcBef>
+              <a:buFont typeface="Arial" panose="020B0604020202020204" pitchFamily="34" charset="0"/>
+              <a:buNone/>
+              <a:defRPr sz="1600" kern="1200">
+                <a:solidFill>
+                  <a:schemeClr val="tx1"/>
+                </a:solidFill>
+                <a:latin typeface="+mn-lt"/>
+                <a:ea typeface="+mn-ea"/>
+                <a:cs typeface="+mn-cs"/>
+              </a:defRPr>
+            </a:lvl5pPr>
+            <a:lvl6pPr marL="2285943" indent="0" algn="ctr" defTabSz="914377" rtl="0" eaLnBrk="1" latinLnBrk="0" hangingPunct="1">
+              <a:lnSpc>
+                <a:spcPct val="90000"/>
+              </a:lnSpc>
+              <a:spcBef>
+                <a:spcPts val="500"/>
+              </a:spcBef>
+              <a:buFont typeface="Arial" panose="020B0604020202020204" pitchFamily="34" charset="0"/>
+              <a:buNone/>
+              <a:defRPr sz="1600" kern="1200">
+                <a:solidFill>
+                  <a:schemeClr val="tx1"/>
+                </a:solidFill>
+                <a:latin typeface="+mn-lt"/>
+                <a:ea typeface="+mn-ea"/>
+                <a:cs typeface="+mn-cs"/>
+              </a:defRPr>
+            </a:lvl6pPr>
+            <a:lvl7pPr marL="2743131" indent="0" algn="ctr" defTabSz="914377" rtl="0" eaLnBrk="1" latinLnBrk="0" hangingPunct="1">
+              <a:lnSpc>
+                <a:spcPct val="90000"/>
+              </a:lnSpc>
+              <a:spcBef>
+                <a:spcPts val="500"/>
+              </a:spcBef>
+              <a:buFont typeface="Arial" panose="020B0604020202020204" pitchFamily="34" charset="0"/>
+              <a:buNone/>
+              <a:defRPr sz="1600" kern="1200">
+                <a:solidFill>
+                  <a:schemeClr val="tx1"/>
+                </a:solidFill>
+                <a:latin typeface="+mn-lt"/>
+                <a:ea typeface="+mn-ea"/>
+                <a:cs typeface="+mn-cs"/>
+              </a:defRPr>
+            </a:lvl7pPr>
+            <a:lvl8pPr marL="3200320" indent="0" algn="ctr" defTabSz="914377" rtl="0" eaLnBrk="1" latinLnBrk="0" hangingPunct="1">
+              <a:lnSpc>
+                <a:spcPct val="90000"/>
+              </a:lnSpc>
+              <a:spcBef>
+                <a:spcPts val="500"/>
+              </a:spcBef>
+              <a:buFont typeface="Arial" panose="020B0604020202020204" pitchFamily="34" charset="0"/>
+              <a:buNone/>
+              <a:defRPr sz="1600" kern="1200">
+                <a:solidFill>
+                  <a:schemeClr val="tx1"/>
+                </a:solidFill>
+                <a:latin typeface="+mn-lt"/>
+                <a:ea typeface="+mn-ea"/>
+                <a:cs typeface="+mn-cs"/>
+              </a:defRPr>
+            </a:lvl8pPr>
+            <a:lvl9pPr marL="3657509" indent="0" algn="ctr" defTabSz="914377" rtl="0" eaLnBrk="1" latinLnBrk="0" hangingPunct="1">
+              <a:lnSpc>
+                <a:spcPct val="90000"/>
+              </a:lnSpc>
+              <a:spcBef>
+                <a:spcPts val="500"/>
+              </a:spcBef>
+              <a:buFont typeface="Arial" panose="020B0604020202020204" pitchFamily="34" charset="0"/>
+              <a:buNone/>
+              <a:defRPr sz="1600" kern="1200">
+                <a:solidFill>
+                  <a:schemeClr val="tx1"/>
+                </a:solidFill>
+                <a:latin typeface="+mn-lt"/>
+                <a:ea typeface="+mn-ea"/>
+                <a:cs typeface="+mn-cs"/>
+              </a:defRPr>
+            </a:lvl9pPr>
+          </a:lstStyle>
+          <a:p>
+            <a:r>
+              <a:rPr lang="en-US" sz="3200" dirty="0" smtClean="0">
+                <a:solidFill>
+                  <a:schemeClr val="bg1"/>
+                </a:solidFill>
+              </a:rPr>
+              <a:t>David Ayers, Group VP of Technology, Leslie’s </a:t>
+            </a:r>
+            <a:r>
+              <a:rPr lang="en-US" sz="3200" dirty="0" err="1" smtClean="0">
+                <a:solidFill>
+                  <a:schemeClr val="bg1"/>
+                </a:solidFill>
+              </a:rPr>
+              <a:t>Poolmart</a:t>
+            </a:r>
+            <a:endParaRPr lang="en-US" sz="3200" dirty="0" smtClean="0">
+              <a:solidFill>
+                <a:schemeClr val="bg1"/>
+              </a:solidFill>
+            </a:endParaRPr>
+          </a:p>
+          <a:p>
+            <a:r>
+              <a:rPr lang="en-US" sz="3200" dirty="0" smtClean="0">
+                <a:solidFill>
+                  <a:schemeClr val="bg1"/>
+                </a:solidFill>
+              </a:rPr>
+              <a:t>iamagiantnerd@gmail.com</a:t>
+            </a:r>
+          </a:p>
+          <a:p>
+            <a:r>
+              <a:rPr lang="en-US" sz="3200" dirty="0" smtClean="0">
+                <a:solidFill>
+                  <a:schemeClr val="bg1"/>
+                </a:solidFill>
+              </a:rPr>
+              <a:t>@</a:t>
+            </a:r>
+            <a:r>
+              <a:rPr lang="en-US" sz="3200" dirty="0" err="1" smtClean="0">
+                <a:solidFill>
+                  <a:schemeClr val="bg1"/>
+                </a:solidFill>
+              </a:rPr>
+              <a:t>iamagiantnerd</a:t>
+            </a:r>
+            <a:endParaRPr lang="en-US" sz="3200" dirty="0">
+              <a:solidFill>
+                <a:schemeClr val="bg1"/>
+              </a:solidFill>
+            </a:endParaRPr>
+          </a:p>
+        </p:txBody>
+      </p:sp>
+      <p:sp>
+        <p:nvSpPr>
+          <p:cNvPr id="6" name="TextBox 5"/>
+          <p:cNvSpPr txBox="1"/>
+          <p:nvPr/>
+        </p:nvSpPr>
+        <p:spPr>
+          <a:xfrm>
+            <a:off x="1779373" y="3632881"/>
+            <a:ext cx="8699156" cy="461665"/>
+          </a:xfrm>
+          <a:prstGeom prst="rect">
+            <a:avLst/>
+          </a:prstGeom>
+          <a:noFill/>
+        </p:spPr>
+        <p:txBody>
+          <a:bodyPr wrap="square" rtlCol="0">
+            <a:spAutoFit/>
+          </a:bodyPr>
+          <a:lstStyle/>
+          <a:p>
+            <a:pPr algn="ctr"/>
+            <a:r>
+              <a:rPr lang="en-US" sz="2400" dirty="0">
+                <a:solidFill>
+                  <a:schemeClr val="bg1"/>
+                </a:solidFill>
+              </a:rPr>
+              <a:t>https://github.com/davidaayers/ea-talk</a:t>
+            </a:r>
+          </a:p>
+        </p:txBody>
+      </p:sp>
+    </p:spTree>
+    <p:extLst>
+      <p:ext uri="{BB962C8B-B14F-4D97-AF65-F5344CB8AC3E}">
+        <p14:creationId xmlns:p14="http://schemas.microsoft.com/office/powerpoint/2010/main" val="391427916"/>
       </p:ext>
     </p:extLst>
   </p:cSld>
@@ -26562,8 +28069,8 @@
         </p:nvSpPr>
         <p:spPr>
           <a:xfrm>
-            <a:off x="838200" y="2365324"/>
-            <a:ext cx="10515600" cy="2127352"/>
+            <a:off x="838200" y="1322173"/>
+            <a:ext cx="10515600" cy="1235675"/>
           </a:xfrm>
         </p:spPr>
         <p:txBody>
@@ -26574,26 +28081,77 @@
           <a:p>
             <a:pPr algn="ctr"/>
             <a:r>
+              <a:rPr lang="en-US" sz="6600" dirty="0" smtClean="0"/>
+              <a:t>Two Pizzas</a:t>
+            </a:r>
+            <a:r>
               <a:rPr lang="en-US" sz="6600" dirty="0"/>
-              <a:t>Two Pizzas!</a:t>
-            </a:r>
-            <a:br>
-              <a:rPr lang="en-US" sz="6600" dirty="0"/>
-            </a:br>
-            <a:r>
-              <a:rPr lang="en-US" sz="6600" dirty="0"/>
-              <a:t/>
-            </a:r>
-            <a:br>
-              <a:rPr lang="en-US" sz="6600" dirty="0"/>
-            </a:br>
-            <a:r>
-              <a:rPr lang="en-US" sz="15000" dirty="0"/>
-              <a:t>🍕 🍕</a:t>
-            </a:r>
-          </a:p>
-        </p:txBody>
-      </p:sp>
+              <a:t>!</a:t>
+            </a:r>
+            <a:endParaRPr lang="en-US" sz="15000" dirty="0"/>
+          </a:p>
+        </p:txBody>
+      </p:sp>
+      <p:pic>
+        <p:nvPicPr>
+          <p:cNvPr id="3" name="Picture 2"/>
+          <p:cNvPicPr>
+            <a:picLocks noChangeAspect="1"/>
+          </p:cNvPicPr>
+          <p:nvPr/>
+        </p:nvPicPr>
+        <p:blipFill>
+          <a:blip r:embed="rId3">
+            <a:extLst>
+              <a:ext uri="{28A0092B-C50C-407E-A947-70E740481C1C}">
+                <a14:useLocalDpi xmlns:a14="http://schemas.microsoft.com/office/drawing/2010/main" val="0"/>
+              </a:ext>
+            </a:extLst>
+          </a:blip>
+          <a:stretch>
+            <a:fillRect/>
+          </a:stretch>
+        </p:blipFill>
+        <p:spPr>
+          <a:xfrm>
+            <a:off x="3781167" y="3103897"/>
+            <a:ext cx="2219805" cy="2219805"/>
+          </a:xfrm>
+          <a:prstGeom prst="rect">
+            <a:avLst/>
+          </a:prstGeom>
+        </p:spPr>
+      </p:pic>
+      <p:pic>
+        <p:nvPicPr>
+          <p:cNvPr id="4" name="Picture 3"/>
+          <p:cNvPicPr>
+            <a:picLocks noChangeAspect="1"/>
+          </p:cNvPicPr>
+          <p:nvPr/>
+        </p:nvPicPr>
+        <p:blipFill>
+          <a:blip r:embed="rId3">
+            <a:extLst>
+              <a:ext uri="{28A0092B-C50C-407E-A947-70E740481C1C}">
+                <a14:useLocalDpi xmlns:a14="http://schemas.microsoft.com/office/drawing/2010/main" val="0"/>
+              </a:ext>
+            </a:extLst>
+          </a:blip>
+          <a:stretch>
+            <a:fillRect/>
+          </a:stretch>
+        </p:blipFill>
+        <p:spPr>
+          <a:xfrm>
+            <a:off x="6256637" y="3103896"/>
+            <a:ext cx="2219805" cy="2219805"/>
+          </a:xfrm>
+          <a:prstGeom prst="rect">
+            <a:avLst/>
+          </a:prstGeom>
+        </p:spPr>
+      </p:pic>
     </p:spTree>
     <p:extLst>
       <p:ext uri="{BB962C8B-B14F-4D97-AF65-F5344CB8AC3E}">
@@ -26706,42 +28264,126 @@
           <a:chExt cx="0" cy="0"/>
         </a:xfrm>
       </p:grpSpPr>
-      <p:sp>
-        <p:nvSpPr>
-          <p:cNvPr id="2" name="Title 1">
+      <p:pic>
+        <p:nvPicPr>
+          <p:cNvPr id="7" name="Picture 6"/>
+          <p:cNvPicPr>
+            <a:picLocks noChangeAspect="1"/>
+          </p:cNvPicPr>
+          <p:nvPr/>
+        </p:nvPicPr>
+        <p:blipFill>
+          <a:blip r:embed="rId3">
             <a:extLst>
-              <a:ext uri="{FF2B5EF4-FFF2-40B4-BE49-F238E27FC236}">
-                <a16:creationId xmlns:a16="http://schemas.microsoft.com/office/drawing/2014/main" id="{C409FD33-6233-7C49-9918-532E7EC05AB5}"/>
+              <a:ext uri="{28A0092B-C50C-407E-A947-70E740481C1C}">
+                <a14:useLocalDpi xmlns:a14="http://schemas.microsoft.com/office/drawing/2010/main" val="0"/>
               </a:ext>
             </a:extLst>
-          </p:cNvPr>
-          <p:cNvSpPr>
-            <a:spLocks noGrp="1"/>
-          </p:cNvSpPr>
-          <p:nvPr>
-            <p:ph type="title"/>
-          </p:nvPr>
-        </p:nvSpPr>
-        <p:spPr>
-          <a:xfrm>
-            <a:off x="838200" y="2365324"/>
-            <a:ext cx="10515600" cy="2127352"/>
-          </a:xfrm>
-        </p:spPr>
-        <p:txBody>
-          <a:bodyPr>
-            <a:noAutofit/>
-          </a:bodyPr>
-          <a:lstStyle/>
-          <a:p>
-            <a:pPr algn="ctr"/>
-            <a:r>
-              <a:rPr lang="en-US" sz="20000" dirty="0"/>
-              <a:t>🙍🏽‍♀️🙍🏼‍♂️🙍🏾‍♂️🙍🏻‍♀️</a:t>
-            </a:r>
-          </a:p>
-        </p:txBody>
-      </p:sp>
+          </a:blip>
+          <a:stretch>
+            <a:fillRect/>
+          </a:stretch>
+        </p:blipFill>
+        <p:spPr>
+          <a:xfrm>
+            <a:off x="6080667" y="1452280"/>
+            <a:ext cx="2668767" cy="2668767"/>
+          </a:xfrm>
+          <a:prstGeom prst="rect">
+            <a:avLst/>
+          </a:prstGeom>
+        </p:spPr>
+      </p:pic>
+      <p:pic>
+        <p:nvPicPr>
+          <p:cNvPr id="8" name="Picture 7"/>
+          <p:cNvPicPr>
+            <a:picLocks noChangeAspect="1"/>
+          </p:cNvPicPr>
+          <p:nvPr/>
+        </p:nvPicPr>
+        <p:blipFill>
+          <a:blip r:embed="rId4">
+            <a:extLst>
+              <a:ext uri="{28A0092B-C50C-407E-A947-70E740481C1C}">
+                <a14:useLocalDpi xmlns:a14="http://schemas.microsoft.com/office/drawing/2010/main" val="0"/>
+              </a:ext>
+            </a:extLst>
+          </a:blip>
+          <a:stretch>
+            <a:fillRect/>
+          </a:stretch>
+        </p:blipFill>
+        <p:spPr>
+          <a:xfrm>
+            <a:off x="3357490" y="1452280"/>
+            <a:ext cx="2668767" cy="2668767"/>
+          </a:xfrm>
+          <a:prstGeom prst="rect">
+            <a:avLst/>
+          </a:prstGeom>
+        </p:spPr>
+      </p:pic>
+      <p:pic>
+        <p:nvPicPr>
+          <p:cNvPr id="9" name="Picture 8"/>
+          <p:cNvPicPr>
+            <a:picLocks noChangeAspect="1"/>
+          </p:cNvPicPr>
+          <p:nvPr/>
+        </p:nvPicPr>
+        <p:blipFill>
+          <a:blip r:embed="rId5">
+            <a:extLst>
+              <a:ext uri="{28A0092B-C50C-407E-A947-70E740481C1C}">
+                <a14:useLocalDpi xmlns:a14="http://schemas.microsoft.com/office/drawing/2010/main" val="0"/>
+              </a:ext>
+            </a:extLst>
+          </a:blip>
+          <a:stretch>
+            <a:fillRect/>
+          </a:stretch>
+        </p:blipFill>
+        <p:spPr>
+          <a:xfrm>
+            <a:off x="8803843" y="1452280"/>
+            <a:ext cx="2668767" cy="2668767"/>
+          </a:xfrm>
+          <a:prstGeom prst="rect">
+            <a:avLst/>
+          </a:prstGeom>
+        </p:spPr>
+      </p:pic>
+      <p:pic>
+        <p:nvPicPr>
+          <p:cNvPr id="10" name="Picture 9"/>
+          <p:cNvPicPr>
+            <a:picLocks noChangeAspect="1"/>
+          </p:cNvPicPr>
+          <p:nvPr/>
+        </p:nvPicPr>
+        <p:blipFill>
+          <a:blip r:embed="rId6">
+            <a:extLst>
+              <a:ext uri="{28A0092B-C50C-407E-A947-70E740481C1C}">
+                <a14:useLocalDpi xmlns:a14="http://schemas.microsoft.com/office/drawing/2010/main" val="0"/>
+              </a:ext>
+            </a:extLst>
+          </a:blip>
+          <a:stretch>
+            <a:fillRect/>
+          </a:stretch>
+        </p:blipFill>
+        <p:spPr>
+          <a:xfrm>
+            <a:off x="634313" y="1452280"/>
+            <a:ext cx="2668767" cy="2668767"/>
+          </a:xfrm>
+          <a:prstGeom prst="rect">
+            <a:avLst/>
+          </a:prstGeom>
+        </p:spPr>
+      </p:pic>
     </p:spTree>
     <p:extLst>
       <p:ext uri="{BB962C8B-B14F-4D97-AF65-F5344CB8AC3E}">
@@ -26860,6 +28502,66 @@
           </a:p>
         </p:txBody>
       </p:sp>
+      <p:pic>
+        <p:nvPicPr>
+          <p:cNvPr id="4" name="Picture 3"/>
+          <p:cNvPicPr>
+            <a:picLocks noChangeAspect="1"/>
+          </p:cNvPicPr>
+          <p:nvPr/>
+        </p:nvPicPr>
+        <p:blipFill>
+          <a:blip r:embed="rId3">
+            <a:extLst>
+              <a:ext uri="{28A0092B-C50C-407E-A947-70E740481C1C}">
+                <a14:useLocalDpi xmlns:a14="http://schemas.microsoft.com/office/drawing/2010/main" val="0"/>
+              </a:ext>
+            </a:extLst>
+          </a:blip>
+          <a:stretch>
+            <a:fillRect/>
+          </a:stretch>
+        </p:blipFill>
+        <p:spPr>
+          <a:xfrm>
+            <a:off x="6549081" y="278610"/>
+            <a:ext cx="2656411" cy="2656411"/>
+          </a:xfrm>
+          <a:prstGeom prst="rect">
+            <a:avLst/>
+          </a:prstGeom>
+        </p:spPr>
+      </p:pic>
+      <p:pic>
+        <p:nvPicPr>
+          <p:cNvPr id="5" name="Picture 4"/>
+          <p:cNvPicPr>
+            <a:picLocks noChangeAspect="1"/>
+          </p:cNvPicPr>
+          <p:nvPr/>
+        </p:nvPicPr>
+        <p:blipFill>
+          <a:blip r:embed="rId3">
+            <a:extLst>
+              <a:ext uri="{28A0092B-C50C-407E-A947-70E740481C1C}">
+                <a14:useLocalDpi xmlns:a14="http://schemas.microsoft.com/office/drawing/2010/main" val="0"/>
+              </a:ext>
+            </a:extLst>
+          </a:blip>
+          <a:stretch>
+            <a:fillRect/>
+          </a:stretch>
+        </p:blipFill>
+        <p:spPr>
+          <a:xfrm flipH="1">
+            <a:off x="2648465" y="278611"/>
+            <a:ext cx="2656411" cy="2656411"/>
+          </a:xfrm>
+          <a:prstGeom prst="rect">
+            <a:avLst/>
+          </a:prstGeom>
+        </p:spPr>
+      </p:pic>
     </p:spTree>
     <p:extLst>
       <p:ext uri="{BB962C8B-B14F-4D97-AF65-F5344CB8AC3E}">
@@ -26934,6 +28636,126 @@
           </a:p>
         </p:txBody>
       </p:sp>
+      <p:pic>
+        <p:nvPicPr>
+          <p:cNvPr id="3" name="Picture 2"/>
+          <p:cNvPicPr>
+            <a:picLocks noChangeAspect="1"/>
+          </p:cNvPicPr>
+          <p:nvPr/>
+        </p:nvPicPr>
+        <p:blipFill>
+          <a:blip r:embed="rId3">
+            <a:extLst>
+              <a:ext uri="{28A0092B-C50C-407E-A947-70E740481C1C}">
+                <a14:useLocalDpi xmlns:a14="http://schemas.microsoft.com/office/drawing/2010/main" val="0"/>
+              </a:ext>
+            </a:extLst>
+          </a:blip>
+          <a:stretch>
+            <a:fillRect/>
+          </a:stretch>
+        </p:blipFill>
+        <p:spPr>
+          <a:xfrm>
+            <a:off x="1347178" y="277324"/>
+            <a:ext cx="2088000" cy="2088000"/>
+          </a:xfrm>
+          <a:prstGeom prst="rect">
+            <a:avLst/>
+          </a:prstGeom>
+        </p:spPr>
+      </p:pic>
+      <p:pic>
+        <p:nvPicPr>
+          <p:cNvPr id="4" name="Picture 3"/>
+          <p:cNvPicPr>
+            <a:picLocks noChangeAspect="1"/>
+          </p:cNvPicPr>
+          <p:nvPr/>
+        </p:nvPicPr>
+        <p:blipFill>
+          <a:blip r:embed="rId4">
+            <a:extLst>
+              <a:ext uri="{28A0092B-C50C-407E-A947-70E740481C1C}">
+                <a14:useLocalDpi xmlns:a14="http://schemas.microsoft.com/office/drawing/2010/main" val="0"/>
+              </a:ext>
+            </a:extLst>
+          </a:blip>
+          <a:stretch>
+            <a:fillRect/>
+          </a:stretch>
+        </p:blipFill>
+        <p:spPr>
+          <a:xfrm>
+            <a:off x="8946584" y="277324"/>
+            <a:ext cx="2088000" cy="2088000"/>
+          </a:xfrm>
+          <a:prstGeom prst="rect">
+            <a:avLst/>
+          </a:prstGeom>
+        </p:spPr>
+      </p:pic>
+      <p:pic>
+        <p:nvPicPr>
+          <p:cNvPr id="5" name="Picture 4"/>
+          <p:cNvPicPr>
+            <a:picLocks noChangeAspect="1"/>
+          </p:cNvPicPr>
+          <p:nvPr/>
+        </p:nvPicPr>
+        <p:blipFill>
+          <a:blip r:embed="rId5">
+            <a:extLst>
+              <a:ext uri="{28A0092B-C50C-407E-A947-70E740481C1C}">
+                <a14:useLocalDpi xmlns:a14="http://schemas.microsoft.com/office/drawing/2010/main" val="0"/>
+              </a:ext>
+            </a:extLst>
+          </a:blip>
+          <a:stretch>
+            <a:fillRect/>
+          </a:stretch>
+        </p:blipFill>
+        <p:spPr>
+          <a:xfrm>
+            <a:off x="1347178" y="4213010"/>
+            <a:ext cx="2088000" cy="2088000"/>
+          </a:xfrm>
+          <a:prstGeom prst="rect">
+            <a:avLst/>
+          </a:prstGeom>
+        </p:spPr>
+      </p:pic>
+      <p:pic>
+        <p:nvPicPr>
+          <p:cNvPr id="6" name="Picture 5"/>
+          <p:cNvPicPr>
+            <a:picLocks noChangeAspect="1"/>
+          </p:cNvPicPr>
+          <p:nvPr/>
+        </p:nvPicPr>
+        <p:blipFill>
+          <a:blip r:embed="rId6">
+            <a:extLst>
+              <a:ext uri="{28A0092B-C50C-407E-A947-70E740481C1C}">
+                <a14:useLocalDpi xmlns:a14="http://schemas.microsoft.com/office/drawing/2010/main" val="0"/>
+              </a:ext>
+            </a:extLst>
+          </a:blip>
+          <a:stretch>
+            <a:fillRect/>
+          </a:stretch>
+        </p:blipFill>
+        <p:spPr>
+          <a:xfrm>
+            <a:off x="8946584" y="4213010"/>
+            <a:ext cx="2088000" cy="2088000"/>
+          </a:xfrm>
+          <a:prstGeom prst="rect">
+            <a:avLst/>
+          </a:prstGeom>
+        </p:spPr>
+      </p:pic>
     </p:spTree>
     <p:extLst>
       <p:ext uri="{BB962C8B-B14F-4D97-AF65-F5344CB8AC3E}">
@@ -26990,7 +28812,7 @@
         </p:nvSpPr>
         <p:spPr>
           <a:xfrm>
-            <a:off x="838200" y="2365324"/>
+            <a:off x="838200" y="845442"/>
             <a:ext cx="10515600" cy="2127352"/>
           </a:xfrm>
         </p:spPr>
@@ -27008,6 +28830,36 @@
           </a:p>
         </p:txBody>
       </p:sp>
+      <p:pic>
+        <p:nvPicPr>
+          <p:cNvPr id="3" name="Picture 2"/>
+          <p:cNvPicPr>
+            <a:picLocks noChangeAspect="1"/>
+          </p:cNvPicPr>
+          <p:nvPr/>
+        </p:nvPicPr>
+        <p:blipFill>
+          <a:blip r:embed="rId3">
+            <a:extLst>
+              <a:ext uri="{28A0092B-C50C-407E-A947-70E740481C1C}">
+                <a14:useLocalDpi xmlns:a14="http://schemas.microsoft.com/office/drawing/2010/main" val="0"/>
+              </a:ext>
+            </a:extLst>
+          </a:blip>
+          <a:stretch>
+            <a:fillRect/>
+          </a:stretch>
+        </p:blipFill>
+        <p:spPr>
+          <a:xfrm>
+            <a:off x="4743372" y="3103897"/>
+            <a:ext cx="2779979" cy="2779979"/>
+          </a:xfrm>
+          <a:prstGeom prst="rect">
+            <a:avLst/>
+          </a:prstGeom>
+        </p:spPr>
+      </p:pic>
     </p:spTree>
     <p:extLst>
       <p:ext uri="{BB962C8B-B14F-4D97-AF65-F5344CB8AC3E}">
@@ -27958,6 +29810,491 @@
     <p:bg>
       <p:bgPr>
         <a:solidFill>
+          <a:schemeClr val="accent5"/>
+        </a:solidFill>
+        <a:effectLst/>
+      </p:bgPr>
+    </p:bg>
+    <p:spTree>
+      <p:nvGrpSpPr>
+        <p:cNvPr id="1" name=""/>
+        <p:cNvGrpSpPr/>
+        <p:nvPr/>
+      </p:nvGrpSpPr>
+      <p:grpSpPr>
+        <a:xfrm>
+          <a:off x="0" y="0"/>
+          <a:ext cx="0" cy="0"/>
+          <a:chOff x="0" y="0"/>
+          <a:chExt cx="0" cy="0"/>
+        </a:xfrm>
+      </p:grpSpPr>
+      <p:sp>
+        <p:nvSpPr>
+          <p:cNvPr id="2" name="Title 1">
+            <a:extLst>
+              <a:ext uri="{FF2B5EF4-FFF2-40B4-BE49-F238E27FC236}">
+                <a16:creationId xmlns:a16="http://schemas.microsoft.com/office/drawing/2014/main" id="{C409FD33-6233-7C49-9918-532E7EC05AB5}"/>
+              </a:ext>
+            </a:extLst>
+          </p:cNvPr>
+          <p:cNvSpPr>
+            <a:spLocks noGrp="1"/>
+          </p:cNvSpPr>
+          <p:nvPr>
+            <p:ph type="title"/>
+          </p:nvPr>
+        </p:nvSpPr>
+        <p:spPr>
+          <a:xfrm>
+            <a:off x="838200" y="2365324"/>
+            <a:ext cx="10515600" cy="2127352"/>
+          </a:xfrm>
+        </p:spPr>
+        <p:txBody>
+          <a:bodyPr>
+            <a:noAutofit/>
+          </a:bodyPr>
+          <a:lstStyle/>
+          <a:p>
+            <a:pPr algn="ctr"/>
+            <a:r>
+              <a:rPr lang="en-US" sz="6600" dirty="0"/>
+              <a:t>Architecture Guilds</a:t>
+            </a:r>
+            <a:br>
+              <a:rPr lang="en-US" sz="6600" dirty="0"/>
+            </a:br>
+            <a:r>
+              <a:rPr lang="en-US" sz="6600" dirty="0"/>
+              <a:t>in the wild</a:t>
+            </a:r>
+            <a:endParaRPr lang="en-US" sz="6600" dirty="0"/>
+          </a:p>
+        </p:txBody>
+      </p:sp>
+    </p:spTree>
+    <p:extLst>
+      <p:ext uri="{BB962C8B-B14F-4D97-AF65-F5344CB8AC3E}">
+        <p14:creationId xmlns:p14="http://schemas.microsoft.com/office/powerpoint/2010/main" val="230726551"/>
+      </p:ext>
+    </p:extLst>
+  </p:cSld>
+  <p:clrMapOvr>
+    <a:masterClrMapping/>
+  </p:clrMapOvr>
+</p:sld>
+</file>
+
+<file path=ppt/slides/slide75.xml><?xml version="1.0" encoding="utf-8"?>
+<p:sld xmlns:a="http://schemas.openxmlformats.org/drawingml/2006/main" xmlns:r="http://schemas.openxmlformats.org/officeDocument/2006/relationships" xmlns:p="http://schemas.openxmlformats.org/presentationml/2006/main">
+  <p:cSld>
+    <p:bg>
+      <p:bgPr>
+        <a:solidFill>
+          <a:schemeClr val="accent5"/>
+        </a:solidFill>
+        <a:effectLst/>
+      </p:bgPr>
+    </p:bg>
+    <p:spTree>
+      <p:nvGrpSpPr>
+        <p:cNvPr id="1" name=""/>
+        <p:cNvGrpSpPr/>
+        <p:nvPr/>
+      </p:nvGrpSpPr>
+      <p:grpSpPr>
+        <a:xfrm>
+          <a:off x="0" y="0"/>
+          <a:ext cx="0" cy="0"/>
+          <a:chOff x="0" y="0"/>
+          <a:chExt cx="0" cy="0"/>
+        </a:xfrm>
+      </p:grpSpPr>
+      <p:sp>
+        <p:nvSpPr>
+          <p:cNvPr id="4" name="Title 1">
+            <a:extLst>
+              <a:ext uri="{FF2B5EF4-FFF2-40B4-BE49-F238E27FC236}">
+                <a16:creationId xmlns:a16="http://schemas.microsoft.com/office/drawing/2014/main" id="{C409FD33-6233-7C49-9918-532E7EC05AB5}"/>
+              </a:ext>
+            </a:extLst>
+          </p:cNvPr>
+          <p:cNvSpPr>
+            <a:spLocks noGrp="1"/>
+          </p:cNvSpPr>
+          <p:nvPr>
+            <p:ph type="title"/>
+          </p:nvPr>
+        </p:nvSpPr>
+        <p:spPr>
+          <a:xfrm>
+            <a:off x="838200" y="347776"/>
+            <a:ext cx="10515600" cy="1013664"/>
+          </a:xfrm>
+        </p:spPr>
+        <p:txBody>
+          <a:bodyPr>
+            <a:noAutofit/>
+          </a:bodyPr>
+          <a:lstStyle/>
+          <a:p>
+            <a:pPr algn="ctr"/>
+            <a:r>
+              <a:rPr lang="en-US" sz="6600" dirty="0" smtClean="0"/>
+              <a:t>Comcast</a:t>
+            </a:r>
+            <a:endParaRPr lang="en-US" sz="6600" dirty="0"/>
+          </a:p>
+        </p:txBody>
+      </p:sp>
+      <p:sp>
+        <p:nvSpPr>
+          <p:cNvPr id="5" name="TextBox 4"/>
+          <p:cNvSpPr txBox="1"/>
+          <p:nvPr/>
+        </p:nvSpPr>
+        <p:spPr>
+          <a:xfrm>
+            <a:off x="658409" y="5851571"/>
+            <a:ext cx="10875182" cy="1006429"/>
+          </a:xfrm>
+          <a:prstGeom prst="rect">
+            <a:avLst/>
+          </a:prstGeom>
+        </p:spPr>
+        <p:txBody>
+          <a:bodyPr vert="horz" lIns="91440" tIns="45720" rIns="91440" bIns="45720" rtlCol="0" anchor="ctr">
+            <a:noAutofit/>
+          </a:bodyPr>
+          <a:lstStyle>
+            <a:lvl1pPr algn="ctr" defTabSz="914377">
+              <a:lnSpc>
+                <a:spcPct val="90000"/>
+              </a:lnSpc>
+              <a:spcBef>
+                <a:spcPct val="0"/>
+              </a:spcBef>
+              <a:buNone/>
+              <a:defRPr sz="6600">
+                <a:latin typeface="+mj-lt"/>
+                <a:ea typeface="+mj-ea"/>
+                <a:cs typeface="+mj-cs"/>
+              </a:defRPr>
+            </a:lvl1pPr>
+          </a:lstStyle>
+          <a:p>
+            <a:r>
+              <a:rPr lang="en-US" sz="2400" dirty="0"/>
+              <a:t>https://www.infoq.com/articles/architecture-guild-800-friends/</a:t>
+            </a:r>
+          </a:p>
+        </p:txBody>
+      </p:sp>
+      <p:sp>
+        <p:nvSpPr>
+          <p:cNvPr id="6" name="TextBox 5"/>
+          <p:cNvSpPr txBox="1"/>
+          <p:nvPr/>
+        </p:nvSpPr>
+        <p:spPr>
+          <a:xfrm>
+            <a:off x="80379" y="1367812"/>
+            <a:ext cx="12031242" cy="4524315"/>
+          </a:xfrm>
+          <a:prstGeom prst="rect">
+            <a:avLst/>
+          </a:prstGeom>
+          <a:noFill/>
+        </p:spPr>
+        <p:txBody>
+          <a:bodyPr wrap="none" rtlCol="0">
+            <a:spAutoFit/>
+          </a:bodyPr>
+          <a:lstStyle/>
+          <a:p>
+            <a:pPr algn="ctr"/>
+            <a:r>
+              <a:rPr lang="en-US" sz="3200" dirty="0" smtClean="0"/>
+              <a:t>800 People across Comcast participate</a:t>
+            </a:r>
+          </a:p>
+          <a:p>
+            <a:pPr algn="ctr"/>
+            <a:endParaRPr lang="en-US" sz="3200" dirty="0" smtClean="0"/>
+          </a:p>
+          <a:p>
+            <a:pPr algn="ctr"/>
+            <a:r>
+              <a:rPr lang="en-US" sz="3200" dirty="0" smtClean="0"/>
+              <a:t>Modeled on IETF hierarchy with steering group and working groups</a:t>
+            </a:r>
+          </a:p>
+          <a:p>
+            <a:pPr algn="ctr"/>
+            <a:endParaRPr lang="en-US" sz="3200" dirty="0"/>
+          </a:p>
+          <a:p>
+            <a:pPr algn="ctr"/>
+            <a:r>
+              <a:rPr lang="en-US" sz="3200" dirty="0" smtClean="0"/>
+              <a:t>Each working group has a charter as a markdown doc in Github, and a </a:t>
+            </a:r>
+          </a:p>
+          <a:p>
+            <a:pPr algn="ctr"/>
+            <a:r>
+              <a:rPr lang="en-US" sz="3200" dirty="0" smtClean="0"/>
+              <a:t>dedicated chat channel in Slack</a:t>
+            </a:r>
+          </a:p>
+          <a:p>
+            <a:pPr algn="ctr"/>
+            <a:endParaRPr lang="en-US" sz="3200" dirty="0" smtClean="0"/>
+          </a:p>
+          <a:p>
+            <a:pPr algn="ctr"/>
+            <a:r>
+              <a:rPr lang="en-US" sz="3200" dirty="0" smtClean="0"/>
+              <a:t>Working groups responsible for building ADRs to express their findings</a:t>
+            </a:r>
+            <a:endParaRPr lang="en-US" sz="3200" dirty="0"/>
+          </a:p>
+          <a:p>
+            <a:pPr algn="ctr"/>
+            <a:endParaRPr lang="en-US" sz="3200" dirty="0"/>
+          </a:p>
+        </p:txBody>
+      </p:sp>
+    </p:spTree>
+    <p:extLst>
+      <p:ext uri="{BB962C8B-B14F-4D97-AF65-F5344CB8AC3E}">
+        <p14:creationId xmlns:p14="http://schemas.microsoft.com/office/powerpoint/2010/main" val="315195210"/>
+      </p:ext>
+    </p:extLst>
+  </p:cSld>
+  <p:clrMapOvr>
+    <a:masterClrMapping/>
+  </p:clrMapOvr>
+</p:sld>
+</file>
+
+<file path=ppt/slides/slide76.xml><?xml version="1.0" encoding="utf-8"?>
+<p:sld xmlns:a="http://schemas.openxmlformats.org/drawingml/2006/main" xmlns:r="http://schemas.openxmlformats.org/officeDocument/2006/relationships" xmlns:p="http://schemas.openxmlformats.org/presentationml/2006/main">
+  <p:cSld>
+    <p:bg>
+      <p:bgPr>
+        <a:solidFill>
+          <a:schemeClr val="accent5"/>
+        </a:solidFill>
+        <a:effectLst/>
+      </p:bgPr>
+    </p:bg>
+    <p:spTree>
+      <p:nvGrpSpPr>
+        <p:cNvPr id="1" name=""/>
+        <p:cNvGrpSpPr/>
+        <p:nvPr/>
+      </p:nvGrpSpPr>
+      <p:grpSpPr>
+        <a:xfrm>
+          <a:off x="0" y="0"/>
+          <a:ext cx="0" cy="0"/>
+          <a:chOff x="0" y="0"/>
+          <a:chExt cx="0" cy="0"/>
+        </a:xfrm>
+      </p:grpSpPr>
+      <p:sp>
+        <p:nvSpPr>
+          <p:cNvPr id="7" name="Title 1">
+            <a:extLst>
+              <a:ext uri="{FF2B5EF4-FFF2-40B4-BE49-F238E27FC236}">
+                <a16:creationId xmlns:a16="http://schemas.microsoft.com/office/drawing/2014/main" id="{C409FD33-6233-7C49-9918-532E7EC05AB5}"/>
+              </a:ext>
+            </a:extLst>
+          </p:cNvPr>
+          <p:cNvSpPr>
+            <a:spLocks noGrp="1"/>
+          </p:cNvSpPr>
+          <p:nvPr>
+            <p:ph type="title"/>
+          </p:nvPr>
+        </p:nvSpPr>
+        <p:spPr>
+          <a:xfrm>
+            <a:off x="838200" y="347776"/>
+            <a:ext cx="10515600" cy="1013664"/>
+          </a:xfrm>
+        </p:spPr>
+        <p:txBody>
+          <a:bodyPr>
+            <a:noAutofit/>
+          </a:bodyPr>
+          <a:lstStyle/>
+          <a:p>
+            <a:pPr algn="ctr"/>
+            <a:r>
+              <a:rPr lang="en-US" sz="6600" dirty="0" smtClean="0"/>
+              <a:t>Comcast</a:t>
+            </a:r>
+            <a:endParaRPr lang="en-US" sz="6600" dirty="0"/>
+          </a:p>
+        </p:txBody>
+      </p:sp>
+      <p:sp>
+        <p:nvSpPr>
+          <p:cNvPr id="8" name="TextBox 7"/>
+          <p:cNvSpPr txBox="1"/>
+          <p:nvPr/>
+        </p:nvSpPr>
+        <p:spPr>
+          <a:xfrm>
+            <a:off x="658409" y="5851571"/>
+            <a:ext cx="10875182" cy="1006429"/>
+          </a:xfrm>
+          <a:prstGeom prst="rect">
+            <a:avLst/>
+          </a:prstGeom>
+        </p:spPr>
+        <p:txBody>
+          <a:bodyPr vert="horz" lIns="91440" tIns="45720" rIns="91440" bIns="45720" rtlCol="0" anchor="ctr">
+            <a:noAutofit/>
+          </a:bodyPr>
+          <a:lstStyle>
+            <a:lvl1pPr algn="ctr" defTabSz="914377">
+              <a:lnSpc>
+                <a:spcPct val="90000"/>
+              </a:lnSpc>
+              <a:spcBef>
+                <a:spcPct val="0"/>
+              </a:spcBef>
+              <a:buNone/>
+              <a:defRPr sz="6600">
+                <a:latin typeface="+mj-lt"/>
+                <a:ea typeface="+mj-ea"/>
+                <a:cs typeface="+mj-cs"/>
+              </a:defRPr>
+            </a:lvl1pPr>
+          </a:lstStyle>
+          <a:p>
+            <a:r>
+              <a:rPr lang="en-US" sz="2400" dirty="0"/>
+              <a:t>https://www.infoq.com/articles/architecture-guild-800-friends/</a:t>
+            </a:r>
+          </a:p>
+        </p:txBody>
+      </p:sp>
+      <p:sp>
+        <p:nvSpPr>
+          <p:cNvPr id="9" name="TextBox 8"/>
+          <p:cNvSpPr txBox="1"/>
+          <p:nvPr/>
+        </p:nvSpPr>
+        <p:spPr>
+          <a:xfrm>
+            <a:off x="1272410" y="1590569"/>
+            <a:ext cx="9647192" cy="4031873"/>
+          </a:xfrm>
+          <a:prstGeom prst="rect">
+            <a:avLst/>
+          </a:prstGeom>
+          <a:noFill/>
+        </p:spPr>
+        <p:txBody>
+          <a:bodyPr wrap="none" rtlCol="0">
+            <a:spAutoFit/>
+          </a:bodyPr>
+          <a:lstStyle/>
+          <a:p>
+            <a:pPr algn="ctr"/>
+            <a:r>
+              <a:rPr lang="en-US" sz="3200" dirty="0" smtClean="0"/>
+              <a:t>Benefits Comcast found:</a:t>
+            </a:r>
+          </a:p>
+          <a:p>
+            <a:pPr algn="ctr"/>
+            <a:endParaRPr lang="en-US" sz="3200" dirty="0"/>
+          </a:p>
+          <a:p>
+            <a:pPr algn="ctr"/>
+            <a:r>
+              <a:rPr lang="en-US" sz="3200" dirty="0" smtClean="0"/>
+              <a:t>The </a:t>
+            </a:r>
+            <a:r>
+              <a:rPr lang="en-US" sz="3200" dirty="0"/>
+              <a:t>emergence of an architecture and design </a:t>
+            </a:r>
+            <a:r>
+              <a:rPr lang="en-US" sz="3200" dirty="0" smtClean="0"/>
+              <a:t>community</a:t>
+            </a:r>
+          </a:p>
+          <a:p>
+            <a:pPr algn="ctr"/>
+            <a:endParaRPr lang="en-US" sz="3200" dirty="0"/>
+          </a:p>
+          <a:p>
+            <a:pPr algn="ctr"/>
+            <a:r>
+              <a:rPr lang="en-US" sz="3200" dirty="0" smtClean="0"/>
+              <a:t>Acceleration </a:t>
+            </a:r>
+            <a:r>
+              <a:rPr lang="en-US" sz="3200" dirty="0"/>
+              <a:t>of decision </a:t>
+            </a:r>
+            <a:r>
+              <a:rPr lang="en-US" sz="3200" dirty="0" smtClean="0"/>
+              <a:t>making</a:t>
+            </a:r>
+          </a:p>
+          <a:p>
+            <a:pPr algn="ctr"/>
+            <a:endParaRPr lang="en-US" sz="3200" dirty="0"/>
+          </a:p>
+          <a:p>
+            <a:pPr algn="ctr"/>
+            <a:r>
+              <a:rPr lang="en-US" sz="3200" dirty="0" smtClean="0"/>
+              <a:t>Crowd </a:t>
+            </a:r>
+            <a:r>
+              <a:rPr lang="en-US" sz="3200" dirty="0"/>
+              <a:t>sourcing of Working Group </a:t>
+            </a:r>
+            <a:r>
+              <a:rPr lang="en-US" sz="3200" dirty="0" smtClean="0"/>
+              <a:t>charters</a:t>
+            </a:r>
+            <a:endParaRPr lang="en-US" sz="4800" dirty="0"/>
+          </a:p>
+          <a:p>
+            <a:pPr algn="ctr"/>
+            <a:endParaRPr lang="en-US" sz="3200" dirty="0"/>
+          </a:p>
+        </p:txBody>
+      </p:sp>
+    </p:spTree>
+    <p:extLst>
+      <p:ext uri="{BB962C8B-B14F-4D97-AF65-F5344CB8AC3E}">
+        <p14:creationId xmlns:p14="http://schemas.microsoft.com/office/powerpoint/2010/main" val="3672645421"/>
+      </p:ext>
+    </p:extLst>
+  </p:cSld>
+  <p:clrMapOvr>
+    <a:masterClrMapping/>
+  </p:clrMapOvr>
+</p:sld>
+</file>
+
+<file path=ppt/slides/slide77.xml><?xml version="1.0" encoding="utf-8"?>
+<p:sld xmlns:a="http://schemas.openxmlformats.org/drawingml/2006/main" xmlns:r="http://schemas.openxmlformats.org/officeDocument/2006/relationships" xmlns:p="http://schemas.openxmlformats.org/presentationml/2006/main">
+  <p:cSld>
+    <p:bg>
+      <p:bgPr>
+        <a:solidFill>
           <a:schemeClr val="accent1"/>
         </a:solidFill>
         <a:effectLst/>
@@ -28097,7 +30434,7 @@
 </p:sld>
 </file>
 
-<file path=ppt/slides/slide75.xml><?xml version="1.0" encoding="utf-8"?>
+<file path=ppt/slides/slide78.xml><?xml version="1.0" encoding="utf-8"?>
 <p:sld xmlns:a="http://schemas.openxmlformats.org/drawingml/2006/main" xmlns:r="http://schemas.openxmlformats.org/officeDocument/2006/relationships" xmlns:p="http://schemas.openxmlformats.org/presentationml/2006/main">
   <p:cSld>
     <p:bg>
@@ -28481,240 +30818,6 @@
 </p:sld>
 </file>
 
-<file path=ppt/slides/slide76.xml><?xml version="1.0" encoding="utf-8"?>
-<p:sld xmlns:a="http://schemas.openxmlformats.org/drawingml/2006/main" xmlns:r="http://schemas.openxmlformats.org/officeDocument/2006/relationships" xmlns:p="http://schemas.openxmlformats.org/presentationml/2006/main">
-  <p:cSld>
-    <p:bg>
-      <p:bgPr>
-        <a:solidFill>
-          <a:schemeClr val="accent5"/>
-        </a:solidFill>
-        <a:effectLst/>
-      </p:bgPr>
-    </p:bg>
-    <p:spTree>
-      <p:nvGrpSpPr>
-        <p:cNvPr id="1" name=""/>
-        <p:cNvGrpSpPr/>
-        <p:nvPr/>
-      </p:nvGrpSpPr>
-      <p:grpSpPr>
-        <a:xfrm>
-          <a:off x="0" y="0"/>
-          <a:ext cx="0" cy="0"/>
-          <a:chOff x="0" y="0"/>
-          <a:chExt cx="0" cy="0"/>
-        </a:xfrm>
-      </p:grpSpPr>
-      <p:sp>
-        <p:nvSpPr>
-          <p:cNvPr id="2" name="Title 1">
-            <a:extLst>
-              <a:ext uri="{FF2B5EF4-FFF2-40B4-BE49-F238E27FC236}">
-                <a16:creationId xmlns:a16="http://schemas.microsoft.com/office/drawing/2014/main" id="{C409FD33-6233-7C49-9918-532E7EC05AB5}"/>
-              </a:ext>
-            </a:extLst>
-          </p:cNvPr>
-          <p:cNvSpPr>
-            <a:spLocks noGrp="1"/>
-          </p:cNvSpPr>
-          <p:nvPr>
-            <p:ph type="title"/>
-          </p:nvPr>
-        </p:nvSpPr>
-        <p:spPr>
-          <a:xfrm>
-            <a:off x="838200" y="2365324"/>
-            <a:ext cx="10515600" cy="2127352"/>
-          </a:xfrm>
-        </p:spPr>
-        <p:txBody>
-          <a:bodyPr>
-            <a:noAutofit/>
-          </a:bodyPr>
-          <a:lstStyle/>
-          <a:p>
-            <a:pPr algn="ctr"/>
-            <a:r>
-              <a:rPr lang="en-US" sz="6600" dirty="0"/>
-              <a:t>Complex Environment?</a:t>
-            </a:r>
-            <a:br>
-              <a:rPr lang="en-US" sz="6600" dirty="0"/>
-            </a:br>
-            <a:r>
-              <a:rPr lang="en-US" sz="6600" dirty="0"/>
-              <a:t>You </a:t>
-            </a:r>
-            <a:r>
-              <a:rPr lang="en-US" sz="6600" dirty="0" err="1"/>
-              <a:t>betcha</a:t>
-            </a:r>
-            <a:endParaRPr lang="en-US" sz="6600" dirty="0"/>
-          </a:p>
-        </p:txBody>
-      </p:sp>
-    </p:spTree>
-    <p:extLst>
-      <p:ext uri="{BB962C8B-B14F-4D97-AF65-F5344CB8AC3E}">
-        <p14:creationId xmlns:p14="http://schemas.microsoft.com/office/powerpoint/2010/main" val="3759570375"/>
-      </p:ext>
-    </p:extLst>
-  </p:cSld>
-  <p:clrMapOvr>
-    <a:masterClrMapping/>
-  </p:clrMapOvr>
-</p:sld>
-</file>
-
-<file path=ppt/slides/slide77.xml><?xml version="1.0" encoding="utf-8"?>
-<p:sld xmlns:a="http://schemas.openxmlformats.org/drawingml/2006/main" xmlns:r="http://schemas.openxmlformats.org/officeDocument/2006/relationships" xmlns:p="http://schemas.openxmlformats.org/presentationml/2006/main">
-  <p:cSld>
-    <p:bg>
-      <p:bgPr>
-        <a:solidFill>
-          <a:schemeClr val="accent5"/>
-        </a:solidFill>
-        <a:effectLst/>
-      </p:bgPr>
-    </p:bg>
-    <p:spTree>
-      <p:nvGrpSpPr>
-        <p:cNvPr id="1" name=""/>
-        <p:cNvGrpSpPr/>
-        <p:nvPr/>
-      </p:nvGrpSpPr>
-      <p:grpSpPr>
-        <a:xfrm>
-          <a:off x="0" y="0"/>
-          <a:ext cx="0" cy="0"/>
-          <a:chOff x="0" y="0"/>
-          <a:chExt cx="0" cy="0"/>
-        </a:xfrm>
-      </p:grpSpPr>
-      <p:sp>
-        <p:nvSpPr>
-          <p:cNvPr id="2" name="Title 1">
-            <a:extLst>
-              <a:ext uri="{FF2B5EF4-FFF2-40B4-BE49-F238E27FC236}">
-                <a16:creationId xmlns:a16="http://schemas.microsoft.com/office/drawing/2014/main" id="{C409FD33-6233-7C49-9918-532E7EC05AB5}"/>
-              </a:ext>
-            </a:extLst>
-          </p:cNvPr>
-          <p:cNvSpPr>
-            <a:spLocks noGrp="1"/>
-          </p:cNvSpPr>
-          <p:nvPr>
-            <p:ph type="title"/>
-          </p:nvPr>
-        </p:nvSpPr>
-        <p:spPr>
-          <a:xfrm>
-            <a:off x="838200" y="2365324"/>
-            <a:ext cx="10515600" cy="2127352"/>
-          </a:xfrm>
-        </p:spPr>
-        <p:txBody>
-          <a:bodyPr>
-            <a:noAutofit/>
-          </a:bodyPr>
-          <a:lstStyle/>
-          <a:p>
-            <a:pPr algn="ctr"/>
-            <a:r>
-              <a:rPr lang="en-US" sz="6600" dirty="0"/>
-              <a:t>Reference Application Baked In Best Practices</a:t>
-            </a:r>
-          </a:p>
-        </p:txBody>
-      </p:sp>
-    </p:spTree>
-    <p:extLst>
-      <p:ext uri="{BB962C8B-B14F-4D97-AF65-F5344CB8AC3E}">
-        <p14:creationId xmlns:p14="http://schemas.microsoft.com/office/powerpoint/2010/main" val="3653919622"/>
-      </p:ext>
-    </p:extLst>
-  </p:cSld>
-  <p:clrMapOvr>
-    <a:masterClrMapping/>
-  </p:clrMapOvr>
-</p:sld>
-</file>
-
-<file path=ppt/slides/slide78.xml><?xml version="1.0" encoding="utf-8"?>
-<p:sld xmlns:a="http://schemas.openxmlformats.org/drawingml/2006/main" xmlns:r="http://schemas.openxmlformats.org/officeDocument/2006/relationships" xmlns:p="http://schemas.openxmlformats.org/presentationml/2006/main">
-  <p:cSld>
-    <p:bg>
-      <p:bgPr>
-        <a:solidFill>
-          <a:schemeClr val="accent5"/>
-        </a:solidFill>
-        <a:effectLst/>
-      </p:bgPr>
-    </p:bg>
-    <p:spTree>
-      <p:nvGrpSpPr>
-        <p:cNvPr id="1" name=""/>
-        <p:cNvGrpSpPr/>
-        <p:nvPr/>
-      </p:nvGrpSpPr>
-      <p:grpSpPr>
-        <a:xfrm>
-          <a:off x="0" y="0"/>
-          <a:ext cx="0" cy="0"/>
-          <a:chOff x="0" y="0"/>
-          <a:chExt cx="0" cy="0"/>
-        </a:xfrm>
-      </p:grpSpPr>
-      <p:sp>
-        <p:nvSpPr>
-          <p:cNvPr id="2" name="Title 1">
-            <a:extLst>
-              <a:ext uri="{FF2B5EF4-FFF2-40B4-BE49-F238E27FC236}">
-                <a16:creationId xmlns:a16="http://schemas.microsoft.com/office/drawing/2014/main" id="{C409FD33-6233-7C49-9918-532E7EC05AB5}"/>
-              </a:ext>
-            </a:extLst>
-          </p:cNvPr>
-          <p:cNvSpPr>
-            <a:spLocks noGrp="1"/>
-          </p:cNvSpPr>
-          <p:nvPr>
-            <p:ph type="title"/>
-          </p:nvPr>
-        </p:nvSpPr>
-        <p:spPr>
-          <a:xfrm>
-            <a:off x="838200" y="2365324"/>
-            <a:ext cx="10515600" cy="2127352"/>
-          </a:xfrm>
-        </p:spPr>
-        <p:txBody>
-          <a:bodyPr>
-            <a:noAutofit/>
-          </a:bodyPr>
-          <a:lstStyle/>
-          <a:p>
-            <a:pPr algn="ctr"/>
-            <a:r>
-              <a:rPr lang="en-US" sz="6600" dirty="0"/>
-              <a:t>Linting Rules</a:t>
-            </a:r>
-          </a:p>
-        </p:txBody>
-      </p:sp>
-    </p:spTree>
-    <p:extLst>
-      <p:ext uri="{BB962C8B-B14F-4D97-AF65-F5344CB8AC3E}">
-        <p14:creationId xmlns:p14="http://schemas.microsoft.com/office/powerpoint/2010/main" val="2286172921"/>
-      </p:ext>
-    </p:extLst>
-  </p:cSld>
-  <p:clrMapOvr>
-    <a:masterClrMapping/>
-  </p:clrMapOvr>
-</p:sld>
-</file>
-
 <file path=ppt/slides/slide79.xml><?xml version="1.0" encoding="utf-8"?>
 <p:sld xmlns:a="http://schemas.openxmlformats.org/drawingml/2006/main" xmlns:r="http://schemas.openxmlformats.org/officeDocument/2006/relationships" xmlns:p="http://schemas.openxmlformats.org/presentationml/2006/main">
   <p:cSld>
@@ -28758,7 +30861,7 @@
         </p:nvSpPr>
         <p:spPr>
           <a:xfrm>
-            <a:off x="838200" y="2365324"/>
+            <a:off x="838200" y="647735"/>
             <a:ext cx="10515600" cy="2127352"/>
           </a:xfrm>
         </p:spPr>
@@ -28771,15 +30874,57 @@
             <a:pPr algn="ctr"/>
             <a:r>
               <a:rPr lang="en-US" sz="6600" dirty="0"/>
-              <a:t>Static Code Analysis</a:t>
-            </a:r>
-          </a:p>
-        </p:txBody>
-      </p:sp>
+              <a:t>Complex Environment?</a:t>
+            </a:r>
+            <a:br>
+              <a:rPr lang="en-US" sz="6600" dirty="0"/>
+            </a:br>
+            <a:r>
+              <a:rPr lang="en-US" sz="6600" dirty="0"/>
+              <a:t>You </a:t>
+            </a:r>
+            <a:r>
+              <a:rPr lang="en-US" sz="6600" dirty="0" err="1"/>
+              <a:t>betcha</a:t>
+            </a:r>
+            <a:endParaRPr lang="en-US" sz="6600" dirty="0"/>
+          </a:p>
+        </p:txBody>
+      </p:sp>
+      <p:pic>
+        <p:nvPicPr>
+          <p:cNvPr id="3" name="Picture 2"/>
+          <p:cNvPicPr>
+            <a:picLocks noChangeAspect="1"/>
+          </p:cNvPicPr>
+          <p:nvPr/>
+        </p:nvPicPr>
+        <p:blipFill>
+          <a:blip r:embed="rId3">
+            <a:extLst>
+              <a:ext uri="{28A0092B-C50C-407E-A947-70E740481C1C}">
+                <a14:useLocalDpi xmlns:a14="http://schemas.microsoft.com/office/drawing/2010/main" val="0"/>
+              </a:ext>
+            </a:extLst>
+          </a:blip>
+          <a:stretch>
+            <a:fillRect/>
+          </a:stretch>
+        </p:blipFill>
+        <p:spPr>
+          <a:xfrm>
+            <a:off x="4918135" y="3227465"/>
+            <a:ext cx="2355729" cy="2355729"/>
+          </a:xfrm>
+          <a:prstGeom prst="rect">
+            <a:avLst/>
+          </a:prstGeom>
+        </p:spPr>
+      </p:pic>
     </p:spTree>
     <p:extLst>
       <p:ext uri="{BB962C8B-B14F-4D97-AF65-F5344CB8AC3E}">
-        <p14:creationId xmlns:p14="http://schemas.microsoft.com/office/powerpoint/2010/main" val="406180384"/>
+        <p14:creationId xmlns:p14="http://schemas.microsoft.com/office/powerpoint/2010/main" val="3759570375"/>
       </p:ext>
     </p:extLst>
   </p:cSld>
@@ -28926,7 +31071,7 @@
             <a:pPr algn="ctr"/>
             <a:r>
               <a:rPr lang="en-US" sz="6600" dirty="0"/>
-              <a:t>Security</a:t>
+              <a:t>Reference Application Baked In Best Practices</a:t>
             </a:r>
           </a:p>
         </p:txBody>
@@ -28934,7 +31079,7 @@
     </p:spTree>
     <p:extLst>
       <p:ext uri="{BB962C8B-B14F-4D97-AF65-F5344CB8AC3E}">
-        <p14:creationId xmlns:p14="http://schemas.microsoft.com/office/powerpoint/2010/main" val="2508319854"/>
+        <p14:creationId xmlns:p14="http://schemas.microsoft.com/office/powerpoint/2010/main" val="3653919622"/>
       </p:ext>
     </p:extLst>
   </p:cSld>
@@ -29000,7 +31145,7 @@
             <a:pPr algn="ctr"/>
             <a:r>
               <a:rPr lang="en-US" sz="6600" dirty="0"/>
-              <a:t>Everything you need to get started just writing code</a:t>
+              <a:t>Linting Rules</a:t>
             </a:r>
           </a:p>
         </p:txBody>
@@ -29008,7 +31153,7 @@
     </p:spTree>
     <p:extLst>
       <p:ext uri="{BB962C8B-B14F-4D97-AF65-F5344CB8AC3E}">
-        <p14:creationId xmlns:p14="http://schemas.microsoft.com/office/powerpoint/2010/main" val="1405293278"/>
+        <p14:creationId xmlns:p14="http://schemas.microsoft.com/office/powerpoint/2010/main" val="2286172921"/>
       </p:ext>
     </p:extLst>
   </p:cSld>
@@ -29074,7 +31219,7 @@
             <a:pPr algn="ctr"/>
             <a:r>
               <a:rPr lang="en-US" sz="6600" dirty="0"/>
-              <a:t>Did It Work?</a:t>
+              <a:t>Static Code Analysis</a:t>
             </a:r>
           </a:p>
         </p:txBody>
@@ -29082,7 +31227,7 @@
     </p:spTree>
     <p:extLst>
       <p:ext uri="{BB962C8B-B14F-4D97-AF65-F5344CB8AC3E}">
-        <p14:creationId xmlns:p14="http://schemas.microsoft.com/office/powerpoint/2010/main" val="1864778523"/>
+        <p14:creationId xmlns:p14="http://schemas.microsoft.com/office/powerpoint/2010/main" val="406180384"/>
       </p:ext>
     </p:extLst>
   </p:cSld>
@@ -29148,14 +31293,7 @@
             <a:pPr algn="ctr"/>
             <a:r>
               <a:rPr lang="en-US" sz="6600" dirty="0"/>
-              <a:t>Other Reference</a:t>
-            </a:r>
-            <a:br>
-              <a:rPr lang="en-US" sz="6600" dirty="0"/>
-            </a:br>
-            <a:r>
-              <a:rPr lang="en-US" sz="6600" dirty="0"/>
-              <a:t>Implementations</a:t>
+              <a:t>Security</a:t>
             </a:r>
           </a:p>
         </p:txBody>
@@ -29163,7 +31301,7 @@
     </p:spTree>
     <p:extLst>
       <p:ext uri="{BB962C8B-B14F-4D97-AF65-F5344CB8AC3E}">
-        <p14:creationId xmlns:p14="http://schemas.microsoft.com/office/powerpoint/2010/main" val="1431407279"/>
+        <p14:creationId xmlns:p14="http://schemas.microsoft.com/office/powerpoint/2010/main" val="2508319854"/>
       </p:ext>
     </p:extLst>
   </p:cSld>
@@ -29229,14 +31367,7 @@
             <a:pPr algn="ctr"/>
             <a:r>
               <a:rPr lang="en-US" sz="6600" dirty="0"/>
-              <a:t>Implicit Commitment</a:t>
-            </a:r>
-            <a:br>
-              <a:rPr lang="en-US" sz="6600" dirty="0"/>
-            </a:br>
-            <a:r>
-              <a:rPr lang="en-US" sz="6600" dirty="0"/>
-              <a:t>to Maintain</a:t>
+              <a:t>Everything you need to get started just writing code</a:t>
             </a:r>
           </a:p>
         </p:txBody>
@@ -29244,7 +31375,7 @@
     </p:spTree>
     <p:extLst>
       <p:ext uri="{BB962C8B-B14F-4D97-AF65-F5344CB8AC3E}">
-        <p14:creationId xmlns:p14="http://schemas.microsoft.com/office/powerpoint/2010/main" val="2486915822"/>
+        <p14:creationId xmlns:p14="http://schemas.microsoft.com/office/powerpoint/2010/main" val="1405293278"/>
       </p:ext>
     </p:extLst>
   </p:cSld>
@@ -29297,7 +31428,7 @@
         </p:nvSpPr>
         <p:spPr>
           <a:xfrm>
-            <a:off x="838200" y="2365324"/>
+            <a:off x="838200" y="976545"/>
             <a:ext cx="10515600" cy="2127352"/>
           </a:xfrm>
         </p:spPr>
@@ -29310,15 +31441,45 @@
             <a:pPr algn="ctr"/>
             <a:r>
               <a:rPr lang="en-US" sz="6600" dirty="0"/>
-              <a:t>Well Worth the Effort</a:t>
-            </a:r>
-          </a:p>
-        </p:txBody>
-      </p:sp>
+              <a:t>Did It Work?</a:t>
+            </a:r>
+          </a:p>
+        </p:txBody>
+      </p:sp>
+      <p:pic>
+        <p:nvPicPr>
+          <p:cNvPr id="3" name="Picture 2"/>
+          <p:cNvPicPr>
+            <a:picLocks noChangeAspect="1"/>
+          </p:cNvPicPr>
+          <p:nvPr/>
+        </p:nvPicPr>
+        <p:blipFill>
+          <a:blip r:embed="rId3">
+            <a:extLst>
+              <a:ext uri="{28A0092B-C50C-407E-A947-70E740481C1C}">
+                <a14:useLocalDpi xmlns:a14="http://schemas.microsoft.com/office/drawing/2010/main" val="0"/>
+              </a:ext>
+            </a:extLst>
+          </a:blip>
+          <a:stretch>
+            <a:fillRect/>
+          </a:stretch>
+        </p:blipFill>
+        <p:spPr>
+          <a:xfrm>
+            <a:off x="5029346" y="3190394"/>
+            <a:ext cx="2133307" cy="2133307"/>
+          </a:xfrm>
+          <a:prstGeom prst="rect">
+            <a:avLst/>
+          </a:prstGeom>
+        </p:spPr>
+      </p:pic>
     </p:spTree>
     <p:extLst>
       <p:ext uri="{BB962C8B-B14F-4D97-AF65-F5344CB8AC3E}">
-        <p14:creationId xmlns:p14="http://schemas.microsoft.com/office/powerpoint/2010/main" val="783352059"/>
+        <p14:creationId xmlns:p14="http://schemas.microsoft.com/office/powerpoint/2010/main" val="1864778523"/>
       </p:ext>
     </p:extLst>
   </p:cSld>
@@ -29334,7 +31495,7 @@
     <p:bg>
       <p:bgPr>
         <a:solidFill>
-          <a:schemeClr val="accent1"/>
+          <a:schemeClr val="accent5"/>
         </a:solidFill>
         <a:effectLst/>
       </p:bgPr>
@@ -29355,107 +31516,43 @@
       </p:grpSpPr>
       <p:sp>
         <p:nvSpPr>
-          <p:cNvPr id="2" name="TextBox 1">
+          <p:cNvPr id="2" name="Title 1">
             <a:extLst>
               <a:ext uri="{FF2B5EF4-FFF2-40B4-BE49-F238E27FC236}">
-                <a16:creationId xmlns:a16="http://schemas.microsoft.com/office/drawing/2014/main" id="{B71D1FE3-1142-814F-87DC-BB654A6F358F}"/>
+                <a16:creationId xmlns:a16="http://schemas.microsoft.com/office/drawing/2014/main" id="{C409FD33-6233-7C49-9918-532E7EC05AB5}"/>
               </a:ext>
             </a:extLst>
           </p:cNvPr>
-          <p:cNvSpPr txBox="1"/>
-          <p:nvPr/>
-        </p:nvSpPr>
-        <p:spPr>
-          <a:xfrm>
-            <a:off x="889819" y="1536173"/>
-            <a:ext cx="10412363" cy="3170099"/>
-          </a:xfrm>
-          <a:prstGeom prst="rect">
-            <a:avLst/>
-          </a:prstGeom>
-          <a:noFill/>
-        </p:spPr>
-        <p:txBody>
-          <a:bodyPr wrap="square" rtlCol="0">
-            <a:spAutoFit/>
+          <p:cNvSpPr>
+            <a:spLocks noGrp="1"/>
+          </p:cNvSpPr>
+          <p:nvPr>
+            <p:ph type="title"/>
+          </p:nvPr>
+        </p:nvSpPr>
+        <p:spPr>
+          <a:xfrm>
+            <a:off x="838200" y="2365324"/>
+            <a:ext cx="10515600" cy="2127352"/>
+          </a:xfrm>
+        </p:spPr>
+        <p:txBody>
+          <a:bodyPr>
+            <a:noAutofit/>
           </a:bodyPr>
           <a:lstStyle/>
           <a:p>
-            <a:pPr marL="342891" indent="-342891" fontAlgn="base">
-              <a:buFont typeface="+mj-lt"/>
-              <a:buAutoNum type="arabicPeriod"/>
-            </a:pPr>
-            <a:r>
-              <a:rPr lang="en-US" sz="4000" dirty="0">
-                <a:solidFill>
-                  <a:schemeClr val="bg1">
-                    <a:lumMod val="75000"/>
-                  </a:schemeClr>
-                </a:solidFill>
-              </a:rPr>
-              <a:t>Lightweight Architectural Decision Records</a:t>
-            </a:r>
-          </a:p>
-          <a:p>
-            <a:pPr marL="342891" indent="-342891" fontAlgn="base">
-              <a:buFont typeface="+mj-lt"/>
-              <a:buAutoNum type="arabicPeriod"/>
-            </a:pPr>
-            <a:r>
-              <a:rPr lang="en-US" sz="4000" dirty="0">
-                <a:solidFill>
-                  <a:schemeClr val="bg1">
-                    <a:lumMod val="75000"/>
-                  </a:schemeClr>
-                </a:solidFill>
-              </a:rPr>
-              <a:t>Enterprise Architecture Guilds</a:t>
-            </a:r>
-          </a:p>
-          <a:p>
-            <a:pPr marL="342891" indent="-342891" fontAlgn="base">
-              <a:buFont typeface="+mj-lt"/>
-              <a:buAutoNum type="arabicPeriod"/>
-            </a:pPr>
-            <a:r>
-              <a:rPr lang="en-US" sz="4000" dirty="0">
-                <a:solidFill>
-                  <a:schemeClr val="bg1">
-                    <a:lumMod val="75000"/>
-                  </a:schemeClr>
-                </a:solidFill>
-              </a:rPr>
-              <a:t>Build Reference Implementations</a:t>
-            </a:r>
-          </a:p>
-          <a:p>
-            <a:pPr marL="342891" indent="-342891" fontAlgn="base">
-              <a:buFont typeface="+mj-lt"/>
-              <a:buAutoNum type="arabicPeriod"/>
-            </a:pPr>
-            <a:r>
-              <a:rPr lang="en-US" sz="4000" dirty="0">
-                <a:solidFill>
-                  <a:schemeClr val="bg1"/>
-                </a:solidFill>
-              </a:rPr>
-              <a:t>Get in the pool and swim around</a:t>
-            </a:r>
-          </a:p>
-          <a:p>
-            <a:pPr marL="342891" indent="-342891" fontAlgn="base">
-              <a:buFont typeface="+mj-lt"/>
-              <a:buAutoNum type="arabicPeriod"/>
-            </a:pPr>
-            <a:r>
-              <a:rPr lang="en-US" sz="4000" dirty="0">
-                <a:solidFill>
-                  <a:schemeClr val="bg1">
-                    <a:lumMod val="75000"/>
-                  </a:schemeClr>
-                </a:solidFill>
-              </a:rPr>
-              <a:t>Focus on Teams &amp; Seams</a:t>
+            <a:pPr algn="ctr"/>
+            <a:r>
+              <a:rPr lang="en-US" sz="6600" dirty="0"/>
+              <a:t>Other Reference</a:t>
+            </a:r>
+            <a:br>
+              <a:rPr lang="en-US" sz="6600" dirty="0"/>
+            </a:br>
+            <a:r>
+              <a:rPr lang="en-US" sz="6600" dirty="0"/>
+              <a:t>Implementations</a:t>
             </a:r>
           </a:p>
         </p:txBody>
@@ -29463,7 +31560,7 @@
     </p:spTree>
     <p:extLst>
       <p:ext uri="{BB962C8B-B14F-4D97-AF65-F5344CB8AC3E}">
-        <p14:creationId xmlns:p14="http://schemas.microsoft.com/office/powerpoint/2010/main" val="2059965442"/>
+        <p14:creationId xmlns:p14="http://schemas.microsoft.com/office/powerpoint/2010/main" val="1431407279"/>
       </p:ext>
     </p:extLst>
   </p:cSld>
@@ -29529,7 +31626,14 @@
             <a:pPr algn="ctr"/>
             <a:r>
               <a:rPr lang="en-US" sz="6600" dirty="0"/>
-              <a:t>Controversy</a:t>
+              <a:t>Implicit Commitment</a:t>
+            </a:r>
+            <a:br>
+              <a:rPr lang="en-US" sz="6600" dirty="0"/>
+            </a:br>
+            <a:r>
+              <a:rPr lang="en-US" sz="6600" dirty="0"/>
+              <a:t>to Maintain</a:t>
             </a:r>
           </a:p>
         </p:txBody>
@@ -29537,7 +31641,7 @@
     </p:spTree>
     <p:extLst>
       <p:ext uri="{BB962C8B-B14F-4D97-AF65-F5344CB8AC3E}">
-        <p14:creationId xmlns:p14="http://schemas.microsoft.com/office/powerpoint/2010/main" val="3993766502"/>
+        <p14:creationId xmlns:p14="http://schemas.microsoft.com/office/powerpoint/2010/main" val="2486915822"/>
       </p:ext>
     </p:extLst>
   </p:cSld>
@@ -29548,128 +31652,6 @@
 </file>
 
 <file path=ppt/slides/slide88.xml><?xml version="1.0" encoding="utf-8"?>
-<p:sld xmlns:a="http://schemas.openxmlformats.org/drawingml/2006/main" xmlns:r="http://schemas.openxmlformats.org/officeDocument/2006/relationships" xmlns:p="http://schemas.openxmlformats.org/presentationml/2006/main">
-  <p:cSld>
-    <p:bg>
-      <p:bgPr>
-        <a:solidFill>
-          <a:schemeClr val="accent2"/>
-        </a:solidFill>
-        <a:effectLst/>
-      </p:bgPr>
-    </p:bg>
-    <p:spTree>
-      <p:nvGrpSpPr>
-        <p:cNvPr id="1" name=""/>
-        <p:cNvGrpSpPr/>
-        <p:nvPr/>
-      </p:nvGrpSpPr>
-      <p:grpSpPr>
-        <a:xfrm>
-          <a:off x="0" y="0"/>
-          <a:ext cx="0" cy="0"/>
-          <a:chOff x="0" y="0"/>
-          <a:chExt cx="0" cy="0"/>
-        </a:xfrm>
-      </p:grpSpPr>
-      <p:sp>
-        <p:nvSpPr>
-          <p:cNvPr id="2" name="Title 1">
-            <a:extLst>
-              <a:ext uri="{FF2B5EF4-FFF2-40B4-BE49-F238E27FC236}">
-                <a16:creationId xmlns:a16="http://schemas.microsoft.com/office/drawing/2014/main" id="{C409FD33-6233-7C49-9918-532E7EC05AB5}"/>
-              </a:ext>
-            </a:extLst>
-          </p:cNvPr>
-          <p:cNvSpPr>
-            <a:spLocks noGrp="1"/>
-          </p:cNvSpPr>
-          <p:nvPr>
-            <p:ph type="title"/>
-          </p:nvPr>
-        </p:nvSpPr>
-        <p:spPr>
-          <a:xfrm>
-            <a:off x="911941" y="1356852"/>
-            <a:ext cx="10515600" cy="3701845"/>
-          </a:xfrm>
-        </p:spPr>
-        <p:txBody>
-          <a:bodyPr>
-            <a:noAutofit/>
-          </a:bodyPr>
-          <a:lstStyle/>
-          <a:p>
-            <a:pPr algn="ctr"/>
-            <a:r>
-              <a:rPr lang="en-US" i="1" dirty="0">
-                <a:solidFill>
-                  <a:schemeClr val="bg1"/>
-                </a:solidFill>
-              </a:rPr>
-              <a:t>“In an agile world, where architectures evolve through the work of empowered teams, EA should play a hands-on role, facilitating reuse and guiding the enterprise to a flexible, agile architecture.”</a:t>
-            </a:r>
-            <a:endParaRPr lang="en-US" sz="6600" i="1" dirty="0">
-              <a:solidFill>
-                <a:schemeClr val="bg1"/>
-              </a:solidFill>
-            </a:endParaRPr>
-          </a:p>
-        </p:txBody>
-      </p:sp>
-      <p:sp>
-        <p:nvSpPr>
-          <p:cNvPr id="3" name="TextBox 2">
-            <a:extLst>
-              <a:ext uri="{FF2B5EF4-FFF2-40B4-BE49-F238E27FC236}">
-                <a16:creationId xmlns:a16="http://schemas.microsoft.com/office/drawing/2014/main" id="{180F9816-E23D-C346-9BF5-23F1DA87B087}"/>
-              </a:ext>
-            </a:extLst>
-          </p:cNvPr>
-          <p:cNvSpPr txBox="1"/>
-          <p:nvPr/>
-        </p:nvSpPr>
-        <p:spPr>
-          <a:xfrm>
-            <a:off x="2104076" y="5058697"/>
-            <a:ext cx="8145178" cy="369332"/>
-          </a:xfrm>
-          <a:prstGeom prst="rect">
-            <a:avLst/>
-          </a:prstGeom>
-          <a:noFill/>
-        </p:spPr>
-        <p:txBody>
-          <a:bodyPr wrap="none" rtlCol="0">
-            <a:spAutoFit/>
-          </a:bodyPr>
-          <a:lstStyle/>
-          <a:p>
-            <a:r>
-              <a:rPr lang="en-US" dirty="0">
-                <a:solidFill>
-                  <a:schemeClr val="bg1"/>
-                </a:solidFill>
-              </a:rPr>
-              <a:t>--Mark Schwartz, author and former CIO of US Citizenship and Immigration Services</a:t>
-            </a:r>
-          </a:p>
-        </p:txBody>
-      </p:sp>
-    </p:spTree>
-    <p:extLst>
-      <p:ext uri="{BB962C8B-B14F-4D97-AF65-F5344CB8AC3E}">
-        <p14:creationId xmlns:p14="http://schemas.microsoft.com/office/powerpoint/2010/main" val="3871349152"/>
-      </p:ext>
-    </p:extLst>
-  </p:cSld>
-  <p:clrMapOvr>
-    <a:masterClrMapping/>
-  </p:clrMapOvr>
-</p:sld>
-</file>
-
-<file path=ppt/slides/slide89.xml><?xml version="1.0" encoding="utf-8"?>
 <p:sld xmlns:a="http://schemas.openxmlformats.org/drawingml/2006/main" xmlns:r="http://schemas.openxmlformats.org/officeDocument/2006/relationships" xmlns:p="http://schemas.openxmlformats.org/presentationml/2006/main">
   <p:cSld>
     <p:bg>
@@ -29725,7 +31707,7 @@
             <a:pPr algn="ctr"/>
             <a:r>
               <a:rPr lang="en-US" sz="6600" dirty="0"/>
-              <a:t>It Doesn’t Mean</a:t>
+              <a:t>Well Worth the Effort</a:t>
             </a:r>
           </a:p>
         </p:txBody>
@@ -29733,7 +31715,152 @@
     </p:spTree>
     <p:extLst>
       <p:ext uri="{BB962C8B-B14F-4D97-AF65-F5344CB8AC3E}">
-        <p14:creationId xmlns:p14="http://schemas.microsoft.com/office/powerpoint/2010/main" val="3934561116"/>
+        <p14:creationId xmlns:p14="http://schemas.microsoft.com/office/powerpoint/2010/main" val="783352059"/>
+      </p:ext>
+    </p:extLst>
+  </p:cSld>
+  <p:clrMapOvr>
+    <a:masterClrMapping/>
+  </p:clrMapOvr>
+</p:sld>
+</file>
+
+<file path=ppt/slides/slide89.xml><?xml version="1.0" encoding="utf-8"?>
+<p:sld xmlns:a="http://schemas.openxmlformats.org/drawingml/2006/main" xmlns:r="http://schemas.openxmlformats.org/officeDocument/2006/relationships" xmlns:p="http://schemas.openxmlformats.org/presentationml/2006/main">
+  <p:cSld>
+    <p:bg>
+      <p:bgPr>
+        <a:solidFill>
+          <a:schemeClr val="accent1"/>
+        </a:solidFill>
+        <a:effectLst/>
+      </p:bgPr>
+    </p:bg>
+    <p:spTree>
+      <p:nvGrpSpPr>
+        <p:cNvPr id="1" name=""/>
+        <p:cNvGrpSpPr/>
+        <p:nvPr/>
+      </p:nvGrpSpPr>
+      <p:grpSpPr>
+        <a:xfrm>
+          <a:off x="0" y="0"/>
+          <a:ext cx="0" cy="0"/>
+          <a:chOff x="0" y="0"/>
+          <a:chExt cx="0" cy="0"/>
+        </a:xfrm>
+      </p:grpSpPr>
+      <p:sp>
+        <p:nvSpPr>
+          <p:cNvPr id="2" name="TextBox 1">
+            <a:extLst>
+              <a:ext uri="{FF2B5EF4-FFF2-40B4-BE49-F238E27FC236}">
+                <a16:creationId xmlns:a16="http://schemas.microsoft.com/office/drawing/2014/main" id="{B71D1FE3-1142-814F-87DC-BB654A6F358F}"/>
+              </a:ext>
+            </a:extLst>
+          </p:cNvPr>
+          <p:cNvSpPr txBox="1"/>
+          <p:nvPr/>
+        </p:nvSpPr>
+        <p:spPr>
+          <a:xfrm>
+            <a:off x="889819" y="1536173"/>
+            <a:ext cx="10412363" cy="3170099"/>
+          </a:xfrm>
+          <a:prstGeom prst="rect">
+            <a:avLst/>
+          </a:prstGeom>
+          <a:noFill/>
+        </p:spPr>
+        <p:txBody>
+          <a:bodyPr wrap="square" rtlCol="0">
+            <a:spAutoFit/>
+          </a:bodyPr>
+          <a:lstStyle/>
+          <a:p>
+            <a:pPr marL="342891" indent="-342891" fontAlgn="base">
+              <a:buFont typeface="+mj-lt"/>
+              <a:buAutoNum type="arabicPeriod"/>
+            </a:pPr>
+            <a:r>
+              <a:rPr lang="en-US" sz="4000" dirty="0">
+                <a:solidFill>
+                  <a:schemeClr val="bg1">
+                    <a:lumMod val="75000"/>
+                  </a:schemeClr>
+                </a:solidFill>
+              </a:rPr>
+              <a:t>Lightweight Architectural Decision Records</a:t>
+            </a:r>
+          </a:p>
+          <a:p>
+            <a:pPr marL="342891" indent="-342891" fontAlgn="base">
+              <a:buFont typeface="+mj-lt"/>
+              <a:buAutoNum type="arabicPeriod"/>
+            </a:pPr>
+            <a:r>
+              <a:rPr lang="en-US" sz="4000" dirty="0">
+                <a:solidFill>
+                  <a:schemeClr val="bg1">
+                    <a:lumMod val="75000"/>
+                  </a:schemeClr>
+                </a:solidFill>
+              </a:rPr>
+              <a:t>Enterprise Architecture Guilds</a:t>
+            </a:r>
+          </a:p>
+          <a:p>
+            <a:pPr marL="342891" indent="-342891" fontAlgn="base">
+              <a:buFont typeface="+mj-lt"/>
+              <a:buAutoNum type="arabicPeriod"/>
+            </a:pPr>
+            <a:r>
+              <a:rPr lang="en-US" sz="4000" dirty="0">
+                <a:solidFill>
+                  <a:schemeClr val="bg1">
+                    <a:lumMod val="75000"/>
+                  </a:schemeClr>
+                </a:solidFill>
+              </a:rPr>
+              <a:t>Build Reference Implementations</a:t>
+            </a:r>
+          </a:p>
+          <a:p>
+            <a:pPr marL="342891" indent="-342891" fontAlgn="base">
+              <a:buFont typeface="+mj-lt"/>
+              <a:buAutoNum type="arabicPeriod"/>
+            </a:pPr>
+            <a:r>
+              <a:rPr lang="en-US" sz="4000" dirty="0">
+                <a:solidFill>
+                  <a:schemeClr val="bg1"/>
+                </a:solidFill>
+              </a:rPr>
+              <a:t>Get in the pool and swim around</a:t>
+            </a:r>
+          </a:p>
+          <a:p>
+            <a:pPr marL="342891" indent="-342891" fontAlgn="base">
+              <a:buFont typeface="+mj-lt"/>
+              <a:buAutoNum type="arabicPeriod"/>
+            </a:pPr>
+            <a:r>
+              <a:rPr lang="en-US" sz="4000" dirty="0">
+                <a:solidFill>
+                  <a:schemeClr val="bg1">
+                    <a:lumMod val="75000"/>
+                  </a:schemeClr>
+                </a:solidFill>
+              </a:rPr>
+              <a:t>Focus on Teams &amp; Seams</a:t>
+            </a:r>
+          </a:p>
+        </p:txBody>
+      </p:sp>
+    </p:spTree>
+    <p:extLst>
+      <p:ext uri="{BB962C8B-B14F-4D97-AF65-F5344CB8AC3E}">
+        <p14:creationId xmlns:p14="http://schemas.microsoft.com/office/powerpoint/2010/main" val="2059965442"/>
       </p:ext>
     </p:extLst>
   </p:cSld>
@@ -29867,7 +31994,7 @@
         </p:nvSpPr>
         <p:spPr>
           <a:xfrm>
-            <a:off x="838200" y="2365324"/>
+            <a:off x="838200" y="623021"/>
             <a:ext cx="10515600" cy="2127352"/>
           </a:xfrm>
         </p:spPr>
@@ -29880,15 +32007,45 @@
             <a:pPr algn="ctr"/>
             <a:r>
               <a:rPr lang="en-US" sz="6600" dirty="0"/>
-              <a:t>It Could Mean</a:t>
-            </a:r>
-          </a:p>
-        </p:txBody>
-      </p:sp>
+              <a:t>Controversy</a:t>
+            </a:r>
+          </a:p>
+        </p:txBody>
+      </p:sp>
+      <p:pic>
+        <p:nvPicPr>
+          <p:cNvPr id="3" name="Picture 2"/>
+          <p:cNvPicPr>
+            <a:picLocks noChangeAspect="1"/>
+          </p:cNvPicPr>
+          <p:nvPr/>
+        </p:nvPicPr>
+        <p:blipFill>
+          <a:blip r:embed="rId3">
+            <a:extLst>
+              <a:ext uri="{28A0092B-C50C-407E-A947-70E740481C1C}">
+                <a14:useLocalDpi xmlns:a14="http://schemas.microsoft.com/office/drawing/2010/main" val="0"/>
+              </a:ext>
+            </a:extLst>
+          </a:blip>
+          <a:stretch>
+            <a:fillRect/>
+          </a:stretch>
+        </p:blipFill>
+        <p:spPr>
+          <a:xfrm>
+            <a:off x="4819281" y="2856762"/>
+            <a:ext cx="2553437" cy="2553437"/>
+          </a:xfrm>
+          <a:prstGeom prst="rect">
+            <a:avLst/>
+          </a:prstGeom>
+        </p:spPr>
+      </p:pic>
     </p:spTree>
     <p:extLst>
       <p:ext uri="{BB962C8B-B14F-4D97-AF65-F5344CB8AC3E}">
-        <p14:creationId xmlns:p14="http://schemas.microsoft.com/office/powerpoint/2010/main" val="1773444396"/>
+        <p14:creationId xmlns:p14="http://schemas.microsoft.com/office/powerpoint/2010/main" val="3993766502"/>
       </p:ext>
     </p:extLst>
   </p:cSld>
@@ -29904,7 +32061,7 @@
     <p:bg>
       <p:bgPr>
         <a:solidFill>
-          <a:schemeClr val="accent5"/>
+          <a:schemeClr val="accent2"/>
         </a:solidFill>
         <a:effectLst/>
       </p:bgPr>
@@ -29941,8 +32098,8 @@
         </p:nvSpPr>
         <p:spPr>
           <a:xfrm>
-            <a:off x="838200" y="2365324"/>
-            <a:ext cx="10515600" cy="2127352"/>
+            <a:off x="911941" y="1356852"/>
+            <a:ext cx="10515600" cy="3701845"/>
           </a:xfrm>
         </p:spPr>
         <p:txBody>
@@ -29953,8 +32110,56 @@
           <a:p>
             <a:pPr algn="ctr"/>
             <a:r>
-              <a:rPr lang="en-US" sz="6600" dirty="0"/>
-              <a:t>#1 Help Develop Reference Architectures</a:t>
+              <a:rPr lang="en-US" i="1" dirty="0">
+                <a:solidFill>
+                  <a:schemeClr val="bg1"/>
+                </a:solidFill>
+              </a:rPr>
+              <a:t>“In an agile world, where architectures evolve through the work of empowered teams, EA should play a hands-on role, facilitating reuse and guiding the enterprise to a flexible, agile architecture.”</a:t>
+            </a:r>
+            <a:endParaRPr lang="en-US" sz="6600" i="1" dirty="0">
+              <a:solidFill>
+                <a:schemeClr val="bg1"/>
+              </a:solidFill>
+            </a:endParaRPr>
+          </a:p>
+        </p:txBody>
+      </p:sp>
+      <p:sp>
+        <p:nvSpPr>
+          <p:cNvPr id="3" name="TextBox 2">
+            <a:extLst>
+              <a:ext uri="{FF2B5EF4-FFF2-40B4-BE49-F238E27FC236}">
+                <a16:creationId xmlns:a16="http://schemas.microsoft.com/office/drawing/2014/main" id="{180F9816-E23D-C346-9BF5-23F1DA87B087}"/>
+              </a:ext>
+            </a:extLst>
+          </p:cNvPr>
+          <p:cNvSpPr txBox="1"/>
+          <p:nvPr/>
+        </p:nvSpPr>
+        <p:spPr>
+          <a:xfrm>
+            <a:off x="2104076" y="5058697"/>
+            <a:ext cx="8145178" cy="369332"/>
+          </a:xfrm>
+          <a:prstGeom prst="rect">
+            <a:avLst/>
+          </a:prstGeom>
+          <a:noFill/>
+        </p:spPr>
+        <p:txBody>
+          <a:bodyPr wrap="none" rtlCol="0">
+            <a:spAutoFit/>
+          </a:bodyPr>
+          <a:lstStyle/>
+          <a:p>
+            <a:r>
+              <a:rPr lang="en-US" dirty="0">
+                <a:solidFill>
+                  <a:schemeClr val="bg1"/>
+                </a:solidFill>
+              </a:rPr>
+              <a:t>--Mark Schwartz, author and former CIO of US Citizenship and Immigration Services</a:t>
             </a:r>
           </a:p>
         </p:txBody>
@@ -29962,7 +32167,7 @@
     </p:spTree>
     <p:extLst>
       <p:ext uri="{BB962C8B-B14F-4D97-AF65-F5344CB8AC3E}">
-        <p14:creationId xmlns:p14="http://schemas.microsoft.com/office/powerpoint/2010/main" val="1881346885"/>
+        <p14:creationId xmlns:p14="http://schemas.microsoft.com/office/powerpoint/2010/main" val="3871349152"/>
       </p:ext>
     </p:extLst>
   </p:cSld>
@@ -30028,7 +32233,7 @@
             <a:pPr algn="ctr"/>
             <a:r>
               <a:rPr lang="en-US" sz="6600" dirty="0"/>
-              <a:t>#2 Work with Teams at Project Inception</a:t>
+              <a:t>It Doesn’t Mean</a:t>
             </a:r>
           </a:p>
         </p:txBody>
@@ -30036,7 +32241,7 @@
     </p:spTree>
     <p:extLst>
       <p:ext uri="{BB962C8B-B14F-4D97-AF65-F5344CB8AC3E}">
-        <p14:creationId xmlns:p14="http://schemas.microsoft.com/office/powerpoint/2010/main" val="191914322"/>
+        <p14:creationId xmlns:p14="http://schemas.microsoft.com/office/powerpoint/2010/main" val="3934561116"/>
       </p:ext>
     </p:extLst>
   </p:cSld>
@@ -30102,7 +32307,7 @@
             <a:pPr algn="ctr"/>
             <a:r>
               <a:rPr lang="en-US" sz="6600" dirty="0"/>
-              <a:t>#3 Develop Spikes/Prototypes</a:t>
+              <a:t>It Could Mean</a:t>
             </a:r>
           </a:p>
         </p:txBody>
@@ -30110,7 +32315,7 @@
     </p:spTree>
     <p:extLst>
       <p:ext uri="{BB962C8B-B14F-4D97-AF65-F5344CB8AC3E}">
-        <p14:creationId xmlns:p14="http://schemas.microsoft.com/office/powerpoint/2010/main" val="3265839814"/>
+        <p14:creationId xmlns:p14="http://schemas.microsoft.com/office/powerpoint/2010/main" val="1773444396"/>
       </p:ext>
     </p:extLst>
   </p:cSld>
@@ -30163,7 +32368,7 @@
         </p:nvSpPr>
         <p:spPr>
           <a:xfrm>
-            <a:off x="838200" y="2365324"/>
+            <a:off x="838199" y="857800"/>
             <a:ext cx="10515600" cy="2127352"/>
           </a:xfrm>
         </p:spPr>
@@ -30176,15 +32381,45 @@
             <a:pPr algn="ctr"/>
             <a:r>
               <a:rPr lang="en-US" sz="6600" dirty="0"/>
-              <a:t>The Value Proposition</a:t>
-            </a:r>
-          </a:p>
-        </p:txBody>
-      </p:sp>
+              <a:t>#1 Help Develop Reference Architectures</a:t>
+            </a:r>
+          </a:p>
+        </p:txBody>
+      </p:sp>
+      <p:pic>
+        <p:nvPicPr>
+          <p:cNvPr id="3" name="Picture 2"/>
+          <p:cNvPicPr>
+            <a:picLocks noChangeAspect="1"/>
+          </p:cNvPicPr>
+          <p:nvPr/>
+        </p:nvPicPr>
+        <p:blipFill>
+          <a:blip r:embed="rId3">
+            <a:extLst>
+              <a:ext uri="{28A0092B-C50C-407E-A947-70E740481C1C}">
+                <a14:useLocalDpi xmlns:a14="http://schemas.microsoft.com/office/drawing/2010/main" val="0"/>
+              </a:ext>
+            </a:extLst>
+          </a:blip>
+          <a:stretch>
+            <a:fillRect/>
+          </a:stretch>
+        </p:blipFill>
+        <p:spPr>
+          <a:xfrm>
+            <a:off x="4850173" y="3375746"/>
+            <a:ext cx="2491653" cy="2491653"/>
+          </a:xfrm>
+          <a:prstGeom prst="rect">
+            <a:avLst/>
+          </a:prstGeom>
+        </p:spPr>
+      </p:pic>
     </p:spTree>
     <p:extLst>
       <p:ext uri="{BB962C8B-B14F-4D97-AF65-F5344CB8AC3E}">
-        <p14:creationId xmlns:p14="http://schemas.microsoft.com/office/powerpoint/2010/main" val="835177557"/>
+        <p14:creationId xmlns:p14="http://schemas.microsoft.com/office/powerpoint/2010/main" val="1881346885"/>
       </p:ext>
     </p:extLst>
   </p:cSld>
@@ -30200,7 +32435,7 @@
     <p:bg>
       <p:bgPr>
         <a:solidFill>
-          <a:schemeClr val="accent1"/>
+          <a:schemeClr val="accent5"/>
         </a:solidFill>
         <a:effectLst/>
       </p:bgPr>
@@ -30221,115 +32456,74 @@
       </p:grpSpPr>
       <p:sp>
         <p:nvSpPr>
-          <p:cNvPr id="2" name="TextBox 1">
+          <p:cNvPr id="2" name="Title 1">
             <a:extLst>
               <a:ext uri="{FF2B5EF4-FFF2-40B4-BE49-F238E27FC236}">
-                <a16:creationId xmlns:a16="http://schemas.microsoft.com/office/drawing/2014/main" id="{B71D1FE3-1142-814F-87DC-BB654A6F358F}"/>
+                <a16:creationId xmlns:a16="http://schemas.microsoft.com/office/drawing/2014/main" id="{C409FD33-6233-7C49-9918-532E7EC05AB5}"/>
               </a:ext>
             </a:extLst>
           </p:cNvPr>
-          <p:cNvSpPr txBox="1"/>
+          <p:cNvSpPr>
+            <a:spLocks noGrp="1"/>
+          </p:cNvSpPr>
+          <p:nvPr>
+            <p:ph type="title"/>
+          </p:nvPr>
+        </p:nvSpPr>
+        <p:spPr>
+          <a:xfrm>
+            <a:off x="838200" y="993724"/>
+            <a:ext cx="10515600" cy="2127352"/>
+          </a:xfrm>
+        </p:spPr>
+        <p:txBody>
+          <a:bodyPr>
+            <a:noAutofit/>
+          </a:bodyPr>
+          <a:lstStyle/>
+          <a:p>
+            <a:pPr algn="ctr"/>
+            <a:r>
+              <a:rPr lang="en-US" sz="6600" dirty="0"/>
+              <a:t>#2 Work with Teams at Project Inception</a:t>
+            </a:r>
+          </a:p>
+        </p:txBody>
+      </p:sp>
+      <p:pic>
+        <p:nvPicPr>
+          <p:cNvPr id="3" name="Picture 2"/>
+          <p:cNvPicPr>
+            <a:picLocks noChangeAspect="1"/>
+          </p:cNvPicPr>
           <p:nvPr/>
-        </p:nvSpPr>
-        <p:spPr>
-          <a:xfrm>
-            <a:off x="889819" y="1536173"/>
-            <a:ext cx="10412363" cy="3170099"/>
+        </p:nvPicPr>
+        <p:blipFill>
+          <a:blip r:embed="rId3">
+            <a:extLst>
+              <a:ext uri="{28A0092B-C50C-407E-A947-70E740481C1C}">
+                <a14:useLocalDpi xmlns:a14="http://schemas.microsoft.com/office/drawing/2010/main" val="0"/>
+              </a:ext>
+            </a:extLst>
+          </a:blip>
+          <a:stretch>
+            <a:fillRect/>
+          </a:stretch>
+        </p:blipFill>
+        <p:spPr>
+          <a:xfrm>
+            <a:off x="4874887" y="3429000"/>
+            <a:ext cx="2442226" cy="2442226"/>
           </a:xfrm>
           <a:prstGeom prst="rect">
             <a:avLst/>
           </a:prstGeom>
-          <a:noFill/>
-        </p:spPr>
-        <p:txBody>
-          <a:bodyPr wrap="square" rtlCol="0">
-            <a:spAutoFit/>
-          </a:bodyPr>
-          <a:lstStyle/>
-          <a:p>
-            <a:pPr marL="342891" indent="-342891" fontAlgn="base">
-              <a:buFont typeface="+mj-lt"/>
-              <a:buAutoNum type="arabicPeriod"/>
-            </a:pPr>
-            <a:r>
-              <a:rPr lang="en-US" sz="4000" dirty="0">
-                <a:solidFill>
-                  <a:schemeClr val="bg1">
-                    <a:lumMod val="75000"/>
-                  </a:schemeClr>
-                </a:solidFill>
-              </a:rPr>
-              <a:t>Lightweight Architectural Decision Records</a:t>
-            </a:r>
-          </a:p>
-          <a:p>
-            <a:pPr marL="342891" indent="-342891" fontAlgn="base">
-              <a:buFont typeface="+mj-lt"/>
-              <a:buAutoNum type="arabicPeriod"/>
-            </a:pPr>
-            <a:r>
-              <a:rPr lang="en-US" sz="4000" dirty="0">
-                <a:solidFill>
-                  <a:schemeClr val="bg1">
-                    <a:lumMod val="75000"/>
-                  </a:schemeClr>
-                </a:solidFill>
-              </a:rPr>
-              <a:t>Enterprise Architecture Guilds</a:t>
-            </a:r>
-          </a:p>
-          <a:p>
-            <a:pPr marL="342891" indent="-342891" fontAlgn="base">
-              <a:buFont typeface="+mj-lt"/>
-              <a:buAutoNum type="arabicPeriod"/>
-            </a:pPr>
-            <a:r>
-              <a:rPr lang="en-US" sz="4000" dirty="0">
-                <a:solidFill>
-                  <a:schemeClr val="bg1">
-                    <a:lumMod val="75000"/>
-                  </a:schemeClr>
-                </a:solidFill>
-              </a:rPr>
-              <a:t>Build Reference Implementations</a:t>
-            </a:r>
-          </a:p>
-          <a:p>
-            <a:pPr marL="342891" indent="-342891" fontAlgn="base">
-              <a:buFont typeface="+mj-lt"/>
-              <a:buAutoNum type="arabicPeriod"/>
-            </a:pPr>
-            <a:r>
-              <a:rPr lang="en-US" sz="4000" dirty="0">
-                <a:solidFill>
-                  <a:schemeClr val="bg1">
-                    <a:lumMod val="75000"/>
-                  </a:schemeClr>
-                </a:solidFill>
-              </a:rPr>
-              <a:t>Get in the pool and swim around</a:t>
-            </a:r>
-          </a:p>
-          <a:p>
-            <a:pPr marL="342891" indent="-342891" fontAlgn="base">
-              <a:buFont typeface="+mj-lt"/>
-              <a:buAutoNum type="arabicPeriod"/>
-            </a:pPr>
-            <a:r>
-              <a:rPr lang="en-US" sz="4000" dirty="0">
-                <a:solidFill>
-                  <a:schemeClr val="bg1"/>
-                </a:solidFill>
-              </a:rPr>
-              <a:t>Focus on Teams &amp; Seams</a:t>
-            </a:r>
-          </a:p>
-        </p:txBody>
-      </p:sp>
+        </p:spPr>
+      </p:pic>
     </p:spTree>
     <p:extLst>
       <p:ext uri="{BB962C8B-B14F-4D97-AF65-F5344CB8AC3E}">
-        <p14:creationId xmlns:p14="http://schemas.microsoft.com/office/powerpoint/2010/main" val="3668961211"/>
+        <p14:creationId xmlns:p14="http://schemas.microsoft.com/office/powerpoint/2010/main" val="191914322"/>
       </p:ext>
     </p:extLst>
   </p:cSld>
@@ -30382,7 +32576,7 @@
         </p:nvSpPr>
         <p:spPr>
           <a:xfrm>
-            <a:off x="838200" y="2365324"/>
+            <a:off x="838200" y="561238"/>
             <a:ext cx="10515600" cy="2127352"/>
           </a:xfrm>
         </p:spPr>
@@ -30395,15 +32589,75 @@
             <a:pPr algn="ctr"/>
             <a:r>
               <a:rPr lang="en-US" sz="6600" dirty="0"/>
-              <a:t>Teams Still Need to Interact with Other Teams</a:t>
-            </a:r>
-          </a:p>
-        </p:txBody>
-      </p:sp>
+              <a:t>#3 Develop Spikes/Prototypes</a:t>
+            </a:r>
+          </a:p>
+        </p:txBody>
+      </p:sp>
+      <p:pic>
+        <p:nvPicPr>
+          <p:cNvPr id="3" name="Picture 2"/>
+          <p:cNvPicPr>
+            <a:picLocks noChangeAspect="1"/>
+          </p:cNvPicPr>
+          <p:nvPr/>
+        </p:nvPicPr>
+        <p:blipFill>
+          <a:blip r:embed="rId3">
+            <a:extLst>
+              <a:ext uri="{28A0092B-C50C-407E-A947-70E740481C1C}">
+                <a14:useLocalDpi xmlns:a14="http://schemas.microsoft.com/office/drawing/2010/main" val="0"/>
+              </a:ext>
+            </a:extLst>
+          </a:blip>
+          <a:stretch>
+            <a:fillRect/>
+          </a:stretch>
+        </p:blipFill>
+        <p:spPr>
+          <a:xfrm>
+            <a:off x="3598461" y="3103897"/>
+            <a:ext cx="2456644" cy="2456644"/>
+          </a:xfrm>
+          <a:prstGeom prst="rect">
+            <a:avLst/>
+          </a:prstGeom>
+        </p:spPr>
+      </p:pic>
+      <p:pic>
+        <p:nvPicPr>
+          <p:cNvPr id="4" name="Picture 3"/>
+          <p:cNvPicPr>
+            <a:picLocks noChangeAspect="1"/>
+          </p:cNvPicPr>
+          <p:nvPr/>
+        </p:nvPicPr>
+        <p:blipFill>
+          <a:blip r:embed="rId3">
+            <a:extLst>
+              <a:ext uri="{28A0092B-C50C-407E-A947-70E740481C1C}">
+                <a14:useLocalDpi xmlns:a14="http://schemas.microsoft.com/office/drawing/2010/main" val="0"/>
+              </a:ext>
+            </a:extLst>
+          </a:blip>
+          <a:stretch>
+            <a:fillRect/>
+          </a:stretch>
+        </p:blipFill>
+        <p:spPr>
+          <a:xfrm rot="1443185">
+            <a:off x="5820327" y="3123609"/>
+            <a:ext cx="2456644" cy="2456644"/>
+          </a:xfrm>
+          <a:prstGeom prst="rect">
+            <a:avLst/>
+          </a:prstGeom>
+        </p:spPr>
+      </p:pic>
     </p:spTree>
     <p:extLst>
       <p:ext uri="{BB962C8B-B14F-4D97-AF65-F5344CB8AC3E}">
-        <p14:creationId xmlns:p14="http://schemas.microsoft.com/office/powerpoint/2010/main" val="1410674698"/>
+        <p14:creationId xmlns:p14="http://schemas.microsoft.com/office/powerpoint/2010/main" val="3265839814"/>
       </p:ext>
     </p:extLst>
   </p:cSld>
@@ -30469,14 +32723,7 @@
             <a:pPr algn="ctr"/>
             <a:r>
               <a:rPr lang="en-US" sz="6600" dirty="0"/>
-              <a:t>Enterprises are</a:t>
-            </a:r>
-            <a:br>
-              <a:rPr lang="en-US" sz="6600" dirty="0"/>
-            </a:br>
-            <a:r>
-              <a:rPr lang="en-US" sz="6600" dirty="0"/>
-              <a:t>messy things</a:t>
+              <a:t>The Value Proposition</a:t>
             </a:r>
           </a:p>
         </p:txBody>
@@ -30484,7 +32731,7 @@
     </p:spTree>
     <p:extLst>
       <p:ext uri="{BB962C8B-B14F-4D97-AF65-F5344CB8AC3E}">
-        <p14:creationId xmlns:p14="http://schemas.microsoft.com/office/powerpoint/2010/main" val="4034749832"/>
+        <p14:creationId xmlns:p14="http://schemas.microsoft.com/office/powerpoint/2010/main" val="835177557"/>
       </p:ext>
     </p:extLst>
   </p:cSld>
@@ -30500,7 +32747,7 @@
     <p:bg>
       <p:bgPr>
         <a:solidFill>
-          <a:schemeClr val="accent5"/>
+          <a:schemeClr val="accent1"/>
         </a:solidFill>
         <a:effectLst/>
       </p:bgPr>
@@ -30521,36 +32768,107 @@
       </p:grpSpPr>
       <p:sp>
         <p:nvSpPr>
-          <p:cNvPr id="2" name="Title 1">
+          <p:cNvPr id="2" name="TextBox 1">
             <a:extLst>
               <a:ext uri="{FF2B5EF4-FFF2-40B4-BE49-F238E27FC236}">
-                <a16:creationId xmlns:a16="http://schemas.microsoft.com/office/drawing/2014/main" id="{C409FD33-6233-7C49-9918-532E7EC05AB5}"/>
+                <a16:creationId xmlns:a16="http://schemas.microsoft.com/office/drawing/2014/main" id="{B71D1FE3-1142-814F-87DC-BB654A6F358F}"/>
               </a:ext>
             </a:extLst>
           </p:cNvPr>
-          <p:cNvSpPr>
-            <a:spLocks noGrp="1"/>
-          </p:cNvSpPr>
-          <p:nvPr>
-            <p:ph type="title"/>
-          </p:nvPr>
-        </p:nvSpPr>
-        <p:spPr>
-          <a:xfrm>
-            <a:off x="838200" y="2365324"/>
-            <a:ext cx="10515600" cy="2127352"/>
-          </a:xfrm>
-        </p:spPr>
-        <p:txBody>
-          <a:bodyPr>
-            <a:noAutofit/>
+          <p:cNvSpPr txBox="1"/>
+          <p:nvPr/>
+        </p:nvSpPr>
+        <p:spPr>
+          <a:xfrm>
+            <a:off x="889819" y="1536173"/>
+            <a:ext cx="10412363" cy="3170099"/>
+          </a:xfrm>
+          <a:prstGeom prst="rect">
+            <a:avLst/>
+          </a:prstGeom>
+          <a:noFill/>
+        </p:spPr>
+        <p:txBody>
+          <a:bodyPr wrap="square" rtlCol="0">
+            <a:spAutoFit/>
           </a:bodyPr>
           <a:lstStyle/>
           <a:p>
-            <a:pPr algn="ctr"/>
-            <a:r>
-              <a:rPr lang="en-US" sz="6600" dirty="0"/>
-              <a:t>Teams &amp; Seams</a:t>
+            <a:pPr marL="342891" indent="-342891" fontAlgn="base">
+              <a:buFont typeface="+mj-lt"/>
+              <a:buAutoNum type="arabicPeriod"/>
+            </a:pPr>
+            <a:r>
+              <a:rPr lang="en-US" sz="4000" dirty="0">
+                <a:solidFill>
+                  <a:schemeClr val="bg1">
+                    <a:lumMod val="75000"/>
+                  </a:schemeClr>
+                </a:solidFill>
+              </a:rPr>
+              <a:t>Lightweight Architectural Decision Records</a:t>
+            </a:r>
+          </a:p>
+          <a:p>
+            <a:pPr marL="342891" indent="-342891" fontAlgn="base">
+              <a:buFont typeface="+mj-lt"/>
+              <a:buAutoNum type="arabicPeriod"/>
+            </a:pPr>
+            <a:r>
+              <a:rPr lang="en-US" sz="4000" dirty="0">
+                <a:solidFill>
+                  <a:schemeClr val="bg1">
+                    <a:lumMod val="75000"/>
+                  </a:schemeClr>
+                </a:solidFill>
+              </a:rPr>
+              <a:t>Enterprise Architecture Guilds</a:t>
+            </a:r>
+          </a:p>
+          <a:p>
+            <a:pPr marL="342891" indent="-342891" fontAlgn="base">
+              <a:buFont typeface="+mj-lt"/>
+              <a:buAutoNum type="arabicPeriod"/>
+            </a:pPr>
+            <a:r>
+              <a:rPr lang="en-US" sz="4000" dirty="0">
+                <a:solidFill>
+                  <a:schemeClr val="bg1">
+                    <a:lumMod val="75000"/>
+                  </a:schemeClr>
+                </a:solidFill>
+              </a:rPr>
+              <a:t>Build Reference Implementations</a:t>
+            </a:r>
+          </a:p>
+          <a:p>
+            <a:pPr marL="342891" indent="-342891" fontAlgn="base">
+              <a:buFont typeface="+mj-lt"/>
+              <a:buAutoNum type="arabicPeriod"/>
+            </a:pPr>
+            <a:r>
+              <a:rPr lang="en-US" sz="4000" dirty="0">
+                <a:solidFill>
+                  <a:schemeClr val="bg1">
+                    <a:lumMod val="75000"/>
+                  </a:schemeClr>
+                </a:solidFill>
+              </a:rPr>
+              <a:t>Get in the pool and swim around</a:t>
+            </a:r>
+          </a:p>
+          <a:p>
+            <a:pPr marL="342891" indent="-342891" fontAlgn="base">
+              <a:buFont typeface="+mj-lt"/>
+              <a:buAutoNum type="arabicPeriod"/>
+            </a:pPr>
+            <a:r>
+              <a:rPr lang="en-US" sz="4000" dirty="0">
+                <a:solidFill>
+                  <a:schemeClr val="bg1"/>
+                </a:solidFill>
+              </a:rPr>
+              <a:t>Focus on Teams &amp; Seams</a:t>
             </a:r>
           </a:p>
         </p:txBody>
@@ -30558,7 +32876,7 @@
     </p:spTree>
     <p:extLst>
       <p:ext uri="{BB962C8B-B14F-4D97-AF65-F5344CB8AC3E}">
-        <p14:creationId xmlns:p14="http://schemas.microsoft.com/office/powerpoint/2010/main" val="1500112307"/>
+        <p14:creationId xmlns:p14="http://schemas.microsoft.com/office/powerpoint/2010/main" val="3668961211"/>
       </p:ext>
     </p:extLst>
   </p:cSld>
@@ -30624,7 +32942,7 @@
             <a:pPr algn="ctr"/>
             <a:r>
               <a:rPr lang="en-US" sz="6600" dirty="0"/>
-              <a:t>Wait, weren’t ADRs supposed to fix this?</a:t>
+              <a:t>Teams Still Need to Interact with Other Teams</a:t>
             </a:r>
           </a:p>
         </p:txBody>
@@ -30632,7 +32950,7 @@
     </p:spTree>
     <p:extLst>
       <p:ext uri="{BB962C8B-B14F-4D97-AF65-F5344CB8AC3E}">
-        <p14:creationId xmlns:p14="http://schemas.microsoft.com/office/powerpoint/2010/main" val="996226047"/>
+        <p14:creationId xmlns:p14="http://schemas.microsoft.com/office/powerpoint/2010/main" val="1410674698"/>
       </p:ext>
     </p:extLst>
   </p:cSld>

--- a/ea_in_a_devops_time.pptx
+++ b/ea_in_a_devops_time.pptx
@@ -2322,8 +2322,29 @@
                 <a:ea typeface="+mn-ea"/>
                 <a:cs typeface="+mn-cs"/>
               </a:rPr>
-              <a:t>patches &amp; minor releases are *guaranteed* to be backward compatible, major releases are not</a:t>
-            </a:r>
+              <a:t>patches &amp; minor releases are *guaranteed* to be backward compatible, major releases are </a:t>
+            </a:r>
+            <a:r>
+              <a:rPr lang="en-US" sz="1200" b="0" i="0" u="none" strike="noStrike" kern="1200" dirty="0" smtClean="0">
+                <a:solidFill>
+                  <a:schemeClr val="tx1"/>
+                </a:solidFill>
+                <a:effectLst/>
+                <a:latin typeface="+mn-lt"/>
+                <a:ea typeface="+mn-ea"/>
+                <a:cs typeface="+mn-cs"/>
+              </a:rPr>
+              <a:t>not. And it’s up to you and the teams to fulfill this guarantee.</a:t>
+            </a:r>
+            <a:endParaRPr lang="en-US" sz="1200" b="0" i="0" u="none" strike="noStrike" kern="1200" dirty="0">
+              <a:solidFill>
+                <a:schemeClr val="tx1"/>
+              </a:solidFill>
+              <a:effectLst/>
+              <a:latin typeface="+mn-lt"/>
+              <a:ea typeface="+mn-ea"/>
+              <a:cs typeface="+mn-cs"/>
+            </a:endParaRPr>
           </a:p>
         </p:txBody>
       </p:sp>
@@ -12814,8 +12835,41 @@
                 <a:ea typeface="+mn-ea"/>
                 <a:cs typeface="+mn-cs"/>
               </a:rPr>
-              <a:t>If you have managed to create a "unified IT environment" with "standardized hardware and software systems", you are in the minority of enterprises.</a:t>
-            </a:r>
+              <a:t>If you have managed to create a "unified IT environment" with "standardized hardware and software systems", you are in the minority of </a:t>
+            </a:r>
+            <a:r>
+              <a:rPr lang="en-US" sz="1200" b="0" i="0" u="none" strike="noStrike" kern="1200" dirty="0" smtClean="0">
+                <a:solidFill>
+                  <a:schemeClr val="tx1"/>
+                </a:solidFill>
+                <a:effectLst/>
+                <a:latin typeface="+mn-lt"/>
+                <a:ea typeface="+mn-ea"/>
+                <a:cs typeface="+mn-cs"/>
+              </a:rPr>
+              <a:t>enterprises</a:t>
+            </a:r>
+            <a:r>
+              <a:rPr lang="en-US" sz="1200" b="0" i="0" u="none" strike="noStrike" kern="1200" baseline="0" dirty="0" smtClean="0">
+                <a:solidFill>
+                  <a:schemeClr val="tx1"/>
+                </a:solidFill>
+                <a:effectLst/>
+                <a:latin typeface="+mn-lt"/>
+                <a:ea typeface="+mn-ea"/>
+                <a:cs typeface="+mn-cs"/>
+              </a:rPr>
+              <a:t> (and you are probably leaving new, important capabilities by the wayside)</a:t>
+            </a:r>
+            <a:endParaRPr lang="en-US" sz="1200" b="0" i="0" u="none" strike="noStrike" kern="1200" dirty="0">
+              <a:solidFill>
+                <a:schemeClr val="tx1"/>
+              </a:solidFill>
+              <a:effectLst/>
+              <a:latin typeface="+mn-lt"/>
+              <a:ea typeface="+mn-ea"/>
+              <a:cs typeface="+mn-cs"/>
+            </a:endParaRPr>
           </a:p>
           <a:p>
             <a:pPr rtl="0"/>
@@ -22463,7 +22517,7 @@
         </p:nvSpPr>
         <p:spPr>
           <a:xfrm>
-            <a:off x="911941" y="1356852"/>
+            <a:off x="911941" y="1134426"/>
             <a:ext cx="10515600" cy="3701845"/>
           </a:xfrm>
         </p:spPr>
@@ -22504,8 +22558,8 @@
         </p:nvSpPr>
         <p:spPr>
           <a:xfrm>
-            <a:off x="2104076" y="5058697"/>
-            <a:ext cx="8145178" cy="369332"/>
+            <a:off x="1661551" y="5058697"/>
+            <a:ext cx="9016379" cy="646331"/>
           </a:xfrm>
           <a:prstGeom prst="rect">
             <a:avLst/>
@@ -22518,14 +22572,39 @@
           </a:bodyPr>
           <a:lstStyle/>
           <a:p>
+            <a:pPr algn="ctr"/>
             <a:r>
               <a:rPr lang="en-US" dirty="0">
                 <a:solidFill>
                   <a:schemeClr val="bg1"/>
                 </a:solidFill>
               </a:rPr>
-              <a:t>--Mark Schwartz, author and former CIO of US Citizenship and Immigration Services</a:t>
-            </a:r>
+              <a:t>--Mark Schwartz, author and former CIO of US Citizenship and Immigration </a:t>
+            </a:r>
+            <a:r>
+              <a:rPr lang="en-US" dirty="0" smtClean="0">
+                <a:solidFill>
+                  <a:schemeClr val="bg1"/>
+                </a:solidFill>
+              </a:rPr>
+              <a:t>Services</a:t>
+            </a:r>
+          </a:p>
+          <a:p>
+            <a:pPr algn="ctr"/>
+            <a:r>
+              <a:rPr lang="en-US" dirty="0">
+                <a:solidFill>
+                  <a:schemeClr val="bg1"/>
+                </a:solidFill>
+              </a:rPr>
+              <a:t>https://enterprisersproject.com/article/2017/7/devops-requires-dumping-old-it-leadership-ideas</a:t>
+            </a:r>
+            <a:endParaRPr lang="en-US" dirty="0">
+              <a:solidFill>
+                <a:schemeClr val="bg1"/>
+              </a:solidFill>
+            </a:endParaRPr>
           </a:p>
         </p:txBody>
       </p:sp>
@@ -32098,7 +32177,7 @@
         </p:nvSpPr>
         <p:spPr>
           <a:xfrm>
-            <a:off x="911941" y="1356852"/>
+            <a:off x="911941" y="1208568"/>
             <a:ext cx="10515600" cy="3701845"/>
           </a:xfrm>
         </p:spPr>
@@ -32127,7 +32206,7 @@
       </p:sp>
       <p:sp>
         <p:nvSpPr>
-          <p:cNvPr id="3" name="TextBox 2">
+          <p:cNvPr id="4" name="TextBox 3">
             <a:extLst>
               <a:ext uri="{FF2B5EF4-FFF2-40B4-BE49-F238E27FC236}">
                 <a16:creationId xmlns:a16="http://schemas.microsoft.com/office/drawing/2014/main" id="{180F9816-E23D-C346-9BF5-23F1DA87B087}"/>
@@ -32139,8 +32218,8 @@
         </p:nvSpPr>
         <p:spPr>
           <a:xfrm>
-            <a:off x="2104076" y="5058697"/>
-            <a:ext cx="8145178" cy="369332"/>
+            <a:off x="1661551" y="5058697"/>
+            <a:ext cx="9016379" cy="646331"/>
           </a:xfrm>
           <a:prstGeom prst="rect">
             <a:avLst/>
@@ -32153,14 +32232,39 @@
           </a:bodyPr>
           <a:lstStyle/>
           <a:p>
+            <a:pPr algn="ctr"/>
             <a:r>
               <a:rPr lang="en-US" dirty="0">
                 <a:solidFill>
                   <a:schemeClr val="bg1"/>
                 </a:solidFill>
               </a:rPr>
-              <a:t>--Mark Schwartz, author and former CIO of US Citizenship and Immigration Services</a:t>
-            </a:r>
+              <a:t>--Mark Schwartz, author and former CIO of US Citizenship and Immigration </a:t>
+            </a:r>
+            <a:r>
+              <a:rPr lang="en-US" dirty="0" smtClean="0">
+                <a:solidFill>
+                  <a:schemeClr val="bg1"/>
+                </a:solidFill>
+              </a:rPr>
+              <a:t>Services</a:t>
+            </a:r>
+          </a:p>
+          <a:p>
+            <a:pPr algn="ctr"/>
+            <a:r>
+              <a:rPr lang="en-US" dirty="0">
+                <a:solidFill>
+                  <a:schemeClr val="bg1"/>
+                </a:solidFill>
+              </a:rPr>
+              <a:t>https://enterprisersproject.com/article/2017/7/devops-requires-dumping-old-it-leadership-ideas</a:t>
+            </a:r>
+            <a:endParaRPr lang="en-US" dirty="0">
+              <a:solidFill>
+                <a:schemeClr val="bg1"/>
+              </a:solidFill>
+            </a:endParaRPr>
           </a:p>
         </p:txBody>
       </p:sp>
@@ -32388,7 +32492,7 @@
       </p:sp>
       <p:pic>
         <p:nvPicPr>
-          <p:cNvPr id="3" name="Picture 2"/>
+          <p:cNvPr id="4" name="Picture 3"/>
           <p:cNvPicPr>
             <a:picLocks noChangeAspect="1"/>
           </p:cNvPicPr>
@@ -32408,8 +32512,8 @@
         </p:blipFill>
         <p:spPr>
           <a:xfrm>
-            <a:off x="4850173" y="3375746"/>
-            <a:ext cx="2491653" cy="2491653"/>
+            <a:off x="4860469" y="3276891"/>
+            <a:ext cx="2471060" cy="2471060"/>
           </a:xfrm>
           <a:prstGeom prst="rect">
             <a:avLst/>
